--- a/TechiNar Series-Unit Testing Frameworks Demo.pptx
+++ b/TechiNar Series-Unit Testing Frameworks Demo.pptx
@@ -6678,8 +6678,12 @@
               <a:t>th</a:t>
             </a:r>
             <a:r>
-              <a:rPr lang="en-US" sz="1600" dirty="0" smtClean="0"/>
-              <a:t>, 2014</a:t>
+              <a:rPr lang="en-US" sz="1600" smtClean="0"/>
+              <a:t>, </a:t>
+            </a:r>
+            <a:r>
+              <a:rPr lang="en-US" sz="1600" smtClean="0"/>
+              <a:t>2014 </a:t>
             </a:r>
             <a:endParaRPr lang="en-US" sz="1600" dirty="0"/>
           </a:p>
@@ -7673,11 +7677,7 @@
           <a:p>
             <a:r>
               <a:rPr lang="en-US" sz="2800" dirty="0" smtClean="0"/>
-              <a:t>NEW </a:t>
-            </a:r>
-            <a:r>
-              <a:rPr lang="en-US" sz="2800" dirty="0" smtClean="0"/>
-              <a:t>FEATURES BY </a:t>
+              <a:t>NEW FEATURES BY </a:t>
             </a:r>
             <a:r>
               <a:rPr lang="en-US" sz="2800" dirty="0" err="1" smtClean="0"/>
@@ -11565,11 +11565,7 @@
           <a:p>
             <a:r>
               <a:rPr lang="en-US" sz="2400" dirty="0" smtClean="0"/>
-              <a:t>New </a:t>
-            </a:r>
-            <a:r>
-              <a:rPr lang="en-US" sz="2400" dirty="0" smtClean="0"/>
-              <a:t>Features provided by </a:t>
+              <a:t>New Features provided by </a:t>
             </a:r>
             <a:r>
               <a:rPr lang="en-US" sz="2400" dirty="0" err="1" smtClean="0"/>
@@ -11579,7 +11575,6 @@
               <a:rPr lang="en-US" sz="2400" dirty="0" smtClean="0"/>
               <a:t> 4</a:t>
             </a:r>
-            <a:endParaRPr lang="en-US" sz="2400" dirty="0" smtClean="0"/>
           </a:p>
           <a:p>
             <a:r>

--- a/TechiNar Series-Unit Testing Frameworks Demo.pptx
+++ b/TechiNar Series-Unit Testing Frameworks Demo.pptx
@@ -5,7 +5,7 @@
     <p:sldMasterId id="2147483648" r:id="rId2"/>
   </p:sldMasterIdLst>
   <p:notesMasterIdLst>
-    <p:notesMasterId r:id="rId29"/>
+    <p:notesMasterId r:id="rId39"/>
   </p:notesMasterIdLst>
   <p:sldIdLst>
     <p:sldId id="256" r:id="rId3"/>
@@ -13,27 +13,37 @@
     <p:sldId id="257" r:id="rId5"/>
     <p:sldId id="278" r:id="rId6"/>
     <p:sldId id="258" r:id="rId7"/>
-    <p:sldId id="264" r:id="rId8"/>
-    <p:sldId id="265" r:id="rId9"/>
-    <p:sldId id="266" r:id="rId10"/>
-    <p:sldId id="267" r:id="rId11"/>
-    <p:sldId id="268" r:id="rId12"/>
-    <p:sldId id="269" r:id="rId13"/>
-    <p:sldId id="279" r:id="rId14"/>
-    <p:sldId id="270" r:id="rId15"/>
-    <p:sldId id="271" r:id="rId16"/>
-    <p:sldId id="272" r:id="rId17"/>
-    <p:sldId id="277" r:id="rId18"/>
-    <p:sldId id="285" r:id="rId19"/>
-    <p:sldId id="282" r:id="rId20"/>
-    <p:sldId id="286" r:id="rId21"/>
-    <p:sldId id="280" r:id="rId22"/>
-    <p:sldId id="274" r:id="rId23"/>
-    <p:sldId id="284" r:id="rId24"/>
-    <p:sldId id="287" r:id="rId25"/>
-    <p:sldId id="281" r:id="rId26"/>
-    <p:sldId id="273" r:id="rId27"/>
-    <p:sldId id="259" r:id="rId28"/>
+    <p:sldId id="288" r:id="rId8"/>
+    <p:sldId id="264" r:id="rId9"/>
+    <p:sldId id="289" r:id="rId10"/>
+    <p:sldId id="265" r:id="rId11"/>
+    <p:sldId id="290" r:id="rId12"/>
+    <p:sldId id="266" r:id="rId13"/>
+    <p:sldId id="267" r:id="rId14"/>
+    <p:sldId id="268" r:id="rId15"/>
+    <p:sldId id="291" r:id="rId16"/>
+    <p:sldId id="269" r:id="rId17"/>
+    <p:sldId id="292" r:id="rId18"/>
+    <p:sldId id="297" r:id="rId19"/>
+    <p:sldId id="279" r:id="rId20"/>
+    <p:sldId id="270" r:id="rId21"/>
+    <p:sldId id="271" r:id="rId22"/>
+    <p:sldId id="272" r:id="rId23"/>
+    <p:sldId id="277" r:id="rId24"/>
+    <p:sldId id="293" r:id="rId25"/>
+    <p:sldId id="294" r:id="rId26"/>
+    <p:sldId id="295" r:id="rId27"/>
+    <p:sldId id="285" r:id="rId28"/>
+    <p:sldId id="296" r:id="rId29"/>
+    <p:sldId id="282" r:id="rId30"/>
+    <p:sldId id="286" r:id="rId31"/>
+    <p:sldId id="280" r:id="rId32"/>
+    <p:sldId id="274" r:id="rId33"/>
+    <p:sldId id="284" r:id="rId34"/>
+    <p:sldId id="287" r:id="rId35"/>
+    <p:sldId id="281" r:id="rId36"/>
+    <p:sldId id="273" r:id="rId37"/>
+    <p:sldId id="259" r:id="rId38"/>
   </p:sldIdLst>
   <p:sldSz cx="9144000" cy="6858000" type="screen4x3"/>
   <p:notesSz cx="6858000" cy="9144000"/>
@@ -218,7 +228,7 @@
             <a:fld id="{596203C1-616A-4651-A577-7BA09B384D13}" type="datetimeFigureOut">
               <a:rPr lang="en-US" smtClean="0"/>
               <a:pPr/>
-              <a:t>7/23/2014</a:t>
+              <a:t>7/25/2014</a:t>
             </a:fld>
             <a:endParaRPr lang="en-US"/>
           </a:p>
@@ -617,35 +627,6 @@
           </a:bodyPr>
           <a:lstStyle/>
           <a:p>
-            <a:r>
-              <a:rPr lang="en-GB" dirty="0" smtClean="0"/>
-              <a:t>Testing Exceptions:</a:t>
-            </a:r>
-          </a:p>
-          <a:p>
-            <a:pPr lvl="1"/>
-            <a:r>
-              <a:rPr lang="en-GB" dirty="0" err="1" smtClean="0"/>
-              <a:t>Junit</a:t>
-            </a:r>
-            <a:r>
-              <a:rPr lang="en-GB" dirty="0" smtClean="0"/>
-              <a:t> 3.x uses try-catch.</a:t>
-            </a:r>
-          </a:p>
-          <a:p>
-            <a:pPr lvl="1"/>
-            <a:r>
-              <a:rPr lang="en-GB" dirty="0" err="1" smtClean="0"/>
-              <a:t>Junit</a:t>
-            </a:r>
-            <a:r>
-              <a:rPr lang="en-GB" dirty="0" smtClean="0"/>
-              <a:t> 4.x uses expected attribute of @Test annotation.</a:t>
-            </a:r>
-            <a:endParaRPr lang="en-US" dirty="0" smtClean="0"/>
-          </a:p>
-          <a:p>
             <a:endParaRPr lang="en-US" dirty="0"/>
           </a:p>
         </p:txBody>
@@ -728,9 +709,10 @@
           </a:bodyPr>
           <a:lstStyle/>
           <a:p>
+            <a:pPr lvl="1"/>
             <a:r>
               <a:rPr lang="en-GB" dirty="0" smtClean="0"/>
-              <a:t>Testing Exceptions with messages:</a:t>
+              <a:t>Assert Statements: </a:t>
             </a:r>
           </a:p>
           <a:p>
@@ -741,7 +723,15 @@
             </a:r>
             <a:r>
               <a:rPr lang="en-GB" dirty="0" smtClean="0"/>
-              <a:t> 3.x uses try-catch.</a:t>
+              <a:t> 3.x uses inherited assert Methods of </a:t>
+            </a:r>
+            <a:r>
+              <a:rPr lang="en-GB" dirty="0" err="1" smtClean="0"/>
+              <a:t>TestCase</a:t>
+            </a:r>
+            <a:r>
+              <a:rPr lang="en-GB" dirty="0" smtClean="0"/>
+              <a:t> class</a:t>
             </a:r>
           </a:p>
           <a:p>
@@ -752,7 +742,33 @@
             </a:r>
             <a:r>
               <a:rPr lang="en-GB" dirty="0" smtClean="0"/>
-              <a:t> 4.x uses @Rule annotation.</a:t>
+              <a:t> 4.x uses statically imported assert Methods from Assert class directly.</a:t>
+            </a:r>
+          </a:p>
+          <a:p>
+            <a:pPr lvl="1"/>
+            <a:endParaRPr lang="en-GB" dirty="0" smtClean="0"/>
+          </a:p>
+          <a:p>
+            <a:pPr lvl="1"/>
+            <a:r>
+              <a:rPr lang="en-GB" dirty="0" smtClean="0"/>
+              <a:t>Ignoring tests</a:t>
+            </a:r>
+          </a:p>
+          <a:p>
+            <a:pPr lvl="2"/>
+            <a:r>
+              <a:rPr lang="en-GB" dirty="0" smtClean="0"/>
+              <a:t>No direct way to ignore tests in </a:t>
+            </a:r>
+            <a:r>
+              <a:rPr lang="en-GB" dirty="0" err="1" smtClean="0"/>
+              <a:t>Junit</a:t>
+            </a:r>
+            <a:r>
+              <a:rPr lang="en-GB" dirty="0" smtClean="0"/>
+              <a:t> 3.x except for renaming the tests.</a:t>
             </a:r>
           </a:p>
           <a:p>
@@ -838,7 +854,71 @@
           </a:bodyPr>
           <a:lstStyle/>
           <a:p>
-            <a:endParaRPr lang="en-US"/>
+            <a:r>
+              <a:rPr lang="en-GB" dirty="0" smtClean="0"/>
+              <a:t>Test Suite:</a:t>
+            </a:r>
+          </a:p>
+          <a:p>
+            <a:pPr lvl="1"/>
+            <a:r>
+              <a:rPr lang="en-GB" dirty="0" err="1" smtClean="0"/>
+              <a:t>Junit</a:t>
+            </a:r>
+            <a:r>
+              <a:rPr lang="en-GB" dirty="0" smtClean="0"/>
+              <a:t> 3.x uses </a:t>
+            </a:r>
+            <a:r>
+              <a:rPr lang="en-GB" dirty="0" err="1" smtClean="0"/>
+              <a:t>TestSuite</a:t>
+            </a:r>
+            <a:r>
+              <a:rPr lang="en-GB" dirty="0" smtClean="0"/>
+              <a:t> class.</a:t>
+            </a:r>
+          </a:p>
+          <a:p>
+            <a:pPr lvl="1"/>
+            <a:r>
+              <a:rPr lang="en-GB" dirty="0" err="1" smtClean="0"/>
+              <a:t>Junit</a:t>
+            </a:r>
+            <a:r>
+              <a:rPr lang="en-GB" dirty="0" smtClean="0"/>
+              <a:t> 4.x uses Suite Runner and @</a:t>
+            </a:r>
+            <a:r>
+              <a:rPr lang="en-GB" dirty="0" err="1" smtClean="0"/>
+              <a:t>SuiteClasses</a:t>
+            </a:r>
+            <a:r>
+              <a:rPr lang="en-GB" dirty="0" smtClean="0"/>
+              <a:t> annotation.</a:t>
+            </a:r>
+          </a:p>
+          <a:p>
+            <a:pPr marL="228600" marR="0" indent="-228600" algn="l" defTabSz="1039813" rtl="0" eaLnBrk="1" fontAlgn="base" latinLnBrk="0" hangingPunct="1">
+              <a:lnSpc>
+                <a:spcPct val="90000"/>
+              </a:lnSpc>
+              <a:spcBef>
+                <a:spcPct val="50000"/>
+              </a:spcBef>
+              <a:spcAft>
+                <a:spcPct val="0"/>
+              </a:spcAft>
+              <a:buClrTx/>
+              <a:buSzTx/>
+              <a:buFontTx/>
+              <a:buAutoNum type="arabicParenR"/>
+              <a:tabLst/>
+              <a:defRPr/>
+            </a:pPr>
+            <a:endParaRPr lang="en-US" dirty="0" smtClean="0"/>
+          </a:p>
+          <a:p>
+            <a:endParaRPr lang="en-US" dirty="0"/>
           </a:p>
         </p:txBody>
       </p:sp>
@@ -920,7 +1000,36 @@
           </a:bodyPr>
           <a:lstStyle/>
           <a:p>
-            <a:endParaRPr lang="en-US"/>
+            <a:r>
+              <a:rPr lang="en-GB" dirty="0" smtClean="0"/>
+              <a:t>Testing Exceptions:</a:t>
+            </a:r>
+          </a:p>
+          <a:p>
+            <a:pPr lvl="1"/>
+            <a:r>
+              <a:rPr lang="en-GB" dirty="0" err="1" smtClean="0"/>
+              <a:t>Junit</a:t>
+            </a:r>
+            <a:r>
+              <a:rPr lang="en-GB" dirty="0" smtClean="0"/>
+              <a:t> 3.x uses try-catch.</a:t>
+            </a:r>
+          </a:p>
+          <a:p>
+            <a:pPr lvl="1"/>
+            <a:r>
+              <a:rPr lang="en-GB" dirty="0" err="1" smtClean="0"/>
+              <a:t>Junit</a:t>
+            </a:r>
+            <a:r>
+              <a:rPr lang="en-GB" dirty="0" smtClean="0"/>
+              <a:t> 4.x uses expected attribute of @Test annotation.</a:t>
+            </a:r>
+            <a:endParaRPr lang="en-US" dirty="0" smtClean="0"/>
+          </a:p>
+          <a:p>
+            <a:endParaRPr lang="en-US" dirty="0"/>
           </a:p>
         </p:txBody>
       </p:sp>
@@ -1002,7 +1111,7 @@
           </a:bodyPr>
           <a:lstStyle/>
           <a:p>
-            <a:endParaRPr lang="en-US"/>
+            <a:endParaRPr lang="en-US" dirty="0"/>
           </a:p>
         </p:txBody>
       </p:sp>
@@ -1084,7 +1193,35 @@
           </a:bodyPr>
           <a:lstStyle/>
           <a:p>
-            <a:endParaRPr lang="en-US"/>
+            <a:r>
+              <a:rPr lang="en-GB" dirty="0" smtClean="0"/>
+              <a:t>Testing Exceptions with messages:</a:t>
+            </a:r>
+          </a:p>
+          <a:p>
+            <a:pPr lvl="1"/>
+            <a:r>
+              <a:rPr lang="en-GB" dirty="0" err="1" smtClean="0"/>
+              <a:t>Junit</a:t>
+            </a:r>
+            <a:r>
+              <a:rPr lang="en-GB" dirty="0" smtClean="0"/>
+              <a:t> 3.x uses try-catch.</a:t>
+            </a:r>
+          </a:p>
+          <a:p>
+            <a:pPr lvl="1"/>
+            <a:r>
+              <a:rPr lang="en-GB" dirty="0" err="1" smtClean="0"/>
+              <a:t>Junit</a:t>
+            </a:r>
+            <a:r>
+              <a:rPr lang="en-GB" dirty="0" smtClean="0"/>
+              <a:t> 4.x uses @Rule annotation.</a:t>
+            </a:r>
+          </a:p>
+          <a:p>
+            <a:endParaRPr lang="en-US" dirty="0"/>
           </a:p>
         </p:txBody>
       </p:sp>
@@ -1166,7 +1303,7 @@
           </a:bodyPr>
           <a:lstStyle/>
           <a:p>
-            <a:endParaRPr lang="en-US"/>
+            <a:endParaRPr lang="en-US" dirty="0"/>
           </a:p>
         </p:txBody>
       </p:sp>
@@ -1248,7 +1385,7 @@
           </a:bodyPr>
           <a:lstStyle/>
           <a:p>
-            <a:endParaRPr lang="en-US"/>
+            <a:endParaRPr lang="en-US" dirty="0"/>
           </a:p>
         </p:txBody>
       </p:sp>
@@ -2104,6 +2241,252 @@
 </p:notes>
 </file>
 
+<file path=ppt/notesSlides/notesSlide27.xml><?xml version="1.0" encoding="utf-8"?>
+<p:notes xmlns:a="http://schemas.openxmlformats.org/drawingml/2006/main" xmlns:r="http://schemas.openxmlformats.org/officeDocument/2006/relationships" xmlns:p="http://schemas.openxmlformats.org/presentationml/2006/main">
+  <p:cSld>
+    <p:spTree>
+      <p:nvGrpSpPr>
+        <p:cNvPr id="1" name=""/>
+        <p:cNvGrpSpPr/>
+        <p:nvPr/>
+      </p:nvGrpSpPr>
+      <p:grpSpPr>
+        <a:xfrm>
+          <a:off x="0" y="0"/>
+          <a:ext cx="0" cy="0"/>
+          <a:chOff x="0" y="0"/>
+          <a:chExt cx="0" cy="0"/>
+        </a:xfrm>
+      </p:grpSpPr>
+      <p:sp>
+        <p:nvSpPr>
+          <p:cNvPr id="2" name="Slide Image Placeholder 1"/>
+          <p:cNvSpPr>
+            <a:spLocks noGrp="1" noRot="1" noChangeAspect="1"/>
+          </p:cNvSpPr>
+          <p:nvPr>
+            <p:ph type="sldImg"/>
+          </p:nvPr>
+        </p:nvSpPr>
+        <p:spPr/>
+      </p:sp>
+      <p:sp>
+        <p:nvSpPr>
+          <p:cNvPr id="3" name="Notes Placeholder 2"/>
+          <p:cNvSpPr>
+            <a:spLocks noGrp="1"/>
+          </p:cNvSpPr>
+          <p:nvPr>
+            <p:ph type="body" idx="1"/>
+          </p:nvPr>
+        </p:nvSpPr>
+        <p:spPr/>
+        <p:txBody>
+          <a:bodyPr>
+            <a:normAutofit/>
+          </a:bodyPr>
+          <a:lstStyle/>
+          <a:p>
+            <a:endParaRPr lang="en-US"/>
+          </a:p>
+        </p:txBody>
+      </p:sp>
+      <p:sp>
+        <p:nvSpPr>
+          <p:cNvPr id="4" name="Slide Number Placeholder 3"/>
+          <p:cNvSpPr>
+            <a:spLocks noGrp="1"/>
+          </p:cNvSpPr>
+          <p:nvPr>
+            <p:ph type="sldNum" sz="quarter" idx="10"/>
+          </p:nvPr>
+        </p:nvSpPr>
+        <p:spPr/>
+        <p:txBody>
+          <a:bodyPr/>
+          <a:lstStyle/>
+          <a:p>
+            <a:fld id="{07B8B279-4079-43B3-8013-D8D81AB870A7}" type="slidenum">
+              <a:rPr lang="en-US" smtClean="0"/>
+              <a:pPr/>
+              <a:t>27</a:t>
+            </a:fld>
+            <a:endParaRPr lang="en-US"/>
+          </a:p>
+        </p:txBody>
+      </p:sp>
+    </p:spTree>
+  </p:cSld>
+  <p:clrMapOvr>
+    <a:masterClrMapping/>
+  </p:clrMapOvr>
+</p:notes>
+</file>
+
+<file path=ppt/notesSlides/notesSlide28.xml><?xml version="1.0" encoding="utf-8"?>
+<p:notes xmlns:a="http://schemas.openxmlformats.org/drawingml/2006/main" xmlns:r="http://schemas.openxmlformats.org/officeDocument/2006/relationships" xmlns:p="http://schemas.openxmlformats.org/presentationml/2006/main">
+  <p:cSld>
+    <p:spTree>
+      <p:nvGrpSpPr>
+        <p:cNvPr id="1" name=""/>
+        <p:cNvGrpSpPr/>
+        <p:nvPr/>
+      </p:nvGrpSpPr>
+      <p:grpSpPr>
+        <a:xfrm>
+          <a:off x="0" y="0"/>
+          <a:ext cx="0" cy="0"/>
+          <a:chOff x="0" y="0"/>
+          <a:chExt cx="0" cy="0"/>
+        </a:xfrm>
+      </p:grpSpPr>
+      <p:sp>
+        <p:nvSpPr>
+          <p:cNvPr id="2" name="Slide Image Placeholder 1"/>
+          <p:cNvSpPr>
+            <a:spLocks noGrp="1" noRot="1" noChangeAspect="1"/>
+          </p:cNvSpPr>
+          <p:nvPr>
+            <p:ph type="sldImg"/>
+          </p:nvPr>
+        </p:nvSpPr>
+        <p:spPr/>
+      </p:sp>
+      <p:sp>
+        <p:nvSpPr>
+          <p:cNvPr id="3" name="Notes Placeholder 2"/>
+          <p:cNvSpPr>
+            <a:spLocks noGrp="1"/>
+          </p:cNvSpPr>
+          <p:nvPr>
+            <p:ph type="body" idx="1"/>
+          </p:nvPr>
+        </p:nvSpPr>
+        <p:spPr/>
+        <p:txBody>
+          <a:bodyPr>
+            <a:normAutofit/>
+          </a:bodyPr>
+          <a:lstStyle/>
+          <a:p>
+            <a:endParaRPr lang="en-US"/>
+          </a:p>
+        </p:txBody>
+      </p:sp>
+      <p:sp>
+        <p:nvSpPr>
+          <p:cNvPr id="4" name="Slide Number Placeholder 3"/>
+          <p:cNvSpPr>
+            <a:spLocks noGrp="1"/>
+          </p:cNvSpPr>
+          <p:nvPr>
+            <p:ph type="sldNum" sz="quarter" idx="10"/>
+          </p:nvPr>
+        </p:nvSpPr>
+        <p:spPr/>
+        <p:txBody>
+          <a:bodyPr/>
+          <a:lstStyle/>
+          <a:p>
+            <a:fld id="{07B8B279-4079-43B3-8013-D8D81AB870A7}" type="slidenum">
+              <a:rPr lang="en-US" smtClean="0"/>
+              <a:pPr/>
+              <a:t>28</a:t>
+            </a:fld>
+            <a:endParaRPr lang="en-US"/>
+          </a:p>
+        </p:txBody>
+      </p:sp>
+    </p:spTree>
+  </p:cSld>
+  <p:clrMapOvr>
+    <a:masterClrMapping/>
+  </p:clrMapOvr>
+</p:notes>
+</file>
+
+<file path=ppt/notesSlides/notesSlide29.xml><?xml version="1.0" encoding="utf-8"?>
+<p:notes xmlns:a="http://schemas.openxmlformats.org/drawingml/2006/main" xmlns:r="http://schemas.openxmlformats.org/officeDocument/2006/relationships" xmlns:p="http://schemas.openxmlformats.org/presentationml/2006/main">
+  <p:cSld>
+    <p:spTree>
+      <p:nvGrpSpPr>
+        <p:cNvPr id="1" name=""/>
+        <p:cNvGrpSpPr/>
+        <p:nvPr/>
+      </p:nvGrpSpPr>
+      <p:grpSpPr>
+        <a:xfrm>
+          <a:off x="0" y="0"/>
+          <a:ext cx="0" cy="0"/>
+          <a:chOff x="0" y="0"/>
+          <a:chExt cx="0" cy="0"/>
+        </a:xfrm>
+      </p:grpSpPr>
+      <p:sp>
+        <p:nvSpPr>
+          <p:cNvPr id="2" name="Slide Image Placeholder 1"/>
+          <p:cNvSpPr>
+            <a:spLocks noGrp="1" noRot="1" noChangeAspect="1"/>
+          </p:cNvSpPr>
+          <p:nvPr>
+            <p:ph type="sldImg"/>
+          </p:nvPr>
+        </p:nvSpPr>
+        <p:spPr/>
+      </p:sp>
+      <p:sp>
+        <p:nvSpPr>
+          <p:cNvPr id="3" name="Notes Placeholder 2"/>
+          <p:cNvSpPr>
+            <a:spLocks noGrp="1"/>
+          </p:cNvSpPr>
+          <p:nvPr>
+            <p:ph type="body" idx="1"/>
+          </p:nvPr>
+        </p:nvSpPr>
+        <p:spPr/>
+        <p:txBody>
+          <a:bodyPr>
+            <a:normAutofit/>
+          </a:bodyPr>
+          <a:lstStyle/>
+          <a:p>
+            <a:endParaRPr lang="en-US"/>
+          </a:p>
+        </p:txBody>
+      </p:sp>
+      <p:sp>
+        <p:nvSpPr>
+          <p:cNvPr id="4" name="Slide Number Placeholder 3"/>
+          <p:cNvSpPr>
+            <a:spLocks noGrp="1"/>
+          </p:cNvSpPr>
+          <p:nvPr>
+            <p:ph type="sldNum" sz="quarter" idx="10"/>
+          </p:nvPr>
+        </p:nvSpPr>
+        <p:spPr/>
+        <p:txBody>
+          <a:bodyPr/>
+          <a:lstStyle/>
+          <a:p>
+            <a:fld id="{07B8B279-4079-43B3-8013-D8D81AB870A7}" type="slidenum">
+              <a:rPr lang="en-US" smtClean="0"/>
+              <a:pPr/>
+              <a:t>29</a:t>
+            </a:fld>
+            <a:endParaRPr lang="en-US"/>
+          </a:p>
+        </p:txBody>
+      </p:sp>
+    </p:spTree>
+  </p:cSld>
+  <p:clrMapOvr>
+    <a:masterClrMapping/>
+  </p:clrMapOvr>
+</p:notes>
+</file>
+
 <file path=ppt/notesSlides/notesSlide3.xml><?xml version="1.0" encoding="utf-8"?>
 <p:notes xmlns:a="http://schemas.openxmlformats.org/drawingml/2006/main" xmlns:r="http://schemas.openxmlformats.org/officeDocument/2006/relationships" xmlns:p="http://schemas.openxmlformats.org/presentationml/2006/main">
   <p:cSld>
@@ -2173,6 +2556,580 @@
               <a:rPr lang="en-US" smtClean="0"/>
               <a:pPr/>
               <a:t>3</a:t>
+            </a:fld>
+            <a:endParaRPr lang="en-US"/>
+          </a:p>
+        </p:txBody>
+      </p:sp>
+    </p:spTree>
+  </p:cSld>
+  <p:clrMapOvr>
+    <a:masterClrMapping/>
+  </p:clrMapOvr>
+</p:notes>
+</file>
+
+<file path=ppt/notesSlides/notesSlide30.xml><?xml version="1.0" encoding="utf-8"?>
+<p:notes xmlns:a="http://schemas.openxmlformats.org/drawingml/2006/main" xmlns:r="http://schemas.openxmlformats.org/officeDocument/2006/relationships" xmlns:p="http://schemas.openxmlformats.org/presentationml/2006/main">
+  <p:cSld>
+    <p:spTree>
+      <p:nvGrpSpPr>
+        <p:cNvPr id="1" name=""/>
+        <p:cNvGrpSpPr/>
+        <p:nvPr/>
+      </p:nvGrpSpPr>
+      <p:grpSpPr>
+        <a:xfrm>
+          <a:off x="0" y="0"/>
+          <a:ext cx="0" cy="0"/>
+          <a:chOff x="0" y="0"/>
+          <a:chExt cx="0" cy="0"/>
+        </a:xfrm>
+      </p:grpSpPr>
+      <p:sp>
+        <p:nvSpPr>
+          <p:cNvPr id="2" name="Slide Image Placeholder 1"/>
+          <p:cNvSpPr>
+            <a:spLocks noGrp="1" noRot="1" noChangeAspect="1"/>
+          </p:cNvSpPr>
+          <p:nvPr>
+            <p:ph type="sldImg"/>
+          </p:nvPr>
+        </p:nvSpPr>
+        <p:spPr/>
+      </p:sp>
+      <p:sp>
+        <p:nvSpPr>
+          <p:cNvPr id="3" name="Notes Placeholder 2"/>
+          <p:cNvSpPr>
+            <a:spLocks noGrp="1"/>
+          </p:cNvSpPr>
+          <p:nvPr>
+            <p:ph type="body" idx="1"/>
+          </p:nvPr>
+        </p:nvSpPr>
+        <p:spPr/>
+        <p:txBody>
+          <a:bodyPr>
+            <a:normAutofit/>
+          </a:bodyPr>
+          <a:lstStyle/>
+          <a:p>
+            <a:endParaRPr lang="en-US"/>
+          </a:p>
+        </p:txBody>
+      </p:sp>
+      <p:sp>
+        <p:nvSpPr>
+          <p:cNvPr id="4" name="Slide Number Placeholder 3"/>
+          <p:cNvSpPr>
+            <a:spLocks noGrp="1"/>
+          </p:cNvSpPr>
+          <p:nvPr>
+            <p:ph type="sldNum" sz="quarter" idx="10"/>
+          </p:nvPr>
+        </p:nvSpPr>
+        <p:spPr/>
+        <p:txBody>
+          <a:bodyPr/>
+          <a:lstStyle/>
+          <a:p>
+            <a:fld id="{07B8B279-4079-43B3-8013-D8D81AB870A7}" type="slidenum">
+              <a:rPr lang="en-US" smtClean="0"/>
+              <a:pPr/>
+              <a:t>30</a:t>
+            </a:fld>
+            <a:endParaRPr lang="en-US"/>
+          </a:p>
+        </p:txBody>
+      </p:sp>
+    </p:spTree>
+  </p:cSld>
+  <p:clrMapOvr>
+    <a:masterClrMapping/>
+  </p:clrMapOvr>
+</p:notes>
+</file>
+
+<file path=ppt/notesSlides/notesSlide31.xml><?xml version="1.0" encoding="utf-8"?>
+<p:notes xmlns:a="http://schemas.openxmlformats.org/drawingml/2006/main" xmlns:r="http://schemas.openxmlformats.org/officeDocument/2006/relationships" xmlns:p="http://schemas.openxmlformats.org/presentationml/2006/main">
+  <p:cSld>
+    <p:spTree>
+      <p:nvGrpSpPr>
+        <p:cNvPr id="1" name=""/>
+        <p:cNvGrpSpPr/>
+        <p:nvPr/>
+      </p:nvGrpSpPr>
+      <p:grpSpPr>
+        <a:xfrm>
+          <a:off x="0" y="0"/>
+          <a:ext cx="0" cy="0"/>
+          <a:chOff x="0" y="0"/>
+          <a:chExt cx="0" cy="0"/>
+        </a:xfrm>
+      </p:grpSpPr>
+      <p:sp>
+        <p:nvSpPr>
+          <p:cNvPr id="2" name="Slide Image Placeholder 1"/>
+          <p:cNvSpPr>
+            <a:spLocks noGrp="1" noRot="1" noChangeAspect="1"/>
+          </p:cNvSpPr>
+          <p:nvPr>
+            <p:ph type="sldImg"/>
+          </p:nvPr>
+        </p:nvSpPr>
+        <p:spPr/>
+      </p:sp>
+      <p:sp>
+        <p:nvSpPr>
+          <p:cNvPr id="3" name="Notes Placeholder 2"/>
+          <p:cNvSpPr>
+            <a:spLocks noGrp="1"/>
+          </p:cNvSpPr>
+          <p:nvPr>
+            <p:ph type="body" idx="1"/>
+          </p:nvPr>
+        </p:nvSpPr>
+        <p:spPr/>
+        <p:txBody>
+          <a:bodyPr>
+            <a:normAutofit/>
+          </a:bodyPr>
+          <a:lstStyle/>
+          <a:p>
+            <a:endParaRPr lang="en-US"/>
+          </a:p>
+        </p:txBody>
+      </p:sp>
+      <p:sp>
+        <p:nvSpPr>
+          <p:cNvPr id="4" name="Slide Number Placeholder 3"/>
+          <p:cNvSpPr>
+            <a:spLocks noGrp="1"/>
+          </p:cNvSpPr>
+          <p:nvPr>
+            <p:ph type="sldNum" sz="quarter" idx="10"/>
+          </p:nvPr>
+        </p:nvSpPr>
+        <p:spPr/>
+        <p:txBody>
+          <a:bodyPr/>
+          <a:lstStyle/>
+          <a:p>
+            <a:fld id="{07B8B279-4079-43B3-8013-D8D81AB870A7}" type="slidenum">
+              <a:rPr lang="en-US" smtClean="0"/>
+              <a:pPr/>
+              <a:t>31</a:t>
+            </a:fld>
+            <a:endParaRPr lang="en-US"/>
+          </a:p>
+        </p:txBody>
+      </p:sp>
+    </p:spTree>
+  </p:cSld>
+  <p:clrMapOvr>
+    <a:masterClrMapping/>
+  </p:clrMapOvr>
+</p:notes>
+</file>
+
+<file path=ppt/notesSlides/notesSlide32.xml><?xml version="1.0" encoding="utf-8"?>
+<p:notes xmlns:a="http://schemas.openxmlformats.org/drawingml/2006/main" xmlns:r="http://schemas.openxmlformats.org/officeDocument/2006/relationships" xmlns:p="http://schemas.openxmlformats.org/presentationml/2006/main">
+  <p:cSld>
+    <p:spTree>
+      <p:nvGrpSpPr>
+        <p:cNvPr id="1" name=""/>
+        <p:cNvGrpSpPr/>
+        <p:nvPr/>
+      </p:nvGrpSpPr>
+      <p:grpSpPr>
+        <a:xfrm>
+          <a:off x="0" y="0"/>
+          <a:ext cx="0" cy="0"/>
+          <a:chOff x="0" y="0"/>
+          <a:chExt cx="0" cy="0"/>
+        </a:xfrm>
+      </p:grpSpPr>
+      <p:sp>
+        <p:nvSpPr>
+          <p:cNvPr id="2" name="Slide Image Placeholder 1"/>
+          <p:cNvSpPr>
+            <a:spLocks noGrp="1" noRot="1" noChangeAspect="1"/>
+          </p:cNvSpPr>
+          <p:nvPr>
+            <p:ph type="sldImg"/>
+          </p:nvPr>
+        </p:nvSpPr>
+        <p:spPr/>
+      </p:sp>
+      <p:sp>
+        <p:nvSpPr>
+          <p:cNvPr id="3" name="Notes Placeholder 2"/>
+          <p:cNvSpPr>
+            <a:spLocks noGrp="1"/>
+          </p:cNvSpPr>
+          <p:nvPr>
+            <p:ph type="body" idx="1"/>
+          </p:nvPr>
+        </p:nvSpPr>
+        <p:spPr/>
+        <p:txBody>
+          <a:bodyPr>
+            <a:normAutofit/>
+          </a:bodyPr>
+          <a:lstStyle/>
+          <a:p>
+            <a:endParaRPr lang="en-US"/>
+          </a:p>
+        </p:txBody>
+      </p:sp>
+      <p:sp>
+        <p:nvSpPr>
+          <p:cNvPr id="4" name="Slide Number Placeholder 3"/>
+          <p:cNvSpPr>
+            <a:spLocks noGrp="1"/>
+          </p:cNvSpPr>
+          <p:nvPr>
+            <p:ph type="sldNum" sz="quarter" idx="10"/>
+          </p:nvPr>
+        </p:nvSpPr>
+        <p:spPr/>
+        <p:txBody>
+          <a:bodyPr/>
+          <a:lstStyle/>
+          <a:p>
+            <a:fld id="{07B8B279-4079-43B3-8013-D8D81AB870A7}" type="slidenum">
+              <a:rPr lang="en-US" smtClean="0"/>
+              <a:pPr/>
+              <a:t>32</a:t>
+            </a:fld>
+            <a:endParaRPr lang="en-US"/>
+          </a:p>
+        </p:txBody>
+      </p:sp>
+    </p:spTree>
+  </p:cSld>
+  <p:clrMapOvr>
+    <a:masterClrMapping/>
+  </p:clrMapOvr>
+</p:notes>
+</file>
+
+<file path=ppt/notesSlides/notesSlide33.xml><?xml version="1.0" encoding="utf-8"?>
+<p:notes xmlns:a="http://schemas.openxmlformats.org/drawingml/2006/main" xmlns:r="http://schemas.openxmlformats.org/officeDocument/2006/relationships" xmlns:p="http://schemas.openxmlformats.org/presentationml/2006/main">
+  <p:cSld>
+    <p:spTree>
+      <p:nvGrpSpPr>
+        <p:cNvPr id="1" name=""/>
+        <p:cNvGrpSpPr/>
+        <p:nvPr/>
+      </p:nvGrpSpPr>
+      <p:grpSpPr>
+        <a:xfrm>
+          <a:off x="0" y="0"/>
+          <a:ext cx="0" cy="0"/>
+          <a:chOff x="0" y="0"/>
+          <a:chExt cx="0" cy="0"/>
+        </a:xfrm>
+      </p:grpSpPr>
+      <p:sp>
+        <p:nvSpPr>
+          <p:cNvPr id="2" name="Slide Image Placeholder 1"/>
+          <p:cNvSpPr>
+            <a:spLocks noGrp="1" noRot="1" noChangeAspect="1"/>
+          </p:cNvSpPr>
+          <p:nvPr>
+            <p:ph type="sldImg"/>
+          </p:nvPr>
+        </p:nvSpPr>
+        <p:spPr/>
+      </p:sp>
+      <p:sp>
+        <p:nvSpPr>
+          <p:cNvPr id="3" name="Notes Placeholder 2"/>
+          <p:cNvSpPr>
+            <a:spLocks noGrp="1"/>
+          </p:cNvSpPr>
+          <p:nvPr>
+            <p:ph type="body" idx="1"/>
+          </p:nvPr>
+        </p:nvSpPr>
+        <p:spPr/>
+        <p:txBody>
+          <a:bodyPr>
+            <a:normAutofit/>
+          </a:bodyPr>
+          <a:lstStyle/>
+          <a:p>
+            <a:endParaRPr lang="en-US"/>
+          </a:p>
+        </p:txBody>
+      </p:sp>
+      <p:sp>
+        <p:nvSpPr>
+          <p:cNvPr id="4" name="Slide Number Placeholder 3"/>
+          <p:cNvSpPr>
+            <a:spLocks noGrp="1"/>
+          </p:cNvSpPr>
+          <p:nvPr>
+            <p:ph type="sldNum" sz="quarter" idx="10"/>
+          </p:nvPr>
+        </p:nvSpPr>
+        <p:spPr/>
+        <p:txBody>
+          <a:bodyPr/>
+          <a:lstStyle/>
+          <a:p>
+            <a:fld id="{07B8B279-4079-43B3-8013-D8D81AB870A7}" type="slidenum">
+              <a:rPr lang="en-US" smtClean="0"/>
+              <a:pPr/>
+              <a:t>33</a:t>
+            </a:fld>
+            <a:endParaRPr lang="en-US"/>
+          </a:p>
+        </p:txBody>
+      </p:sp>
+    </p:spTree>
+  </p:cSld>
+  <p:clrMapOvr>
+    <a:masterClrMapping/>
+  </p:clrMapOvr>
+</p:notes>
+</file>
+
+<file path=ppt/notesSlides/notesSlide34.xml><?xml version="1.0" encoding="utf-8"?>
+<p:notes xmlns:a="http://schemas.openxmlformats.org/drawingml/2006/main" xmlns:r="http://schemas.openxmlformats.org/officeDocument/2006/relationships" xmlns:p="http://schemas.openxmlformats.org/presentationml/2006/main">
+  <p:cSld>
+    <p:spTree>
+      <p:nvGrpSpPr>
+        <p:cNvPr id="1" name=""/>
+        <p:cNvGrpSpPr/>
+        <p:nvPr/>
+      </p:nvGrpSpPr>
+      <p:grpSpPr>
+        <a:xfrm>
+          <a:off x="0" y="0"/>
+          <a:ext cx="0" cy="0"/>
+          <a:chOff x="0" y="0"/>
+          <a:chExt cx="0" cy="0"/>
+        </a:xfrm>
+      </p:grpSpPr>
+      <p:sp>
+        <p:nvSpPr>
+          <p:cNvPr id="2" name="Slide Image Placeholder 1"/>
+          <p:cNvSpPr>
+            <a:spLocks noGrp="1" noRot="1" noChangeAspect="1"/>
+          </p:cNvSpPr>
+          <p:nvPr>
+            <p:ph type="sldImg"/>
+          </p:nvPr>
+        </p:nvSpPr>
+        <p:spPr/>
+      </p:sp>
+      <p:sp>
+        <p:nvSpPr>
+          <p:cNvPr id="3" name="Notes Placeholder 2"/>
+          <p:cNvSpPr>
+            <a:spLocks noGrp="1"/>
+          </p:cNvSpPr>
+          <p:nvPr>
+            <p:ph type="body" idx="1"/>
+          </p:nvPr>
+        </p:nvSpPr>
+        <p:spPr/>
+        <p:txBody>
+          <a:bodyPr>
+            <a:normAutofit/>
+          </a:bodyPr>
+          <a:lstStyle/>
+          <a:p>
+            <a:endParaRPr lang="en-US"/>
+          </a:p>
+        </p:txBody>
+      </p:sp>
+      <p:sp>
+        <p:nvSpPr>
+          <p:cNvPr id="4" name="Slide Number Placeholder 3"/>
+          <p:cNvSpPr>
+            <a:spLocks noGrp="1"/>
+          </p:cNvSpPr>
+          <p:nvPr>
+            <p:ph type="sldNum" sz="quarter" idx="10"/>
+          </p:nvPr>
+        </p:nvSpPr>
+        <p:spPr/>
+        <p:txBody>
+          <a:bodyPr/>
+          <a:lstStyle/>
+          <a:p>
+            <a:fld id="{07B8B279-4079-43B3-8013-D8D81AB870A7}" type="slidenum">
+              <a:rPr lang="en-US" smtClean="0"/>
+              <a:pPr/>
+              <a:t>34</a:t>
+            </a:fld>
+            <a:endParaRPr lang="en-US"/>
+          </a:p>
+        </p:txBody>
+      </p:sp>
+    </p:spTree>
+  </p:cSld>
+  <p:clrMapOvr>
+    <a:masterClrMapping/>
+  </p:clrMapOvr>
+</p:notes>
+</file>
+
+<file path=ppt/notesSlides/notesSlide35.xml><?xml version="1.0" encoding="utf-8"?>
+<p:notes xmlns:a="http://schemas.openxmlformats.org/drawingml/2006/main" xmlns:r="http://schemas.openxmlformats.org/officeDocument/2006/relationships" xmlns:p="http://schemas.openxmlformats.org/presentationml/2006/main">
+  <p:cSld>
+    <p:spTree>
+      <p:nvGrpSpPr>
+        <p:cNvPr id="1" name=""/>
+        <p:cNvGrpSpPr/>
+        <p:nvPr/>
+      </p:nvGrpSpPr>
+      <p:grpSpPr>
+        <a:xfrm>
+          <a:off x="0" y="0"/>
+          <a:ext cx="0" cy="0"/>
+          <a:chOff x="0" y="0"/>
+          <a:chExt cx="0" cy="0"/>
+        </a:xfrm>
+      </p:grpSpPr>
+      <p:sp>
+        <p:nvSpPr>
+          <p:cNvPr id="2" name="Slide Image Placeholder 1"/>
+          <p:cNvSpPr>
+            <a:spLocks noGrp="1" noRot="1" noChangeAspect="1"/>
+          </p:cNvSpPr>
+          <p:nvPr>
+            <p:ph type="sldImg"/>
+          </p:nvPr>
+        </p:nvSpPr>
+        <p:spPr/>
+      </p:sp>
+      <p:sp>
+        <p:nvSpPr>
+          <p:cNvPr id="3" name="Notes Placeholder 2"/>
+          <p:cNvSpPr>
+            <a:spLocks noGrp="1"/>
+          </p:cNvSpPr>
+          <p:nvPr>
+            <p:ph type="body" idx="1"/>
+          </p:nvPr>
+        </p:nvSpPr>
+        <p:spPr/>
+        <p:txBody>
+          <a:bodyPr>
+            <a:normAutofit/>
+          </a:bodyPr>
+          <a:lstStyle/>
+          <a:p>
+            <a:endParaRPr lang="en-US"/>
+          </a:p>
+        </p:txBody>
+      </p:sp>
+      <p:sp>
+        <p:nvSpPr>
+          <p:cNvPr id="4" name="Slide Number Placeholder 3"/>
+          <p:cNvSpPr>
+            <a:spLocks noGrp="1"/>
+          </p:cNvSpPr>
+          <p:nvPr>
+            <p:ph type="sldNum" sz="quarter" idx="10"/>
+          </p:nvPr>
+        </p:nvSpPr>
+        <p:spPr/>
+        <p:txBody>
+          <a:bodyPr/>
+          <a:lstStyle/>
+          <a:p>
+            <a:fld id="{07B8B279-4079-43B3-8013-D8D81AB870A7}" type="slidenum">
+              <a:rPr lang="en-US" smtClean="0"/>
+              <a:pPr/>
+              <a:t>35</a:t>
+            </a:fld>
+            <a:endParaRPr lang="en-US"/>
+          </a:p>
+        </p:txBody>
+      </p:sp>
+    </p:spTree>
+  </p:cSld>
+  <p:clrMapOvr>
+    <a:masterClrMapping/>
+  </p:clrMapOvr>
+</p:notes>
+</file>
+
+<file path=ppt/notesSlides/notesSlide36.xml><?xml version="1.0" encoding="utf-8"?>
+<p:notes xmlns:a="http://schemas.openxmlformats.org/drawingml/2006/main" xmlns:r="http://schemas.openxmlformats.org/officeDocument/2006/relationships" xmlns:p="http://schemas.openxmlformats.org/presentationml/2006/main">
+  <p:cSld>
+    <p:spTree>
+      <p:nvGrpSpPr>
+        <p:cNvPr id="1" name=""/>
+        <p:cNvGrpSpPr/>
+        <p:nvPr/>
+      </p:nvGrpSpPr>
+      <p:grpSpPr>
+        <a:xfrm>
+          <a:off x="0" y="0"/>
+          <a:ext cx="0" cy="0"/>
+          <a:chOff x="0" y="0"/>
+          <a:chExt cx="0" cy="0"/>
+        </a:xfrm>
+      </p:grpSpPr>
+      <p:sp>
+        <p:nvSpPr>
+          <p:cNvPr id="2" name="Slide Image Placeholder 1"/>
+          <p:cNvSpPr>
+            <a:spLocks noGrp="1" noRot="1" noChangeAspect="1"/>
+          </p:cNvSpPr>
+          <p:nvPr>
+            <p:ph type="sldImg"/>
+          </p:nvPr>
+        </p:nvSpPr>
+        <p:spPr/>
+      </p:sp>
+      <p:sp>
+        <p:nvSpPr>
+          <p:cNvPr id="3" name="Notes Placeholder 2"/>
+          <p:cNvSpPr>
+            <a:spLocks noGrp="1"/>
+          </p:cNvSpPr>
+          <p:nvPr>
+            <p:ph type="body" idx="1"/>
+          </p:nvPr>
+        </p:nvSpPr>
+        <p:spPr/>
+        <p:txBody>
+          <a:bodyPr>
+            <a:normAutofit/>
+          </a:bodyPr>
+          <a:lstStyle/>
+          <a:p>
+            <a:endParaRPr lang="en-US"/>
+          </a:p>
+        </p:txBody>
+      </p:sp>
+      <p:sp>
+        <p:nvSpPr>
+          <p:cNvPr id="4" name="Slide Number Placeholder 3"/>
+          <p:cNvSpPr>
+            <a:spLocks noGrp="1"/>
+          </p:cNvSpPr>
+          <p:nvPr>
+            <p:ph type="sldNum" sz="quarter" idx="10"/>
+          </p:nvPr>
+        </p:nvSpPr>
+        <p:spPr/>
+        <p:txBody>
+          <a:bodyPr/>
+          <a:lstStyle/>
+          <a:p>
+            <a:fld id="{07B8B279-4079-43B3-8013-D8D81AB870A7}" type="slidenum">
+              <a:rPr lang="en-US" smtClean="0"/>
+              <a:pPr/>
+              <a:t>36</a:t>
             </a:fld>
             <a:endParaRPr lang="en-US"/>
           </a:p>
@@ -2396,7 +3353,7 @@
           </a:bodyPr>
           <a:lstStyle/>
           <a:p>
-            <a:endParaRPr lang="en-US" dirty="0"/>
+            <a:endParaRPr lang="en-US"/>
           </a:p>
         </p:txBody>
       </p:sp>
@@ -2478,7 +3435,7 @@
           </a:bodyPr>
           <a:lstStyle/>
           <a:p>
-            <a:endParaRPr lang="en-US"/>
+            <a:endParaRPr lang="en-US" dirty="0"/>
           </a:p>
         </p:txBody>
       </p:sp>
@@ -2560,69 +3517,6 @@
           </a:bodyPr>
           <a:lstStyle/>
           <a:p>
-            <a:pPr lvl="1"/>
-            <a:r>
-              <a:rPr lang="en-GB" dirty="0" smtClean="0"/>
-              <a:t>Assert Statements: </a:t>
-            </a:r>
-          </a:p>
-          <a:p>
-            <a:pPr lvl="1"/>
-            <a:r>
-              <a:rPr lang="en-GB" dirty="0" err="1" smtClean="0"/>
-              <a:t>Junit</a:t>
-            </a:r>
-            <a:r>
-              <a:rPr lang="en-GB" dirty="0" smtClean="0"/>
-              <a:t> 3.x uses inherited assert Methods of </a:t>
-            </a:r>
-            <a:r>
-              <a:rPr lang="en-GB" dirty="0" err="1" smtClean="0"/>
-              <a:t>TestCase</a:t>
-            </a:r>
-            <a:r>
-              <a:rPr lang="en-GB" dirty="0" smtClean="0"/>
-              <a:t> class</a:t>
-            </a:r>
-          </a:p>
-          <a:p>
-            <a:pPr lvl="1"/>
-            <a:r>
-              <a:rPr lang="en-GB" dirty="0" err="1" smtClean="0"/>
-              <a:t>Junit</a:t>
-            </a:r>
-            <a:r>
-              <a:rPr lang="en-GB" dirty="0" smtClean="0"/>
-              <a:t> 4.x uses statically imported assert Methods from Assert class directly.</a:t>
-            </a:r>
-          </a:p>
-          <a:p>
-            <a:pPr lvl="1"/>
-            <a:endParaRPr lang="en-GB" dirty="0" smtClean="0"/>
-          </a:p>
-          <a:p>
-            <a:pPr lvl="1"/>
-            <a:r>
-              <a:rPr lang="en-GB" dirty="0" smtClean="0"/>
-              <a:t>Ignoring tests</a:t>
-            </a:r>
-          </a:p>
-          <a:p>
-            <a:pPr lvl="2"/>
-            <a:r>
-              <a:rPr lang="en-GB" dirty="0" smtClean="0"/>
-              <a:t>No direct way to ignore tests in </a:t>
-            </a:r>
-            <a:r>
-              <a:rPr lang="en-GB" dirty="0" err="1" smtClean="0"/>
-              <a:t>Junit</a:t>
-            </a:r>
-            <a:r>
-              <a:rPr lang="en-GB" dirty="0" smtClean="0"/>
-              <a:t> 3.x except for renaming the tests.</a:t>
-            </a:r>
-          </a:p>
-          <a:p>
             <a:endParaRPr lang="en-US" dirty="0"/>
           </a:p>
         </p:txBody>
@@ -2705,71 +3599,7 @@
           </a:bodyPr>
           <a:lstStyle/>
           <a:p>
-            <a:r>
-              <a:rPr lang="en-GB" dirty="0" smtClean="0"/>
-              <a:t>Test Suite:</a:t>
-            </a:r>
-          </a:p>
-          <a:p>
-            <a:pPr lvl="1"/>
-            <a:r>
-              <a:rPr lang="en-GB" dirty="0" err="1" smtClean="0"/>
-              <a:t>Junit</a:t>
-            </a:r>
-            <a:r>
-              <a:rPr lang="en-GB" dirty="0" smtClean="0"/>
-              <a:t> 3.x uses </a:t>
-            </a:r>
-            <a:r>
-              <a:rPr lang="en-GB" dirty="0" err="1" smtClean="0"/>
-              <a:t>TestSuite</a:t>
-            </a:r>
-            <a:r>
-              <a:rPr lang="en-GB" dirty="0" smtClean="0"/>
-              <a:t> class.</a:t>
-            </a:r>
-          </a:p>
-          <a:p>
-            <a:pPr lvl="1"/>
-            <a:r>
-              <a:rPr lang="en-GB" dirty="0" err="1" smtClean="0"/>
-              <a:t>Junit</a:t>
-            </a:r>
-            <a:r>
-              <a:rPr lang="en-GB" dirty="0" smtClean="0"/>
-              <a:t> 4.x uses Suite Runner and @</a:t>
-            </a:r>
-            <a:r>
-              <a:rPr lang="en-GB" dirty="0" err="1" smtClean="0"/>
-              <a:t>SuiteClasses</a:t>
-            </a:r>
-            <a:r>
-              <a:rPr lang="en-GB" dirty="0" smtClean="0"/>
-              <a:t> annotation.</a:t>
-            </a:r>
-          </a:p>
-          <a:p>
-            <a:pPr marL="228600" marR="0" indent="-228600" algn="l" defTabSz="1039813" rtl="0" eaLnBrk="1" fontAlgn="base" latinLnBrk="0" hangingPunct="1">
-              <a:lnSpc>
-                <a:spcPct val="90000"/>
-              </a:lnSpc>
-              <a:spcBef>
-                <a:spcPct val="50000"/>
-              </a:spcBef>
-              <a:spcAft>
-                <a:spcPct val="0"/>
-              </a:spcAft>
-              <a:buClrTx/>
-              <a:buSzTx/>
-              <a:buFontTx/>
-              <a:buAutoNum type="arabicParenR"/>
-              <a:tabLst/>
-              <a:defRPr/>
-            </a:pPr>
-            <a:endParaRPr lang="en-US" dirty="0" smtClean="0"/>
-          </a:p>
-          <a:p>
-            <a:endParaRPr lang="en-US" dirty="0"/>
+            <a:endParaRPr lang="en-US"/>
           </a:p>
         </p:txBody>
       </p:sp>
@@ -3182,7 +4012,7 @@
             <a:fld id="{633EFA78-DE0E-433D-8CFA-D9FBF0D95DCD}" type="datetime1">
               <a:rPr lang="en-US" smtClean="0"/>
               <a:pPr/>
-              <a:t>7/23/2014</a:t>
+              <a:t>7/25/2014</a:t>
             </a:fld>
             <a:endParaRPr lang="en-US"/>
           </a:p>
@@ -3359,7 +4189,7 @@
             <a:fld id="{4427F9C6-20A9-45D8-B666-D95AD1AA535F}" type="datetime1">
               <a:rPr lang="en-US" smtClean="0"/>
               <a:pPr/>
-              <a:t>7/23/2014</a:t>
+              <a:t>7/25/2014</a:t>
             </a:fld>
             <a:endParaRPr lang="en-US"/>
           </a:p>
@@ -3834,7 +4664,7 @@
             <a:fld id="{CE9EB45F-50E8-4AF1-920B-265FC35EA31A}" type="datetime1">
               <a:rPr lang="en-US" smtClean="0"/>
               <a:pPr/>
-              <a:t>7/23/2014</a:t>
+              <a:t>7/25/2014</a:t>
             </a:fld>
             <a:endParaRPr lang="en-US"/>
           </a:p>
@@ -4095,7 +4925,7 @@
             <a:fld id="{C969D76A-2E51-4D2B-9AFF-70F7EB3C2C68}" type="datetime1">
               <a:rPr lang="en-US" smtClean="0"/>
               <a:pPr/>
-              <a:t>7/23/2014</a:t>
+              <a:t>7/25/2014</a:t>
             </a:fld>
             <a:endParaRPr lang="en-US"/>
           </a:p>
@@ -4529,7 +5359,7 @@
             <a:fld id="{BDB85F57-6490-4460-90DC-FC5EE5C36A66}" type="datetime1">
               <a:rPr lang="en-US" smtClean="0"/>
               <a:pPr/>
-              <a:t>7/23/2014</a:t>
+              <a:t>7/25/2014</a:t>
             </a:fld>
             <a:endParaRPr lang="en-US"/>
           </a:p>
@@ -4644,7 +5474,7 @@
             <a:fld id="{5AFB2161-9FCA-498A-A51E-7B90071250E8}" type="datetime1">
               <a:rPr lang="en-US" smtClean="0"/>
               <a:pPr/>
-              <a:t>7/23/2014</a:t>
+              <a:t>7/25/2014</a:t>
             </a:fld>
             <a:endParaRPr lang="en-US"/>
           </a:p>
@@ -4896,7 +5726,7 @@
             <a:fld id="{9F5395AF-258B-4502-92DF-E211AA281B41}" type="datetime1">
               <a:rPr lang="en-US" smtClean="0"/>
               <a:pPr/>
-              <a:t>7/23/2014</a:t>
+              <a:t>7/25/2014</a:t>
             </a:fld>
             <a:endParaRPr lang="en-US"/>
           </a:p>
@@ -5207,7 +6037,7 @@
             <a:fld id="{378FFA21-88D5-4090-AE34-A717F3009131}" type="datetime1">
               <a:rPr lang="en-US" smtClean="0"/>
               <a:pPr/>
-              <a:t>7/23/2014</a:t>
+              <a:t>7/25/2014</a:t>
             </a:fld>
             <a:endParaRPr lang="en-US"/>
           </a:p>
@@ -5624,7 +6454,7 @@
             <a:fld id="{25A654AA-2757-4A51-86CD-6D20456BDD0A}" type="datetime1">
               <a:rPr lang="en-US" smtClean="0"/>
               <a:pPr/>
-              <a:t>7/23/2014</a:t>
+              <a:t>7/25/2014</a:t>
             </a:fld>
             <a:endParaRPr lang="en-US"/>
           </a:p>
@@ -6152,7 +6982,7 @@
             <a:fld id="{1BC102A9-C1B1-4354-89E4-F43472216A4F}" type="datetime1">
               <a:rPr lang="en-US" smtClean="0"/>
               <a:pPr algn="r"/>
-              <a:t>7/23/2014</a:t>
+              <a:t>7/25/2014</a:t>
             </a:fld>
             <a:endParaRPr lang="en-US" sz="1000" dirty="0">
               <a:solidFill>
@@ -6679,11 +7509,7 @@
             </a:r>
             <a:r>
               <a:rPr lang="en-US" sz="1600" smtClean="0"/>
-              <a:t>, </a:t>
-            </a:r>
-            <a:r>
-              <a:rPr lang="en-US" sz="1600" smtClean="0"/>
-              <a:t>2014 </a:t>
+              <a:t>, 2014 </a:t>
             </a:r>
             <a:endParaRPr lang="en-US" sz="1600" dirty="0"/>
           </a:p>
@@ -7004,6 +7830,1026 @@
           <a:lstStyle/>
           <a:p>
             <a:r>
+              <a:rPr lang="en-US" sz="1800" dirty="0" err="1"/>
+              <a:t>SetUp</a:t>
+            </a:r>
+            <a:r>
+              <a:rPr lang="en-US" sz="1800" dirty="0"/>
+              <a:t> and </a:t>
+            </a:r>
+            <a:r>
+              <a:rPr lang="en-US" sz="1800" dirty="0" err="1"/>
+              <a:t>TearDown</a:t>
+            </a:r>
+            <a:r>
+              <a:rPr lang="en-US" sz="1800" dirty="0"/>
+              <a:t> per test</a:t>
+            </a:r>
+            <a:r>
+              <a:rPr lang="en-US" sz="1800" dirty="0" smtClean="0"/>
+              <a:t>:</a:t>
+            </a:r>
+          </a:p>
+          <a:p>
+            <a:endParaRPr lang="en-US" sz="1800" dirty="0"/>
+          </a:p>
+          <a:p>
+            <a:pPr lvl="1">
+              <a:buFont typeface="Wingdings" panose="05000000000000000000" pitchFamily="2" charset="2"/>
+              <a:buChar char="Ø"/>
+            </a:pPr>
+            <a:r>
+              <a:rPr lang="en-US" sz="1400" dirty="0" smtClean="0"/>
+              <a:t>Spock : using setup() and cleanup() methods</a:t>
+            </a:r>
+            <a:endParaRPr lang="en-US" sz="1400" dirty="0"/>
+          </a:p>
+        </p:txBody>
+      </p:sp>
+      <p:pic>
+        <p:nvPicPr>
+          <p:cNvPr id="3074" name="Picture 2"/>
+          <p:cNvPicPr>
+            <a:picLocks noChangeAspect="1" noChangeArrowheads="1"/>
+          </p:cNvPicPr>
+          <p:nvPr/>
+        </p:nvPicPr>
+        <p:blipFill>
+          <a:blip r:embed="rId3">
+            <a:extLst>
+              <a:ext uri="{28A0092B-C50C-407E-A947-70E740481C1C}">
+                <a14:useLocalDpi xmlns:a14="http://schemas.microsoft.com/office/drawing/2010/main" val="0"/>
+              </a:ext>
+            </a:extLst>
+          </a:blip>
+          <a:srcRect/>
+          <a:stretch>
+            <a:fillRect/>
+          </a:stretch>
+        </p:blipFill>
+        <p:spPr bwMode="auto">
+          <a:xfrm>
+            <a:off x="1219200" y="2803525"/>
+            <a:ext cx="3825875" cy="473075"/>
+          </a:xfrm>
+          <a:prstGeom prst="rect">
+            <a:avLst/>
+          </a:prstGeom>
+          <a:noFill/>
+          <a:ln>
+            <a:noFill/>
+          </a:ln>
+          <a:effectLst/>
+          <a:extLst>
+            <a:ext uri="{909E8E84-426E-40DD-AFC4-6F175D3DCCD1}">
+              <a14:hiddenFill xmlns:a14="http://schemas.microsoft.com/office/drawing/2010/main">
+                <a:solidFill>
+                  <a:schemeClr val="accent1"/>
+                </a:solidFill>
+              </a14:hiddenFill>
+            </a:ext>
+            <a:ext uri="{91240B29-F687-4F45-9708-019B960494DF}">
+              <a14:hiddenLine xmlns:a14="http://schemas.microsoft.com/office/drawing/2010/main" w="9525">
+                <a:solidFill>
+                  <a:schemeClr val="tx1"/>
+                </a:solidFill>
+                <a:miter lim="800000"/>
+                <a:headEnd/>
+                <a:tailEnd/>
+              </a14:hiddenLine>
+            </a:ext>
+            <a:ext uri="{AF507438-7753-43E0-B8FC-AC1667EBCBE1}">
+              <a14:hiddenEffects xmlns:a14="http://schemas.microsoft.com/office/drawing/2010/main">
+                <a:effectLst>
+                  <a:outerShdw dist="35921" dir="2700000" algn="ctr" rotWithShape="0">
+                    <a:schemeClr val="bg2"/>
+                  </a:outerShdw>
+                </a:effectLst>
+              </a14:hiddenEffects>
+            </a:ext>
+          </a:extLst>
+        </p:spPr>
+      </p:pic>
+      <p:pic>
+        <p:nvPicPr>
+          <p:cNvPr id="3075" name="Picture 3"/>
+          <p:cNvPicPr>
+            <a:picLocks noChangeAspect="1" noChangeArrowheads="1"/>
+          </p:cNvPicPr>
+          <p:nvPr/>
+        </p:nvPicPr>
+        <p:blipFill>
+          <a:blip r:embed="rId4">
+            <a:extLst>
+              <a:ext uri="{28A0092B-C50C-407E-A947-70E740481C1C}">
+                <a14:useLocalDpi xmlns:a14="http://schemas.microsoft.com/office/drawing/2010/main" val="0"/>
+              </a:ext>
+            </a:extLst>
+          </a:blip>
+          <a:srcRect/>
+          <a:stretch>
+            <a:fillRect/>
+          </a:stretch>
+        </p:blipFill>
+        <p:spPr bwMode="auto">
+          <a:xfrm>
+            <a:off x="1219200" y="3505200"/>
+            <a:ext cx="4198937" cy="495300"/>
+          </a:xfrm>
+          <a:prstGeom prst="rect">
+            <a:avLst/>
+          </a:prstGeom>
+          <a:noFill/>
+          <a:ln>
+            <a:noFill/>
+          </a:ln>
+          <a:effectLst/>
+          <a:extLst>
+            <a:ext uri="{909E8E84-426E-40DD-AFC4-6F175D3DCCD1}">
+              <a14:hiddenFill xmlns:a14="http://schemas.microsoft.com/office/drawing/2010/main">
+                <a:solidFill>
+                  <a:schemeClr val="accent1"/>
+                </a:solidFill>
+              </a14:hiddenFill>
+            </a:ext>
+            <a:ext uri="{91240B29-F687-4F45-9708-019B960494DF}">
+              <a14:hiddenLine xmlns:a14="http://schemas.microsoft.com/office/drawing/2010/main" w="9525">
+                <a:solidFill>
+                  <a:schemeClr val="tx1"/>
+                </a:solidFill>
+                <a:miter lim="800000"/>
+                <a:headEnd/>
+                <a:tailEnd/>
+              </a14:hiddenLine>
+            </a:ext>
+            <a:ext uri="{AF507438-7753-43E0-B8FC-AC1667EBCBE1}">
+              <a14:hiddenEffects xmlns:a14="http://schemas.microsoft.com/office/drawing/2010/main">
+                <a:effectLst>
+                  <a:outerShdw dist="35921" dir="2700000" algn="ctr" rotWithShape="0">
+                    <a:schemeClr val="bg2"/>
+                  </a:outerShdw>
+                </a:effectLst>
+              </a14:hiddenEffects>
+            </a:ext>
+          </a:extLst>
+        </p:spPr>
+      </p:pic>
+    </p:spTree>
+    <p:extLst>
+      <p:ext uri="{BB962C8B-B14F-4D97-AF65-F5344CB8AC3E}">
+        <p14:creationId xmlns:p14="http://schemas.microsoft.com/office/powerpoint/2010/main" val="4058826182"/>
+      </p:ext>
+    </p:extLst>
+  </p:cSld>
+  <p:clrMapOvr>
+    <a:masterClrMapping/>
+  </p:clrMapOvr>
+  <p:timing>
+    <p:tnLst>
+      <p:par>
+        <p:cTn id="1" dur="indefinite" restart="never" nodeType="tmRoot"/>
+      </p:par>
+    </p:tnLst>
+  </p:timing>
+</p:sld>
+</file>
+
+<file path=ppt/slides/slide11.xml><?xml version="1.0" encoding="utf-8"?>
+<p:sld xmlns:a="http://schemas.openxmlformats.org/drawingml/2006/main" xmlns:r="http://schemas.openxmlformats.org/officeDocument/2006/relationships" xmlns:p="http://schemas.openxmlformats.org/presentationml/2006/main">
+  <p:cSld>
+    <p:spTree>
+      <p:nvGrpSpPr>
+        <p:cNvPr id="1" name=""/>
+        <p:cNvGrpSpPr/>
+        <p:nvPr/>
+      </p:nvGrpSpPr>
+      <p:grpSpPr>
+        <a:xfrm>
+          <a:off x="0" y="0"/>
+          <a:ext cx="0" cy="0"/>
+          <a:chOff x="0" y="0"/>
+          <a:chExt cx="0" cy="0"/>
+        </a:xfrm>
+      </p:grpSpPr>
+      <p:sp>
+        <p:nvSpPr>
+          <p:cNvPr id="2" name="Rectangle 1"/>
+          <p:cNvSpPr>
+            <a:spLocks noGrp="1"/>
+          </p:cNvSpPr>
+          <p:nvPr>
+            <p:ph type="title"/>
+          </p:nvPr>
+        </p:nvSpPr>
+        <p:spPr>
+          <a:xfrm>
+            <a:off x="609600" y="609600"/>
+            <a:ext cx="8183562" cy="1050925"/>
+          </a:xfrm>
+        </p:spPr>
+        <p:txBody>
+          <a:bodyPr>
+            <a:normAutofit/>
+          </a:bodyPr>
+          <a:lstStyle/>
+          <a:p>
+            <a:r>
+              <a:rPr lang="en-US" sz="2400" dirty="0"/>
+              <a:t>Differences (Contd..)</a:t>
+            </a:r>
+          </a:p>
+        </p:txBody>
+      </p:sp>
+      <p:sp>
+        <p:nvSpPr>
+          <p:cNvPr id="3" name="Rectangle 2"/>
+          <p:cNvSpPr>
+            <a:spLocks noGrp="1"/>
+          </p:cNvSpPr>
+          <p:nvPr>
+            <p:ph idx="1"/>
+          </p:nvPr>
+        </p:nvSpPr>
+        <p:spPr>
+          <a:xfrm>
+            <a:off x="457200" y="1676400"/>
+            <a:ext cx="8183562" cy="4187825"/>
+          </a:xfrm>
+        </p:spPr>
+        <p:txBody>
+          <a:bodyPr>
+            <a:normAutofit/>
+          </a:bodyPr>
+          <a:lstStyle/>
+          <a:p>
+            <a:r>
+              <a:rPr lang="en-GB" sz="1800" dirty="0"/>
+              <a:t>Assert Statements</a:t>
+            </a:r>
+            <a:r>
+              <a:rPr lang="en-GB" sz="1800" dirty="0" smtClean="0"/>
+              <a:t>:</a:t>
+            </a:r>
+            <a:endParaRPr lang="en-GB" sz="1800" dirty="0"/>
+          </a:p>
+          <a:p>
+            <a:pPr lvl="1">
+              <a:buFont typeface="Wingdings" panose="05000000000000000000" pitchFamily="2" charset="2"/>
+              <a:buChar char="Ø"/>
+            </a:pPr>
+            <a:endParaRPr lang="en-US" sz="1400" dirty="0" smtClean="0"/>
+          </a:p>
+          <a:p>
+            <a:pPr lvl="1">
+              <a:buFont typeface="Wingdings" panose="05000000000000000000" pitchFamily="2" charset="2"/>
+              <a:buChar char="Ø"/>
+            </a:pPr>
+            <a:r>
+              <a:rPr lang="en-US" sz="1400" dirty="0" smtClean="0"/>
+              <a:t>JUnit 3.x</a:t>
+            </a:r>
+          </a:p>
+          <a:p>
+            <a:pPr lvl="2">
+              <a:buFont typeface="Wingdings" panose="05000000000000000000" pitchFamily="2" charset="2"/>
+              <a:buChar char="§"/>
+            </a:pPr>
+            <a:r>
+              <a:rPr lang="en-US" sz="1200" dirty="0" smtClean="0"/>
+              <a:t>Functionality provided by base-class (</a:t>
+            </a:r>
+            <a:r>
+              <a:rPr lang="en-US" sz="1200" b="1" dirty="0"/>
+              <a:t>junit.framework.Assert</a:t>
+            </a:r>
+            <a:r>
+              <a:rPr lang="en-US" sz="1200" dirty="0" smtClean="0"/>
+              <a:t>) of TestCase class.</a:t>
+            </a:r>
+          </a:p>
+          <a:p>
+            <a:pPr lvl="2">
+              <a:buFont typeface="Wingdings" panose="05000000000000000000" pitchFamily="2" charset="2"/>
+              <a:buChar char="§"/>
+            </a:pPr>
+            <a:endParaRPr lang="en-US" sz="1200" dirty="0"/>
+          </a:p>
+          <a:p>
+            <a:pPr lvl="1">
+              <a:buFont typeface="Wingdings" panose="05000000000000000000" pitchFamily="2" charset="2"/>
+              <a:buChar char="Ø"/>
+            </a:pPr>
+            <a:endParaRPr lang="en-US" sz="1400" dirty="0" smtClean="0"/>
+          </a:p>
+          <a:p>
+            <a:pPr lvl="1">
+              <a:buFont typeface="Wingdings" panose="05000000000000000000" pitchFamily="2" charset="2"/>
+              <a:buChar char="Ø"/>
+            </a:pPr>
+            <a:endParaRPr lang="en-US" sz="1400" dirty="0" smtClean="0"/>
+          </a:p>
+          <a:p>
+            <a:pPr lvl="1">
+              <a:buFont typeface="Wingdings" panose="05000000000000000000" pitchFamily="2" charset="2"/>
+              <a:buChar char="Ø"/>
+            </a:pPr>
+            <a:r>
+              <a:rPr lang="en-US" sz="1400" dirty="0" smtClean="0"/>
+              <a:t>JUnit 4.x</a:t>
+            </a:r>
+          </a:p>
+          <a:p>
+            <a:pPr lvl="2">
+              <a:buFont typeface="Wingdings" panose="05000000000000000000" pitchFamily="2" charset="2"/>
+              <a:buChar char="§"/>
+            </a:pPr>
+            <a:r>
+              <a:rPr lang="en-US" sz="1200" dirty="0" smtClean="0"/>
+              <a:t>Provides additional functionality to asset arrays.(</a:t>
+            </a:r>
+            <a:r>
+              <a:rPr lang="en-US" sz="1200" b="1" dirty="0" err="1">
+                <a:hlinkClick r:id="rId3"/>
+              </a:rPr>
+              <a:t>assertArrayEquals</a:t>
+            </a:r>
+            <a:r>
+              <a:rPr lang="en-US" sz="1200" dirty="0" smtClean="0"/>
+              <a:t>)</a:t>
+            </a:r>
+          </a:p>
+          <a:p>
+            <a:pPr lvl="2">
+              <a:buFont typeface="Wingdings" panose="05000000000000000000" pitchFamily="2" charset="2"/>
+              <a:buChar char="§"/>
+            </a:pPr>
+            <a:r>
+              <a:rPr lang="en-US" sz="1200" dirty="0" smtClean="0"/>
+              <a:t>Specific asset statements can be imported statically.</a:t>
+            </a:r>
+            <a:endParaRPr lang="en-US" sz="1200" dirty="0"/>
+          </a:p>
+          <a:p>
+            <a:pPr lvl="1">
+              <a:buFont typeface="Wingdings" panose="05000000000000000000" pitchFamily="2" charset="2"/>
+              <a:buChar char="Ø"/>
+            </a:pPr>
+            <a:endParaRPr lang="en-US" sz="1800" dirty="0"/>
+          </a:p>
+          <a:p>
+            <a:endParaRPr lang="en-US" sz="1800" dirty="0" smtClean="0"/>
+          </a:p>
+          <a:p>
+            <a:pPr lvl="1">
+              <a:buFont typeface="Wingdings" panose="05000000000000000000" pitchFamily="2" charset="2"/>
+              <a:buChar char="Ø"/>
+            </a:pPr>
+            <a:r>
+              <a:rPr lang="en-US" sz="1400" dirty="0" smtClean="0"/>
+              <a:t>Spock</a:t>
+            </a:r>
+          </a:p>
+          <a:p>
+            <a:pPr lvl="2">
+              <a:buFont typeface="Wingdings" panose="05000000000000000000" pitchFamily="2" charset="2"/>
+              <a:buChar char="§"/>
+            </a:pPr>
+            <a:r>
+              <a:rPr lang="en-US" sz="1200" dirty="0" smtClean="0"/>
+              <a:t>Uses equal-to comparator “==“ to assert</a:t>
+            </a:r>
+            <a:endParaRPr lang="en-US" sz="1200" dirty="0"/>
+          </a:p>
+          <a:p>
+            <a:endParaRPr lang="en-US" sz="1800" dirty="0"/>
+          </a:p>
+        </p:txBody>
+      </p:sp>
+      <p:pic>
+        <p:nvPicPr>
+          <p:cNvPr id="1026" name="Picture 2"/>
+          <p:cNvPicPr>
+            <a:picLocks noChangeAspect="1" noChangeArrowheads="1"/>
+          </p:cNvPicPr>
+          <p:nvPr/>
+        </p:nvPicPr>
+        <p:blipFill>
+          <a:blip r:embed="rId4">
+            <a:extLst>
+              <a:ext uri="{28A0092B-C50C-407E-A947-70E740481C1C}">
+                <a14:useLocalDpi xmlns:a14="http://schemas.microsoft.com/office/drawing/2010/main" val="0"/>
+              </a:ext>
+            </a:extLst>
+          </a:blip>
+          <a:srcRect/>
+          <a:stretch>
+            <a:fillRect/>
+          </a:stretch>
+        </p:blipFill>
+        <p:spPr bwMode="auto">
+          <a:xfrm>
+            <a:off x="1447800" y="2867025"/>
+            <a:ext cx="3419475" cy="409575"/>
+          </a:xfrm>
+          <a:prstGeom prst="rect">
+            <a:avLst/>
+          </a:prstGeom>
+          <a:noFill/>
+          <a:ln>
+            <a:noFill/>
+          </a:ln>
+          <a:effectLst/>
+          <a:extLst>
+            <a:ext uri="{909E8E84-426E-40DD-AFC4-6F175D3DCCD1}">
+              <a14:hiddenFill xmlns:a14="http://schemas.microsoft.com/office/drawing/2010/main">
+                <a:solidFill>
+                  <a:schemeClr val="accent1"/>
+                </a:solidFill>
+              </a14:hiddenFill>
+            </a:ext>
+            <a:ext uri="{91240B29-F687-4F45-9708-019B960494DF}">
+              <a14:hiddenLine xmlns:a14="http://schemas.microsoft.com/office/drawing/2010/main" w="9525">
+                <a:solidFill>
+                  <a:schemeClr val="tx1"/>
+                </a:solidFill>
+                <a:miter lim="800000"/>
+                <a:headEnd/>
+                <a:tailEnd/>
+              </a14:hiddenLine>
+            </a:ext>
+            <a:ext uri="{AF507438-7753-43E0-B8FC-AC1667EBCBE1}">
+              <a14:hiddenEffects xmlns:a14="http://schemas.microsoft.com/office/drawing/2010/main">
+                <a:effectLst>
+                  <a:outerShdw dist="35921" dir="2700000" algn="ctr" rotWithShape="0">
+                    <a:schemeClr val="bg2"/>
+                  </a:outerShdw>
+                </a:effectLst>
+              </a14:hiddenEffects>
+            </a:ext>
+          </a:extLst>
+        </p:spPr>
+      </p:pic>
+      <p:pic>
+        <p:nvPicPr>
+          <p:cNvPr id="1027" name="Picture 3"/>
+          <p:cNvPicPr>
+            <a:picLocks noChangeAspect="1" noChangeArrowheads="1"/>
+          </p:cNvPicPr>
+          <p:nvPr/>
+        </p:nvPicPr>
+        <p:blipFill>
+          <a:blip r:embed="rId5">
+            <a:extLst>
+              <a:ext uri="{28A0092B-C50C-407E-A947-70E740481C1C}">
+                <a14:useLocalDpi xmlns:a14="http://schemas.microsoft.com/office/drawing/2010/main" val="0"/>
+              </a:ext>
+            </a:extLst>
+          </a:blip>
+          <a:srcRect/>
+          <a:stretch>
+            <a:fillRect/>
+          </a:stretch>
+        </p:blipFill>
+        <p:spPr bwMode="auto">
+          <a:xfrm>
+            <a:off x="1465604" y="4310062"/>
+            <a:ext cx="3419475" cy="390525"/>
+          </a:xfrm>
+          <a:prstGeom prst="rect">
+            <a:avLst/>
+          </a:prstGeom>
+          <a:noFill/>
+          <a:ln>
+            <a:noFill/>
+          </a:ln>
+          <a:effectLst/>
+          <a:extLst>
+            <a:ext uri="{909E8E84-426E-40DD-AFC4-6F175D3DCCD1}">
+              <a14:hiddenFill xmlns:a14="http://schemas.microsoft.com/office/drawing/2010/main">
+                <a:solidFill>
+                  <a:schemeClr val="accent1"/>
+                </a:solidFill>
+              </a14:hiddenFill>
+            </a:ext>
+            <a:ext uri="{91240B29-F687-4F45-9708-019B960494DF}">
+              <a14:hiddenLine xmlns:a14="http://schemas.microsoft.com/office/drawing/2010/main" w="9525">
+                <a:solidFill>
+                  <a:schemeClr val="tx1"/>
+                </a:solidFill>
+                <a:miter lim="800000"/>
+                <a:headEnd/>
+                <a:tailEnd/>
+              </a14:hiddenLine>
+            </a:ext>
+            <a:ext uri="{AF507438-7753-43E0-B8FC-AC1667EBCBE1}">
+              <a14:hiddenEffects xmlns:a14="http://schemas.microsoft.com/office/drawing/2010/main">
+                <a:effectLst>
+                  <a:outerShdw dist="35921" dir="2700000" algn="ctr" rotWithShape="0">
+                    <a:schemeClr val="bg2"/>
+                  </a:outerShdw>
+                </a:effectLst>
+              </a14:hiddenEffects>
+            </a:ext>
+          </a:extLst>
+        </p:spPr>
+      </p:pic>
+      <p:pic>
+        <p:nvPicPr>
+          <p:cNvPr id="4098" name="Picture 2"/>
+          <p:cNvPicPr>
+            <a:picLocks noChangeAspect="1" noChangeArrowheads="1"/>
+          </p:cNvPicPr>
+          <p:nvPr/>
+        </p:nvPicPr>
+        <p:blipFill>
+          <a:blip r:embed="rId6">
+            <a:extLst>
+              <a:ext uri="{28A0092B-C50C-407E-A947-70E740481C1C}">
+                <a14:useLocalDpi xmlns:a14="http://schemas.microsoft.com/office/drawing/2010/main" val="0"/>
+              </a:ext>
+            </a:extLst>
+          </a:blip>
+          <a:srcRect/>
+          <a:stretch>
+            <a:fillRect/>
+          </a:stretch>
+        </p:blipFill>
+        <p:spPr bwMode="auto">
+          <a:xfrm>
+            <a:off x="1465604" y="5440363"/>
+            <a:ext cx="2797175" cy="198437"/>
+          </a:xfrm>
+          <a:prstGeom prst="rect">
+            <a:avLst/>
+          </a:prstGeom>
+          <a:noFill/>
+          <a:ln>
+            <a:noFill/>
+          </a:ln>
+          <a:effectLst/>
+          <a:extLst>
+            <a:ext uri="{909E8E84-426E-40DD-AFC4-6F175D3DCCD1}">
+              <a14:hiddenFill xmlns:a14="http://schemas.microsoft.com/office/drawing/2010/main">
+                <a:solidFill>
+                  <a:schemeClr val="accent1"/>
+                </a:solidFill>
+              </a14:hiddenFill>
+            </a:ext>
+            <a:ext uri="{91240B29-F687-4F45-9708-019B960494DF}">
+              <a14:hiddenLine xmlns:a14="http://schemas.microsoft.com/office/drawing/2010/main" w="9525">
+                <a:solidFill>
+                  <a:schemeClr val="tx1"/>
+                </a:solidFill>
+                <a:miter lim="800000"/>
+                <a:headEnd/>
+                <a:tailEnd/>
+              </a14:hiddenLine>
+            </a:ext>
+            <a:ext uri="{AF507438-7753-43E0-B8FC-AC1667EBCBE1}">
+              <a14:hiddenEffects xmlns:a14="http://schemas.microsoft.com/office/drawing/2010/main">
+                <a:effectLst>
+                  <a:outerShdw dist="35921" dir="2700000" algn="ctr" rotWithShape="0">
+                    <a:schemeClr val="bg2"/>
+                  </a:outerShdw>
+                </a:effectLst>
+              </a14:hiddenEffects>
+            </a:ext>
+          </a:extLst>
+        </p:spPr>
+      </p:pic>
+    </p:spTree>
+    <p:extLst>
+      <p:ext uri="{BB962C8B-B14F-4D97-AF65-F5344CB8AC3E}">
+        <p14:creationId xmlns:p14="http://schemas.microsoft.com/office/powerpoint/2010/main" val="3429744658"/>
+      </p:ext>
+    </p:extLst>
+  </p:cSld>
+  <p:clrMapOvr>
+    <a:masterClrMapping/>
+  </p:clrMapOvr>
+  <p:timing>
+    <p:tnLst>
+      <p:par>
+        <p:cTn id="1" dur="indefinite" restart="never" nodeType="tmRoot"/>
+      </p:par>
+    </p:tnLst>
+  </p:timing>
+</p:sld>
+</file>
+
+<file path=ppt/slides/slide12.xml><?xml version="1.0" encoding="utf-8"?>
+<p:sld xmlns:a="http://schemas.openxmlformats.org/drawingml/2006/main" xmlns:r="http://schemas.openxmlformats.org/officeDocument/2006/relationships" xmlns:p="http://schemas.openxmlformats.org/presentationml/2006/main">
+  <p:cSld>
+    <p:spTree>
+      <p:nvGrpSpPr>
+        <p:cNvPr id="1" name=""/>
+        <p:cNvGrpSpPr/>
+        <p:nvPr/>
+      </p:nvGrpSpPr>
+      <p:grpSpPr>
+        <a:xfrm>
+          <a:off x="0" y="0"/>
+          <a:ext cx="0" cy="0"/>
+          <a:chOff x="0" y="0"/>
+          <a:chExt cx="0" cy="0"/>
+        </a:xfrm>
+      </p:grpSpPr>
+      <p:sp>
+        <p:nvSpPr>
+          <p:cNvPr id="2" name="Rectangle 1"/>
+          <p:cNvSpPr>
+            <a:spLocks noGrp="1"/>
+          </p:cNvSpPr>
+          <p:nvPr>
+            <p:ph type="title"/>
+          </p:nvPr>
+        </p:nvSpPr>
+        <p:spPr>
+          <a:xfrm>
+            <a:off x="609600" y="609600"/>
+            <a:ext cx="8183562" cy="1050925"/>
+          </a:xfrm>
+        </p:spPr>
+        <p:txBody>
+          <a:bodyPr>
+            <a:normAutofit/>
+          </a:bodyPr>
+          <a:lstStyle/>
+          <a:p>
+            <a:r>
+              <a:rPr lang="en-US" sz="2400" dirty="0"/>
+              <a:t>Differences (Contd..)</a:t>
+            </a:r>
+          </a:p>
+        </p:txBody>
+      </p:sp>
+      <p:sp>
+        <p:nvSpPr>
+          <p:cNvPr id="3" name="Rectangle 2"/>
+          <p:cNvSpPr>
+            <a:spLocks noGrp="1"/>
+          </p:cNvSpPr>
+          <p:nvPr>
+            <p:ph idx="1"/>
+          </p:nvPr>
+        </p:nvSpPr>
+        <p:spPr>
+          <a:xfrm>
+            <a:off x="457200" y="1676400"/>
+            <a:ext cx="8183562" cy="4187825"/>
+          </a:xfrm>
+        </p:spPr>
+        <p:txBody>
+          <a:bodyPr>
+            <a:normAutofit/>
+          </a:bodyPr>
+          <a:lstStyle/>
+          <a:p>
+            <a:r>
+              <a:rPr lang="en-GB" sz="1800" dirty="0"/>
+              <a:t>Test Suite:</a:t>
+            </a:r>
+          </a:p>
+          <a:p>
+            <a:pPr lvl="1">
+              <a:buFont typeface="Wingdings" panose="05000000000000000000" pitchFamily="2" charset="2"/>
+              <a:buChar char="Ø"/>
+            </a:pPr>
+            <a:endParaRPr lang="en-US" sz="1400" dirty="0" smtClean="0"/>
+          </a:p>
+          <a:p>
+            <a:pPr lvl="1">
+              <a:buFont typeface="Wingdings" panose="05000000000000000000" pitchFamily="2" charset="2"/>
+              <a:buChar char="Ø"/>
+            </a:pPr>
+            <a:r>
+              <a:rPr lang="en-US" sz="1400" dirty="0" smtClean="0"/>
+              <a:t>JUnit 3.x</a:t>
+            </a:r>
+          </a:p>
+          <a:p>
+            <a:pPr lvl="1">
+              <a:buFont typeface="Wingdings" panose="05000000000000000000" pitchFamily="2" charset="2"/>
+              <a:buChar char="Ø"/>
+            </a:pPr>
+            <a:endParaRPr lang="en-US" sz="1400" dirty="0"/>
+          </a:p>
+          <a:p>
+            <a:pPr lvl="1">
+              <a:buFont typeface="Wingdings" panose="05000000000000000000" pitchFamily="2" charset="2"/>
+              <a:buChar char="Ø"/>
+            </a:pPr>
+            <a:endParaRPr lang="en-US" sz="1400" dirty="0" smtClean="0"/>
+          </a:p>
+          <a:p>
+            <a:pPr lvl="1">
+              <a:buFont typeface="Wingdings" panose="05000000000000000000" pitchFamily="2" charset="2"/>
+              <a:buChar char="Ø"/>
+            </a:pPr>
+            <a:endParaRPr lang="en-US" sz="1400" dirty="0"/>
+          </a:p>
+          <a:p>
+            <a:pPr lvl="1">
+              <a:buFont typeface="Wingdings" panose="05000000000000000000" pitchFamily="2" charset="2"/>
+              <a:buChar char="Ø"/>
+            </a:pPr>
+            <a:endParaRPr lang="en-US" sz="1400" dirty="0" smtClean="0"/>
+          </a:p>
+          <a:p>
+            <a:pPr lvl="1">
+              <a:buFont typeface="Wingdings" panose="05000000000000000000" pitchFamily="2" charset="2"/>
+              <a:buChar char="Ø"/>
+            </a:pPr>
+            <a:r>
+              <a:rPr lang="en-US" sz="1400" dirty="0"/>
+              <a:t>JUnit 4.x</a:t>
+            </a:r>
+          </a:p>
+          <a:p>
+            <a:pPr lvl="1">
+              <a:buFont typeface="Wingdings" panose="05000000000000000000" pitchFamily="2" charset="2"/>
+              <a:buChar char="Ø"/>
+            </a:pPr>
+            <a:endParaRPr lang="en-US" sz="1800" dirty="0"/>
+          </a:p>
+          <a:p>
+            <a:endParaRPr lang="en-US" sz="1800" dirty="0" smtClean="0"/>
+          </a:p>
+          <a:p>
+            <a:endParaRPr lang="en-US" sz="1800" dirty="0"/>
+          </a:p>
+          <a:p>
+            <a:pPr lvl="1">
+              <a:buFont typeface="Wingdings" panose="05000000000000000000" pitchFamily="2" charset="2"/>
+              <a:buChar char="Ø"/>
+            </a:pPr>
+            <a:r>
+              <a:rPr lang="en-US" sz="1400" dirty="0" smtClean="0"/>
+              <a:t>Spock : No direct way. Tests can be run using </a:t>
+            </a:r>
+            <a:r>
+              <a:rPr lang="en-US" sz="1400" dirty="0" err="1" smtClean="0"/>
+              <a:t>Gradle</a:t>
+            </a:r>
+            <a:r>
+              <a:rPr lang="en-US" sz="1400" dirty="0" smtClean="0"/>
+              <a:t> or with @</a:t>
+            </a:r>
+            <a:r>
+              <a:rPr lang="en-US" sz="1400" dirty="0" err="1" smtClean="0"/>
+              <a:t>SuitClasses</a:t>
+            </a:r>
+            <a:r>
+              <a:rPr lang="en-US" sz="1400" dirty="0" smtClean="0"/>
+              <a:t> </a:t>
+            </a:r>
+            <a:r>
+              <a:rPr lang="en-US" sz="1400" dirty="0" err="1" smtClean="0"/>
+              <a:t>Junit</a:t>
+            </a:r>
+            <a:r>
+              <a:rPr lang="en-US" sz="1400" dirty="0" smtClean="0"/>
+              <a:t> annotation.</a:t>
+            </a:r>
+            <a:endParaRPr lang="en-US" sz="1400" dirty="0"/>
+          </a:p>
+          <a:p>
+            <a:endParaRPr lang="en-US" sz="1800" dirty="0"/>
+          </a:p>
+        </p:txBody>
+      </p:sp>
+      <p:grpSp>
+        <p:nvGrpSpPr>
+          <p:cNvPr id="5" name="Group 4"/>
+          <p:cNvGrpSpPr/>
+          <p:nvPr/>
+        </p:nvGrpSpPr>
+        <p:grpSpPr>
+          <a:xfrm>
+            <a:off x="2133599" y="2590800"/>
+            <a:ext cx="5583965" cy="1905000"/>
+            <a:chOff x="2263717" y="1450256"/>
+            <a:chExt cx="6311463" cy="2197295"/>
+          </a:xfrm>
+        </p:grpSpPr>
+        <p:pic>
+          <p:nvPicPr>
+            <p:cNvPr id="6" name="Picture 2"/>
+            <p:cNvPicPr>
+              <a:picLocks noChangeAspect="1" noChangeArrowheads="1"/>
+            </p:cNvPicPr>
+            <p:nvPr/>
+          </p:nvPicPr>
+          <p:blipFill>
+            <a:blip r:embed="rId3">
+              <a:extLst>
+                <a:ext uri="{28A0092B-C50C-407E-A947-70E740481C1C}">
+                  <a14:useLocalDpi xmlns:a14="http://schemas.microsoft.com/office/drawing/2010/main" val="0"/>
+                </a:ext>
+              </a:extLst>
+            </a:blip>
+            <a:srcRect/>
+            <a:stretch>
+              <a:fillRect/>
+            </a:stretch>
+          </p:blipFill>
+          <p:spPr bwMode="auto">
+            <a:xfrm>
+              <a:off x="2263718" y="1450256"/>
+              <a:ext cx="6311462" cy="1042916"/>
+            </a:xfrm>
+            <a:prstGeom prst="rect">
+              <a:avLst/>
+            </a:prstGeom>
+            <a:noFill/>
+            <a:ln>
+              <a:noFill/>
+            </a:ln>
+            <a:effectLst/>
+            <a:extLst>
+              <a:ext uri="{909E8E84-426E-40DD-AFC4-6F175D3DCCD1}">
+                <a14:hiddenFill xmlns:a14="http://schemas.microsoft.com/office/drawing/2010/main">
+                  <a:solidFill>
+                    <a:schemeClr val="accent1"/>
+                  </a:solidFill>
+                </a14:hiddenFill>
+              </a:ext>
+              <a:ext uri="{91240B29-F687-4F45-9708-019B960494DF}">
+                <a14:hiddenLine xmlns:a14="http://schemas.microsoft.com/office/drawing/2010/main" w="9525">
+                  <a:solidFill>
+                    <a:schemeClr val="tx1"/>
+                  </a:solidFill>
+                  <a:miter lim="800000"/>
+                  <a:headEnd/>
+                  <a:tailEnd/>
+                </a14:hiddenLine>
+              </a:ext>
+              <a:ext uri="{AF507438-7753-43E0-B8FC-AC1667EBCBE1}">
+                <a14:hiddenEffects xmlns:a14="http://schemas.microsoft.com/office/drawing/2010/main">
+                  <a:effectLst>
+                    <a:outerShdw dist="35921" dir="2700000" algn="ctr" rotWithShape="0">
+                      <a:schemeClr val="bg2"/>
+                    </a:outerShdw>
+                  </a:effectLst>
+                </a14:hiddenEffects>
+              </a:ext>
+            </a:extLst>
+          </p:spPr>
+        </p:pic>
+        <p:pic>
+          <p:nvPicPr>
+            <p:cNvPr id="7" name="Picture 3"/>
+            <p:cNvPicPr>
+              <a:picLocks noChangeAspect="1" noChangeArrowheads="1"/>
+            </p:cNvPicPr>
+            <p:nvPr/>
+          </p:nvPicPr>
+          <p:blipFill>
+            <a:blip r:embed="rId4">
+              <a:extLst>
+                <a:ext uri="{28A0092B-C50C-407E-A947-70E740481C1C}">
+                  <a14:useLocalDpi xmlns:a14="http://schemas.microsoft.com/office/drawing/2010/main" val="0"/>
+                </a:ext>
+              </a:extLst>
+            </a:blip>
+            <a:srcRect/>
+            <a:stretch>
+              <a:fillRect/>
+            </a:stretch>
+          </p:blipFill>
+          <p:spPr bwMode="auto">
+            <a:xfrm>
+              <a:off x="2263717" y="2690714"/>
+              <a:ext cx="6311463" cy="956837"/>
+            </a:xfrm>
+            <a:prstGeom prst="rect">
+              <a:avLst/>
+            </a:prstGeom>
+            <a:noFill/>
+            <a:ln>
+              <a:noFill/>
+            </a:ln>
+            <a:effectLst/>
+            <a:extLst>
+              <a:ext uri="{909E8E84-426E-40DD-AFC4-6F175D3DCCD1}">
+                <a14:hiddenFill xmlns:a14="http://schemas.microsoft.com/office/drawing/2010/main">
+                  <a:solidFill>
+                    <a:schemeClr val="accent1"/>
+                  </a:solidFill>
+                </a14:hiddenFill>
+              </a:ext>
+              <a:ext uri="{91240B29-F687-4F45-9708-019B960494DF}">
+                <a14:hiddenLine xmlns:a14="http://schemas.microsoft.com/office/drawing/2010/main" w="9525">
+                  <a:solidFill>
+                    <a:schemeClr val="tx1"/>
+                  </a:solidFill>
+                  <a:miter lim="800000"/>
+                  <a:headEnd/>
+                  <a:tailEnd/>
+                </a14:hiddenLine>
+              </a:ext>
+              <a:ext uri="{AF507438-7753-43E0-B8FC-AC1667EBCBE1}">
+                <a14:hiddenEffects xmlns:a14="http://schemas.microsoft.com/office/drawing/2010/main">
+                  <a:effectLst>
+                    <a:outerShdw dist="35921" dir="2700000" algn="ctr" rotWithShape="0">
+                      <a:schemeClr val="bg2"/>
+                    </a:outerShdw>
+                  </a:effectLst>
+                </a14:hiddenEffects>
+              </a:ext>
+            </a:extLst>
+          </p:spPr>
+        </p:pic>
+      </p:grpSp>
+    </p:spTree>
+    <p:extLst>
+      <p:ext uri="{BB962C8B-B14F-4D97-AF65-F5344CB8AC3E}">
+        <p14:creationId xmlns:p14="http://schemas.microsoft.com/office/powerpoint/2010/main" val="3169221721"/>
+      </p:ext>
+    </p:extLst>
+  </p:cSld>
+  <p:clrMapOvr>
+    <a:masterClrMapping/>
+  </p:clrMapOvr>
+  <p:timing>
+    <p:tnLst>
+      <p:par>
+        <p:cTn id="1" dur="indefinite" restart="never" nodeType="tmRoot"/>
+      </p:par>
+    </p:tnLst>
+  </p:timing>
+</p:sld>
+</file>
+
+<file path=ppt/slides/slide13.xml><?xml version="1.0" encoding="utf-8"?>
+<p:sld xmlns:a="http://schemas.openxmlformats.org/drawingml/2006/main" xmlns:r="http://schemas.openxmlformats.org/officeDocument/2006/relationships" xmlns:p="http://schemas.openxmlformats.org/presentationml/2006/main">
+  <p:cSld>
+    <p:spTree>
+      <p:nvGrpSpPr>
+        <p:cNvPr id="1" name=""/>
+        <p:cNvGrpSpPr/>
+        <p:nvPr/>
+      </p:nvGrpSpPr>
+      <p:grpSpPr>
+        <a:xfrm>
+          <a:off x="0" y="0"/>
+          <a:ext cx="0" cy="0"/>
+          <a:chOff x="0" y="0"/>
+          <a:chExt cx="0" cy="0"/>
+        </a:xfrm>
+      </p:grpSpPr>
+      <p:sp>
+        <p:nvSpPr>
+          <p:cNvPr id="2" name="Rectangle 1"/>
+          <p:cNvSpPr>
+            <a:spLocks noGrp="1"/>
+          </p:cNvSpPr>
+          <p:nvPr>
+            <p:ph type="title"/>
+          </p:nvPr>
+        </p:nvSpPr>
+        <p:spPr>
+          <a:xfrm>
+            <a:off x="609600" y="609600"/>
+            <a:ext cx="8183562" cy="1050925"/>
+          </a:xfrm>
+        </p:spPr>
+        <p:txBody>
+          <a:bodyPr>
+            <a:normAutofit/>
+          </a:bodyPr>
+          <a:lstStyle/>
+          <a:p>
+            <a:r>
+              <a:rPr lang="en-US" sz="2400" dirty="0"/>
+              <a:t>Differences (Contd..)</a:t>
+            </a:r>
+          </a:p>
+        </p:txBody>
+      </p:sp>
+      <p:sp>
+        <p:nvSpPr>
+          <p:cNvPr id="3" name="Rectangle 2"/>
+          <p:cNvSpPr>
+            <a:spLocks noGrp="1"/>
+          </p:cNvSpPr>
+          <p:nvPr>
+            <p:ph idx="1"/>
+          </p:nvPr>
+        </p:nvSpPr>
+        <p:spPr>
+          <a:xfrm>
+            <a:off x="457200" y="1676400"/>
+            <a:ext cx="8183562" cy="4187825"/>
+          </a:xfrm>
+        </p:spPr>
+        <p:txBody>
+          <a:bodyPr>
+            <a:normAutofit/>
+          </a:bodyPr>
+          <a:lstStyle/>
+          <a:p>
+            <a:r>
               <a:rPr lang="en-GB" sz="1800" dirty="0"/>
               <a:t>Testing Exceptions:</a:t>
             </a:r>
@@ -7247,7 +9093,184 @@
 </p:sld>
 </file>
 
-<file path=ppt/slides/slide11.xml><?xml version="1.0" encoding="utf-8"?>
+<file path=ppt/slides/slide14.xml><?xml version="1.0" encoding="utf-8"?>
+<p:sld xmlns:a="http://schemas.openxmlformats.org/drawingml/2006/main" xmlns:r="http://schemas.openxmlformats.org/officeDocument/2006/relationships" xmlns:p="http://schemas.openxmlformats.org/presentationml/2006/main">
+  <p:cSld>
+    <p:spTree>
+      <p:nvGrpSpPr>
+        <p:cNvPr id="1" name=""/>
+        <p:cNvGrpSpPr/>
+        <p:nvPr/>
+      </p:nvGrpSpPr>
+      <p:grpSpPr>
+        <a:xfrm>
+          <a:off x="0" y="0"/>
+          <a:ext cx="0" cy="0"/>
+          <a:chOff x="0" y="0"/>
+          <a:chExt cx="0" cy="0"/>
+        </a:xfrm>
+      </p:grpSpPr>
+      <p:sp>
+        <p:nvSpPr>
+          <p:cNvPr id="2" name="Rectangle 1"/>
+          <p:cNvSpPr>
+            <a:spLocks noGrp="1"/>
+          </p:cNvSpPr>
+          <p:nvPr>
+            <p:ph type="title"/>
+          </p:nvPr>
+        </p:nvSpPr>
+        <p:spPr>
+          <a:xfrm>
+            <a:off x="609600" y="609600"/>
+            <a:ext cx="8183562" cy="1050925"/>
+          </a:xfrm>
+        </p:spPr>
+        <p:txBody>
+          <a:bodyPr>
+            <a:normAutofit/>
+          </a:bodyPr>
+          <a:lstStyle/>
+          <a:p>
+            <a:r>
+              <a:rPr lang="en-US" sz="2400" dirty="0"/>
+              <a:t>Differences (Contd..)</a:t>
+            </a:r>
+          </a:p>
+        </p:txBody>
+      </p:sp>
+      <p:sp>
+        <p:nvSpPr>
+          <p:cNvPr id="3" name="Rectangle 2"/>
+          <p:cNvSpPr>
+            <a:spLocks noGrp="1"/>
+          </p:cNvSpPr>
+          <p:nvPr>
+            <p:ph idx="1"/>
+          </p:nvPr>
+        </p:nvSpPr>
+        <p:spPr>
+          <a:xfrm>
+            <a:off x="457200" y="1676400"/>
+            <a:ext cx="8183562" cy="4187825"/>
+          </a:xfrm>
+        </p:spPr>
+        <p:txBody>
+          <a:bodyPr>
+            <a:normAutofit/>
+          </a:bodyPr>
+          <a:lstStyle/>
+          <a:p>
+            <a:r>
+              <a:rPr lang="en-GB" sz="1800" dirty="0"/>
+              <a:t>Testing Exceptions</a:t>
+            </a:r>
+            <a:r>
+              <a:rPr lang="en-GB" sz="1800" dirty="0" smtClean="0"/>
+              <a:t>:</a:t>
+            </a:r>
+          </a:p>
+          <a:p>
+            <a:endParaRPr lang="en-US" sz="1800" dirty="0" smtClean="0"/>
+          </a:p>
+          <a:p>
+            <a:pPr lvl="1">
+              <a:buFont typeface="Wingdings" panose="05000000000000000000" pitchFamily="2" charset="2"/>
+              <a:buChar char="Ø"/>
+            </a:pPr>
+            <a:r>
+              <a:rPr lang="en-US" sz="1400" dirty="0" smtClean="0"/>
+              <a:t>Spock : using thrown</a:t>
+            </a:r>
+            <a:endParaRPr lang="en-US" sz="1400" dirty="0"/>
+          </a:p>
+        </p:txBody>
+      </p:sp>
+      <p:pic>
+        <p:nvPicPr>
+          <p:cNvPr id="5122" name="Picture 2"/>
+          <p:cNvPicPr>
+            <a:picLocks noChangeAspect="1" noChangeArrowheads="1"/>
+          </p:cNvPicPr>
+          <p:nvPr/>
+        </p:nvPicPr>
+        <p:blipFill>
+          <a:blip r:embed="rId3">
+            <a:extLst>
+              <a:ext uri="{28A0092B-C50C-407E-A947-70E740481C1C}">
+                <a14:useLocalDpi xmlns:a14="http://schemas.microsoft.com/office/drawing/2010/main" val="0"/>
+              </a:ext>
+            </a:extLst>
+          </a:blip>
+          <a:srcRect/>
+          <a:stretch>
+            <a:fillRect/>
+          </a:stretch>
+        </p:blipFill>
+        <p:spPr bwMode="auto">
+          <a:xfrm>
+            <a:off x="1219200" y="2819400"/>
+            <a:ext cx="3459163" cy="1257300"/>
+          </a:xfrm>
+          <a:prstGeom prst="rect">
+            <a:avLst/>
+          </a:prstGeom>
+          <a:noFill/>
+          <a:ln>
+            <a:noFill/>
+          </a:ln>
+          <a:effectLst/>
+          <a:extLst>
+            <a:ext uri="{909E8E84-426E-40DD-AFC4-6F175D3DCCD1}">
+              <a14:hiddenFill xmlns:a14="http://schemas.microsoft.com/office/drawing/2010/main">
+                <a:solidFill>
+                  <a:schemeClr val="accent1"/>
+                </a:solidFill>
+              </a14:hiddenFill>
+            </a:ext>
+            <a:ext uri="{91240B29-F687-4F45-9708-019B960494DF}">
+              <a14:hiddenLine xmlns:a14="http://schemas.microsoft.com/office/drawing/2010/main" w="9525">
+                <a:solidFill>
+                  <a:schemeClr val="tx1"/>
+                </a:solidFill>
+                <a:miter lim="800000"/>
+                <a:headEnd/>
+                <a:tailEnd/>
+              </a14:hiddenLine>
+            </a:ext>
+            <a:ext uri="{AF507438-7753-43E0-B8FC-AC1667EBCBE1}">
+              <a14:hiddenEffects xmlns:a14="http://schemas.microsoft.com/office/drawing/2010/main">
+                <a:effectLst>
+                  <a:outerShdw dist="35921" dir="2700000" algn="ctr" rotWithShape="0">
+                    <a:schemeClr val="bg2"/>
+                  </a:outerShdw>
+                </a:effectLst>
+              </a14:hiddenEffects>
+            </a:ext>
+          </a:extLst>
+        </p:spPr>
+      </p:pic>
+    </p:spTree>
+    <p:extLst>
+      <p:ext uri="{BB962C8B-B14F-4D97-AF65-F5344CB8AC3E}">
+        <p14:creationId xmlns:p14="http://schemas.microsoft.com/office/powerpoint/2010/main" val="341452205"/>
+      </p:ext>
+    </p:extLst>
+  </p:cSld>
+  <p:clrMapOvr>
+    <a:masterClrMapping/>
+  </p:clrMapOvr>
+  <p:timing>
+    <p:tnLst>
+      <p:par>
+        <p:cTn id="1" dur="indefinite" restart="never" nodeType="tmRoot"/>
+      </p:par>
+    </p:tnLst>
+  </p:timing>
+</p:sld>
+</file>
+
+<file path=ppt/slides/slide15.xml><?xml version="1.0" encoding="utf-8"?>
 <p:sld xmlns:a="http://schemas.openxmlformats.org/drawingml/2006/main" xmlns:r="http://schemas.openxmlformats.org/officeDocument/2006/relationships" xmlns:p="http://schemas.openxmlformats.org/presentationml/2006/main">
   <p:cSld>
     <p:spTree>
@@ -7636,7 +9659,468 @@
 </p:sld>
 </file>
 
-<file path=ppt/slides/slide12.xml><?xml version="1.0" encoding="utf-8"?>
+<file path=ppt/slides/slide16.xml><?xml version="1.0" encoding="utf-8"?>
+<p:sld xmlns:a="http://schemas.openxmlformats.org/drawingml/2006/main" xmlns:r="http://schemas.openxmlformats.org/officeDocument/2006/relationships" xmlns:p="http://schemas.openxmlformats.org/presentationml/2006/main">
+  <p:cSld>
+    <p:spTree>
+      <p:nvGrpSpPr>
+        <p:cNvPr id="1" name=""/>
+        <p:cNvGrpSpPr/>
+        <p:nvPr/>
+      </p:nvGrpSpPr>
+      <p:grpSpPr>
+        <a:xfrm>
+          <a:off x="0" y="0"/>
+          <a:ext cx="0" cy="0"/>
+          <a:chOff x="0" y="0"/>
+          <a:chExt cx="0" cy="0"/>
+        </a:xfrm>
+      </p:grpSpPr>
+      <p:sp>
+        <p:nvSpPr>
+          <p:cNvPr id="2" name="Rectangle 1"/>
+          <p:cNvSpPr>
+            <a:spLocks noGrp="1"/>
+          </p:cNvSpPr>
+          <p:nvPr>
+            <p:ph type="title"/>
+          </p:nvPr>
+        </p:nvSpPr>
+        <p:spPr>
+          <a:xfrm>
+            <a:off x="609600" y="609600"/>
+            <a:ext cx="8183562" cy="1050925"/>
+          </a:xfrm>
+        </p:spPr>
+        <p:txBody>
+          <a:bodyPr>
+            <a:normAutofit/>
+          </a:bodyPr>
+          <a:lstStyle/>
+          <a:p>
+            <a:r>
+              <a:rPr lang="en-US" sz="2400" dirty="0"/>
+              <a:t>Differences (Contd..)</a:t>
+            </a:r>
+          </a:p>
+        </p:txBody>
+      </p:sp>
+      <p:sp>
+        <p:nvSpPr>
+          <p:cNvPr id="3" name="Rectangle 2"/>
+          <p:cNvSpPr>
+            <a:spLocks noGrp="1"/>
+          </p:cNvSpPr>
+          <p:nvPr>
+            <p:ph idx="1"/>
+          </p:nvPr>
+        </p:nvSpPr>
+        <p:spPr>
+          <a:xfrm>
+            <a:off x="457200" y="1676400"/>
+            <a:ext cx="8183562" cy="4187825"/>
+          </a:xfrm>
+        </p:spPr>
+        <p:txBody>
+          <a:bodyPr>
+            <a:normAutofit/>
+          </a:bodyPr>
+          <a:lstStyle/>
+          <a:p>
+            <a:r>
+              <a:rPr lang="en-GB" sz="1800" dirty="0"/>
+              <a:t>Testing Exceptions with messages:</a:t>
+            </a:r>
+            <a:endParaRPr lang="en-US" sz="1400" dirty="0"/>
+          </a:p>
+          <a:p>
+            <a:endParaRPr lang="en-US" sz="1800" dirty="0" smtClean="0"/>
+          </a:p>
+          <a:p>
+            <a:pPr lvl="1">
+              <a:buFont typeface="Wingdings" panose="05000000000000000000" pitchFamily="2" charset="2"/>
+              <a:buChar char="Ø"/>
+            </a:pPr>
+            <a:r>
+              <a:rPr lang="en-US" sz="1400" dirty="0" smtClean="0"/>
+              <a:t>Spock : using thrown</a:t>
+            </a:r>
+            <a:endParaRPr lang="en-US" sz="1400" dirty="0"/>
+          </a:p>
+        </p:txBody>
+      </p:sp>
+      <p:pic>
+        <p:nvPicPr>
+          <p:cNvPr id="6146" name="Picture 2"/>
+          <p:cNvPicPr>
+            <a:picLocks noChangeAspect="1" noChangeArrowheads="1"/>
+          </p:cNvPicPr>
+          <p:nvPr/>
+        </p:nvPicPr>
+        <p:blipFill>
+          <a:blip r:embed="rId3">
+            <a:extLst>
+              <a:ext uri="{28A0092B-C50C-407E-A947-70E740481C1C}">
+                <a14:useLocalDpi xmlns:a14="http://schemas.microsoft.com/office/drawing/2010/main" val="0"/>
+              </a:ext>
+            </a:extLst>
+          </a:blip>
+          <a:srcRect/>
+          <a:stretch>
+            <a:fillRect/>
+          </a:stretch>
+        </p:blipFill>
+        <p:spPr bwMode="auto">
+          <a:xfrm>
+            <a:off x="1219200" y="2830143"/>
+            <a:ext cx="4068763" cy="1273175"/>
+          </a:xfrm>
+          <a:prstGeom prst="rect">
+            <a:avLst/>
+          </a:prstGeom>
+          <a:noFill/>
+          <a:ln>
+            <a:noFill/>
+          </a:ln>
+          <a:effectLst/>
+          <a:extLst>
+            <a:ext uri="{909E8E84-426E-40DD-AFC4-6F175D3DCCD1}">
+              <a14:hiddenFill xmlns:a14="http://schemas.microsoft.com/office/drawing/2010/main">
+                <a:solidFill>
+                  <a:schemeClr val="accent1"/>
+                </a:solidFill>
+              </a14:hiddenFill>
+            </a:ext>
+            <a:ext uri="{91240B29-F687-4F45-9708-019B960494DF}">
+              <a14:hiddenLine xmlns:a14="http://schemas.microsoft.com/office/drawing/2010/main" w="9525">
+                <a:solidFill>
+                  <a:schemeClr val="tx1"/>
+                </a:solidFill>
+                <a:miter lim="800000"/>
+                <a:headEnd/>
+                <a:tailEnd/>
+              </a14:hiddenLine>
+            </a:ext>
+            <a:ext uri="{AF507438-7753-43E0-B8FC-AC1667EBCBE1}">
+              <a14:hiddenEffects xmlns:a14="http://schemas.microsoft.com/office/drawing/2010/main">
+                <a:effectLst>
+                  <a:outerShdw dist="35921" dir="2700000" algn="ctr" rotWithShape="0">
+                    <a:schemeClr val="bg2"/>
+                  </a:outerShdw>
+                </a:effectLst>
+              </a14:hiddenEffects>
+            </a:ext>
+          </a:extLst>
+        </p:spPr>
+      </p:pic>
+    </p:spTree>
+    <p:extLst>
+      <p:ext uri="{BB962C8B-B14F-4D97-AF65-F5344CB8AC3E}">
+        <p14:creationId xmlns:p14="http://schemas.microsoft.com/office/powerpoint/2010/main" val="3177447970"/>
+      </p:ext>
+    </p:extLst>
+  </p:cSld>
+  <p:clrMapOvr>
+    <a:masterClrMapping/>
+  </p:clrMapOvr>
+  <p:timing>
+    <p:tnLst>
+      <p:par>
+        <p:cTn id="1" dur="indefinite" restart="never" nodeType="tmRoot"/>
+      </p:par>
+    </p:tnLst>
+  </p:timing>
+</p:sld>
+</file>
+
+<file path=ppt/slides/slide17.xml><?xml version="1.0" encoding="utf-8"?>
+<p:sld xmlns:a="http://schemas.openxmlformats.org/drawingml/2006/main" xmlns:r="http://schemas.openxmlformats.org/officeDocument/2006/relationships" xmlns:p="http://schemas.openxmlformats.org/presentationml/2006/main">
+  <p:cSld>
+    <p:spTree>
+      <p:nvGrpSpPr>
+        <p:cNvPr id="1" name=""/>
+        <p:cNvGrpSpPr/>
+        <p:nvPr/>
+      </p:nvGrpSpPr>
+      <p:grpSpPr>
+        <a:xfrm>
+          <a:off x="0" y="0"/>
+          <a:ext cx="0" cy="0"/>
+          <a:chOff x="0" y="0"/>
+          <a:chExt cx="0" cy="0"/>
+        </a:xfrm>
+      </p:grpSpPr>
+      <p:sp>
+        <p:nvSpPr>
+          <p:cNvPr id="2" name="Rectangle 1"/>
+          <p:cNvSpPr>
+            <a:spLocks noGrp="1"/>
+          </p:cNvSpPr>
+          <p:nvPr>
+            <p:ph type="title"/>
+          </p:nvPr>
+        </p:nvSpPr>
+        <p:spPr>
+          <a:xfrm>
+            <a:off x="609600" y="609600"/>
+            <a:ext cx="8183562" cy="1050925"/>
+          </a:xfrm>
+        </p:spPr>
+        <p:txBody>
+          <a:bodyPr>
+            <a:normAutofit/>
+          </a:bodyPr>
+          <a:lstStyle/>
+          <a:p>
+            <a:r>
+              <a:rPr lang="en-US" sz="2400" dirty="0"/>
+              <a:t>Differences (Contd..)</a:t>
+            </a:r>
+          </a:p>
+        </p:txBody>
+      </p:sp>
+      <p:sp>
+        <p:nvSpPr>
+          <p:cNvPr id="3" name="Rectangle 2"/>
+          <p:cNvSpPr>
+            <a:spLocks noGrp="1"/>
+          </p:cNvSpPr>
+          <p:nvPr>
+            <p:ph idx="1"/>
+          </p:nvPr>
+        </p:nvSpPr>
+        <p:spPr>
+          <a:xfrm>
+            <a:off x="457200" y="1676400"/>
+            <a:ext cx="8183562" cy="4187825"/>
+          </a:xfrm>
+        </p:spPr>
+        <p:txBody>
+          <a:bodyPr>
+            <a:normAutofit/>
+          </a:bodyPr>
+          <a:lstStyle/>
+          <a:p>
+            <a:r>
+              <a:rPr lang="en-US" sz="1800" dirty="0" smtClean="0"/>
+              <a:t>Error Reporting :</a:t>
+            </a:r>
+            <a:endParaRPr lang="en-US" sz="1400" dirty="0"/>
+          </a:p>
+          <a:p>
+            <a:endParaRPr lang="en-US" sz="1800" dirty="0" smtClean="0"/>
+          </a:p>
+          <a:p>
+            <a:pPr lvl="1">
+              <a:buFont typeface="Wingdings" panose="05000000000000000000" pitchFamily="2" charset="2"/>
+              <a:buChar char="Ø"/>
+            </a:pPr>
+            <a:r>
+              <a:rPr lang="en-US" sz="1400" dirty="0" err="1" smtClean="0"/>
+              <a:t>JUnit</a:t>
+            </a:r>
+            <a:r>
+              <a:rPr lang="en-US" sz="1400" dirty="0" smtClean="0"/>
+              <a:t> </a:t>
+            </a:r>
+          </a:p>
+          <a:p>
+            <a:pPr lvl="1">
+              <a:buFont typeface="Wingdings" panose="05000000000000000000" pitchFamily="2" charset="2"/>
+              <a:buChar char="Ø"/>
+            </a:pPr>
+            <a:endParaRPr lang="en-US" sz="1400" dirty="0"/>
+          </a:p>
+          <a:p>
+            <a:pPr lvl="1">
+              <a:buFont typeface="Wingdings" panose="05000000000000000000" pitchFamily="2" charset="2"/>
+              <a:buChar char="Ø"/>
+            </a:pPr>
+            <a:endParaRPr lang="en-US" sz="1400" dirty="0" smtClean="0"/>
+          </a:p>
+          <a:p>
+            <a:pPr lvl="1">
+              <a:buFont typeface="Wingdings" panose="05000000000000000000" pitchFamily="2" charset="2"/>
+              <a:buChar char="Ø"/>
+            </a:pPr>
+            <a:endParaRPr lang="en-US" sz="1400" dirty="0"/>
+          </a:p>
+          <a:p>
+            <a:pPr lvl="1">
+              <a:buFont typeface="Wingdings" panose="05000000000000000000" pitchFamily="2" charset="2"/>
+              <a:buChar char="Ø"/>
+            </a:pPr>
+            <a:endParaRPr lang="en-US" sz="1400" dirty="0" smtClean="0"/>
+          </a:p>
+          <a:p>
+            <a:pPr lvl="1">
+              <a:buFont typeface="Wingdings" panose="05000000000000000000" pitchFamily="2" charset="2"/>
+              <a:buChar char="Ø"/>
+            </a:pPr>
+            <a:endParaRPr lang="en-US" sz="1400" dirty="0"/>
+          </a:p>
+          <a:p>
+            <a:pPr lvl="1">
+              <a:buFont typeface="Wingdings" panose="05000000000000000000" pitchFamily="2" charset="2"/>
+              <a:buChar char="Ø"/>
+            </a:pPr>
+            <a:r>
+              <a:rPr lang="en-US" sz="1400" dirty="0" smtClean="0"/>
+              <a:t>Spock</a:t>
+            </a:r>
+            <a:endParaRPr lang="en-US" sz="1400" dirty="0"/>
+          </a:p>
+        </p:txBody>
+      </p:sp>
+      <p:pic>
+        <p:nvPicPr>
+          <p:cNvPr id="10243" name="Picture 3"/>
+          <p:cNvPicPr>
+            <a:picLocks noChangeAspect="1" noChangeArrowheads="1"/>
+          </p:cNvPicPr>
+          <p:nvPr/>
+        </p:nvPicPr>
+        <p:blipFill>
+          <a:blip r:embed="rId3">
+            <a:extLst>
+              <a:ext uri="{28A0092B-C50C-407E-A947-70E740481C1C}">
+                <a14:useLocalDpi xmlns:a14="http://schemas.microsoft.com/office/drawing/2010/main" val="0"/>
+              </a:ext>
+            </a:extLst>
+          </a:blip>
+          <a:srcRect/>
+          <a:stretch>
+            <a:fillRect/>
+          </a:stretch>
+        </p:blipFill>
+        <p:spPr bwMode="auto">
+          <a:xfrm>
+            <a:off x="1143000" y="2819400"/>
+            <a:ext cx="6500813" cy="830263"/>
+          </a:xfrm>
+          <a:prstGeom prst="rect">
+            <a:avLst/>
+          </a:prstGeom>
+          <a:noFill/>
+          <a:ln>
+            <a:noFill/>
+          </a:ln>
+          <a:effectLst/>
+          <a:extLst>
+            <a:ext uri="{909E8E84-426E-40DD-AFC4-6F175D3DCCD1}">
+              <a14:hiddenFill xmlns:a14="http://schemas.microsoft.com/office/drawing/2010/main">
+                <a:solidFill>
+                  <a:schemeClr val="accent1"/>
+                </a:solidFill>
+              </a14:hiddenFill>
+            </a:ext>
+            <a:ext uri="{91240B29-F687-4F45-9708-019B960494DF}">
+              <a14:hiddenLine xmlns:a14="http://schemas.microsoft.com/office/drawing/2010/main" w="9525">
+                <a:solidFill>
+                  <a:schemeClr val="tx1"/>
+                </a:solidFill>
+                <a:miter lim="800000"/>
+                <a:headEnd/>
+                <a:tailEnd/>
+              </a14:hiddenLine>
+            </a:ext>
+            <a:ext uri="{AF507438-7753-43E0-B8FC-AC1667EBCBE1}">
+              <a14:hiddenEffects xmlns:a14="http://schemas.microsoft.com/office/drawing/2010/main">
+                <a:effectLst>
+                  <a:outerShdw dist="35921" dir="2700000" algn="ctr" rotWithShape="0">
+                    <a:schemeClr val="bg2"/>
+                  </a:outerShdw>
+                </a:effectLst>
+              </a14:hiddenEffects>
+            </a:ext>
+          </a:extLst>
+        </p:spPr>
+      </p:pic>
+      <p:pic>
+        <p:nvPicPr>
+          <p:cNvPr id="10245" name="Picture 5"/>
+          <p:cNvPicPr>
+            <a:picLocks noChangeAspect="1" noChangeArrowheads="1"/>
+          </p:cNvPicPr>
+          <p:nvPr/>
+        </p:nvPicPr>
+        <p:blipFill>
+          <a:blip r:embed="rId4">
+            <a:extLst>
+              <a:ext uri="{28A0092B-C50C-407E-A947-70E740481C1C}">
+                <a14:useLocalDpi xmlns:a14="http://schemas.microsoft.com/office/drawing/2010/main" val="0"/>
+              </a:ext>
+            </a:extLst>
+          </a:blip>
+          <a:srcRect/>
+          <a:stretch>
+            <a:fillRect/>
+          </a:stretch>
+        </p:blipFill>
+        <p:spPr bwMode="auto">
+          <a:xfrm>
+            <a:off x="1143000" y="4191000"/>
+            <a:ext cx="6896100" cy="1654175"/>
+          </a:xfrm>
+          <a:prstGeom prst="rect">
+            <a:avLst/>
+          </a:prstGeom>
+          <a:noFill/>
+          <a:ln>
+            <a:noFill/>
+          </a:ln>
+          <a:effectLst/>
+          <a:extLst>
+            <a:ext uri="{909E8E84-426E-40DD-AFC4-6F175D3DCCD1}">
+              <a14:hiddenFill xmlns:a14="http://schemas.microsoft.com/office/drawing/2010/main">
+                <a:solidFill>
+                  <a:schemeClr val="accent1"/>
+                </a:solidFill>
+              </a14:hiddenFill>
+            </a:ext>
+            <a:ext uri="{91240B29-F687-4F45-9708-019B960494DF}">
+              <a14:hiddenLine xmlns:a14="http://schemas.microsoft.com/office/drawing/2010/main" w="9525">
+                <a:solidFill>
+                  <a:schemeClr val="tx1"/>
+                </a:solidFill>
+                <a:miter lim="800000"/>
+                <a:headEnd/>
+                <a:tailEnd/>
+              </a14:hiddenLine>
+            </a:ext>
+            <a:ext uri="{AF507438-7753-43E0-B8FC-AC1667EBCBE1}">
+              <a14:hiddenEffects xmlns:a14="http://schemas.microsoft.com/office/drawing/2010/main">
+                <a:effectLst>
+                  <a:outerShdw dist="35921" dir="2700000" algn="ctr" rotWithShape="0">
+                    <a:schemeClr val="bg2"/>
+                  </a:outerShdw>
+                </a:effectLst>
+              </a14:hiddenEffects>
+            </a:ext>
+          </a:extLst>
+        </p:spPr>
+      </p:pic>
+    </p:spTree>
+    <p:extLst>
+      <p:ext uri="{BB962C8B-B14F-4D97-AF65-F5344CB8AC3E}">
+        <p14:creationId xmlns:p14="http://schemas.microsoft.com/office/powerpoint/2010/main" val="2078604219"/>
+      </p:ext>
+    </p:extLst>
+  </p:cSld>
+  <p:clrMapOvr>
+    <a:masterClrMapping/>
+  </p:clrMapOvr>
+  <p:timing>
+    <p:tnLst>
+      <p:par>
+        <p:cTn id="1" dur="indefinite" restart="never" nodeType="tmRoot"/>
+      </p:par>
+    </p:tnLst>
+  </p:timing>
+</p:sld>
+</file>
+
+<file path=ppt/slides/slide18.xml><?xml version="1.0" encoding="utf-8"?>
 <p:sld xmlns:a="http://schemas.openxmlformats.org/drawingml/2006/main" xmlns:r="http://schemas.openxmlformats.org/officeDocument/2006/relationships" xmlns:p="http://schemas.openxmlformats.org/presentationml/2006/main">
   <p:cSld>
     <p:spTree>
@@ -7752,7 +10236,7 @@
 </p:sld>
 </file>
 
-<file path=ppt/slides/slide13.xml><?xml version="1.0" encoding="utf-8"?>
+<file path=ppt/slides/slide19.xml><?xml version="1.0" encoding="utf-8"?>
 <p:sld xmlns:a="http://schemas.openxmlformats.org/drawingml/2006/main" xmlns:r="http://schemas.openxmlformats.org/officeDocument/2006/relationships" xmlns:p="http://schemas.openxmlformats.org/presentationml/2006/main">
   <p:cSld>
     <p:spTree>
@@ -8092,7 +10576,7 @@
 </p:sld>
 </file>
 
-<file path=ppt/slides/slide14.xml><?xml version="1.0" encoding="utf-8"?>
+<file path=ppt/slides/slide2.xml><?xml version="1.0" encoding="utf-8"?>
 <p:sld xmlns:a="http://schemas.openxmlformats.org/drawingml/2006/main" xmlns:r="http://schemas.openxmlformats.org/officeDocument/2006/relationships" xmlns:p="http://schemas.openxmlformats.org/presentationml/2006/main">
   <p:cSld>
     <p:spTree>
@@ -8109,6 +10593,107 @@
           <a:chExt cx="0" cy="0"/>
         </a:xfrm>
       </p:grpSpPr>
+      <p:pic>
+        <p:nvPicPr>
+          <p:cNvPr id="1026" name="Picture 2"/>
+          <p:cNvPicPr>
+            <a:picLocks noChangeAspect="1" noChangeArrowheads="1"/>
+          </p:cNvPicPr>
+          <p:nvPr/>
+        </p:nvPicPr>
+        <p:blipFill>
+          <a:blip r:embed="rId3">
+            <a:extLst>
+              <a:ext uri="{28A0092B-C50C-407E-A947-70E740481C1C}">
+                <a14:useLocalDpi xmlns:a14="http://schemas.microsoft.com/office/drawing/2010/main" val="0"/>
+              </a:ext>
+            </a:extLst>
+          </a:blip>
+          <a:srcRect/>
+          <a:stretch>
+            <a:fillRect/>
+          </a:stretch>
+        </p:blipFill>
+        <p:spPr bwMode="auto">
+          <a:xfrm>
+            <a:off x="2209800" y="2209800"/>
+            <a:ext cx="4800600" cy="2105025"/>
+          </a:xfrm>
+          <a:prstGeom prst="rect">
+            <a:avLst/>
+          </a:prstGeom>
+          <a:noFill/>
+          <a:ln>
+            <a:noFill/>
+          </a:ln>
+          <a:effectLst/>
+          <a:extLst>
+            <a:ext uri="{909E8E84-426E-40DD-AFC4-6F175D3DCCD1}">
+              <a14:hiddenFill xmlns:a14="http://schemas.microsoft.com/office/drawing/2010/main">
+                <a:solidFill>
+                  <a:schemeClr val="accent1"/>
+                </a:solidFill>
+              </a14:hiddenFill>
+            </a:ext>
+            <a:ext uri="{91240B29-F687-4F45-9708-019B960494DF}">
+              <a14:hiddenLine xmlns:a14="http://schemas.microsoft.com/office/drawing/2010/main" w="9525">
+                <a:solidFill>
+                  <a:schemeClr val="tx1"/>
+                </a:solidFill>
+                <a:miter lim="800000"/>
+                <a:headEnd/>
+                <a:tailEnd/>
+              </a14:hiddenLine>
+            </a:ext>
+            <a:ext uri="{AF507438-7753-43E0-B8FC-AC1667EBCBE1}">
+              <a14:hiddenEffects xmlns:a14="http://schemas.microsoft.com/office/drawing/2010/main">
+                <a:effectLst>
+                  <a:outerShdw dist="35921" dir="2700000" algn="ctr" rotWithShape="0">
+                    <a:schemeClr val="bg2"/>
+                  </a:outerShdw>
+                </a:effectLst>
+              </a14:hiddenEffects>
+            </a:ext>
+          </a:extLst>
+        </p:spPr>
+      </p:pic>
+    </p:spTree>
+    <p:extLst>
+      <p:ext uri="{BB962C8B-B14F-4D97-AF65-F5344CB8AC3E}">
+        <p14:creationId xmlns:p14="http://schemas.microsoft.com/office/powerpoint/2010/main" val="1218924192"/>
+      </p:ext>
+    </p:extLst>
+  </p:cSld>
+  <p:clrMapOvr>
+    <a:masterClrMapping/>
+  </p:clrMapOvr>
+  <p:timing>
+    <p:tnLst>
+      <p:par>
+        <p:cTn id="1" dur="indefinite" restart="never" nodeType="tmRoot"/>
+      </p:par>
+    </p:tnLst>
+  </p:timing>
+</p:sld>
+</file>
+
+<file path=ppt/slides/slide20.xml><?xml version="1.0" encoding="utf-8"?>
+<p:sld xmlns:a="http://schemas.openxmlformats.org/drawingml/2006/main" xmlns:r="http://schemas.openxmlformats.org/officeDocument/2006/relationships" xmlns:p="http://schemas.openxmlformats.org/presentationml/2006/main">
+  <p:cSld>
+    <p:spTree>
+      <p:nvGrpSpPr>
+        <p:cNvPr id="1" name=""/>
+        <p:cNvGrpSpPr/>
+        <p:nvPr/>
+      </p:nvGrpSpPr>
+      <p:grpSpPr>
+        <a:xfrm>
+          <a:off x="0" y="0"/>
+          <a:ext cx="0" cy="0"/>
+          <a:chOff x="0" y="0"/>
+          <a:chExt cx="0" cy="0"/>
+        </a:xfrm>
+      </p:grpSpPr>
       <p:sp>
         <p:nvSpPr>
           <p:cNvPr id="2" name="Rectangle 1"/>
@@ -8136,8 +10721,16 @@
               <a:t>New </a:t>
             </a:r>
             <a:r>
-              <a:rPr lang="en-US" sz="2400" dirty="0" smtClean="0"/>
-              <a:t>Features </a:t>
+              <a:rPr lang="en-US" sz="2400" dirty="0"/>
+              <a:t>Features BY </a:t>
+            </a:r>
+            <a:r>
+              <a:rPr lang="en-US" sz="2400" dirty="0" err="1"/>
+              <a:t>JUnit</a:t>
+            </a:r>
+            <a:r>
+              <a:rPr lang="en-US" sz="2400" dirty="0"/>
+              <a:t> 4 </a:t>
             </a:r>
             <a:r>
               <a:rPr lang="en-US" sz="2400" dirty="0"/>
@@ -8537,7 +11130,7 @@
 </p:sld>
 </file>
 
-<file path=ppt/slides/slide15.xml><?xml version="1.0" encoding="utf-8"?>
+<file path=ppt/slides/slide21.xml><?xml version="1.0" encoding="utf-8"?>
 <p:sld xmlns:a="http://schemas.openxmlformats.org/drawingml/2006/main" xmlns:r="http://schemas.openxmlformats.org/officeDocument/2006/relationships" xmlns:p="http://schemas.openxmlformats.org/presentationml/2006/main">
   <p:cSld>
     <p:spTree>
@@ -8581,8 +11174,16 @@
               <a:t>New </a:t>
             </a:r>
             <a:r>
-              <a:rPr lang="en-US" sz="2400" dirty="0" smtClean="0"/>
-              <a:t>Features </a:t>
+              <a:rPr lang="en-US" sz="2400" dirty="0"/>
+              <a:t>Features BY </a:t>
+            </a:r>
+            <a:r>
+              <a:rPr lang="en-US" sz="2400" dirty="0" err="1"/>
+              <a:t>JUnit</a:t>
+            </a:r>
+            <a:r>
+              <a:rPr lang="en-US" sz="2400" dirty="0"/>
+              <a:t> 4 </a:t>
             </a:r>
             <a:r>
               <a:rPr lang="en-US" sz="2400" dirty="0"/>
@@ -8858,7 +11459,7 @@
 </p:sld>
 </file>
 
-<file path=ppt/slides/slide16.xml><?xml version="1.0" encoding="utf-8"?>
+<file path=ppt/slides/slide22.xml><?xml version="1.0" encoding="utf-8"?>
 <p:sld xmlns:a="http://schemas.openxmlformats.org/drawingml/2006/main" xmlns:r="http://schemas.openxmlformats.org/officeDocument/2006/relationships" xmlns:p="http://schemas.openxmlformats.org/presentationml/2006/main">
   <p:cSld>
     <p:spTree>
@@ -8902,8 +11503,16 @@
               <a:t>New </a:t>
             </a:r>
             <a:r>
-              <a:rPr lang="en-US" sz="2400" dirty="0" smtClean="0"/>
-              <a:t>Features </a:t>
+              <a:rPr lang="en-US" sz="2400" dirty="0"/>
+              <a:t>Features BY </a:t>
+            </a:r>
+            <a:r>
+              <a:rPr lang="en-US" sz="2400" dirty="0" err="1"/>
+              <a:t>JUnit</a:t>
+            </a:r>
+            <a:r>
+              <a:rPr lang="en-US" sz="2400" dirty="0"/>
+              <a:t> 4 </a:t>
             </a:r>
             <a:r>
               <a:rPr lang="en-US" sz="2400" dirty="0"/>
@@ -9267,7 +11876,7 @@
 </p:sld>
 </file>
 
-<file path=ppt/slides/slide17.xml><?xml version="1.0" encoding="utf-8"?>
+<file path=ppt/slides/slide23.xml><?xml version="1.0" encoding="utf-8"?>
 <p:sld xmlns:a="http://schemas.openxmlformats.org/drawingml/2006/main" xmlns:r="http://schemas.openxmlformats.org/officeDocument/2006/relationships" xmlns:p="http://schemas.openxmlformats.org/presentationml/2006/main">
   <p:cSld>
     <p:spTree>
@@ -9296,6 +11905,768 @@
         </p:nvSpPr>
         <p:spPr>
           <a:xfrm>
+            <a:off x="2971800" y="1295400"/>
+            <a:ext cx="5791200" cy="974725"/>
+          </a:xfrm>
+        </p:spPr>
+        <p:txBody>
+          <a:bodyPr>
+            <a:normAutofit/>
+          </a:bodyPr>
+          <a:lstStyle/>
+          <a:p>
+            <a:r>
+              <a:rPr lang="en-US" sz="2800" dirty="0" smtClean="0"/>
+              <a:t>NEW FEATURES BY </a:t>
+            </a:r>
+            <a:r>
+              <a:rPr lang="en-US" sz="2800" dirty="0" smtClean="0"/>
+              <a:t>Spock</a:t>
+            </a:r>
+            <a:endParaRPr lang="en-US" sz="2800" dirty="0"/>
+          </a:p>
+        </p:txBody>
+      </p:sp>
+      <p:pic>
+        <p:nvPicPr>
+          <p:cNvPr id="3074" name="Picture 2" descr="C:\Ayaz\Techinars\presentation images\newFeatures.jpg"/>
+          <p:cNvPicPr>
+            <a:picLocks noChangeAspect="1" noChangeArrowheads="1"/>
+          </p:cNvPicPr>
+          <p:nvPr/>
+        </p:nvPicPr>
+        <p:blipFill>
+          <a:blip r:embed="rId3">
+            <a:extLst>
+              <a:ext uri="{28A0092B-C50C-407E-A947-70E740481C1C}">
+                <a14:useLocalDpi xmlns:a14="http://schemas.microsoft.com/office/drawing/2010/main" val="0"/>
+              </a:ext>
+            </a:extLst>
+          </a:blip>
+          <a:srcRect/>
+          <a:stretch>
+            <a:fillRect/>
+          </a:stretch>
+        </p:blipFill>
+        <p:spPr bwMode="auto">
+          <a:xfrm>
+            <a:off x="838200" y="2569029"/>
+            <a:ext cx="5715000" cy="2695142"/>
+          </a:xfrm>
+          <a:prstGeom prst="rect">
+            <a:avLst/>
+          </a:prstGeom>
+          <a:noFill/>
+          <a:extLst>
+            <a:ext uri="{909E8E84-426E-40DD-AFC4-6F175D3DCCD1}">
+              <a14:hiddenFill xmlns:a14="http://schemas.microsoft.com/office/drawing/2010/main">
+                <a:solidFill>
+                  <a:srgbClr val="FFFFFF"/>
+                </a:solidFill>
+              </a14:hiddenFill>
+            </a:ext>
+          </a:extLst>
+        </p:spPr>
+      </p:pic>
+    </p:spTree>
+    <p:extLst>
+      <p:ext uri="{BB962C8B-B14F-4D97-AF65-F5344CB8AC3E}">
+        <p14:creationId xmlns:p14="http://schemas.microsoft.com/office/powerpoint/2010/main" val="3971822939"/>
+      </p:ext>
+    </p:extLst>
+  </p:cSld>
+  <p:clrMapOvr>
+    <a:masterClrMapping/>
+  </p:clrMapOvr>
+  <p:timing>
+    <p:tnLst>
+      <p:par>
+        <p:cTn id="1" dur="indefinite" restart="never" nodeType="tmRoot"/>
+      </p:par>
+    </p:tnLst>
+  </p:timing>
+</p:sld>
+</file>
+
+<file path=ppt/slides/slide24.xml><?xml version="1.0" encoding="utf-8"?>
+<p:sld xmlns:a="http://schemas.openxmlformats.org/drawingml/2006/main" xmlns:r="http://schemas.openxmlformats.org/officeDocument/2006/relationships" xmlns:p="http://schemas.openxmlformats.org/presentationml/2006/main">
+  <p:cSld>
+    <p:spTree>
+      <p:nvGrpSpPr>
+        <p:cNvPr id="1" name=""/>
+        <p:cNvGrpSpPr/>
+        <p:nvPr/>
+      </p:nvGrpSpPr>
+      <p:grpSpPr>
+        <a:xfrm>
+          <a:off x="0" y="0"/>
+          <a:ext cx="0" cy="0"/>
+          <a:chOff x="0" y="0"/>
+          <a:chExt cx="0" cy="0"/>
+        </a:xfrm>
+      </p:grpSpPr>
+      <p:sp>
+        <p:nvSpPr>
+          <p:cNvPr id="3" name="Rectangle 2"/>
+          <p:cNvSpPr>
+            <a:spLocks noGrp="1"/>
+          </p:cNvSpPr>
+          <p:nvPr>
+            <p:ph idx="1"/>
+          </p:nvPr>
+        </p:nvSpPr>
+        <p:spPr>
+          <a:xfrm>
+            <a:off x="457200" y="1118659"/>
+            <a:ext cx="8183562" cy="4187825"/>
+          </a:xfrm>
+        </p:spPr>
+        <p:txBody>
+          <a:bodyPr>
+            <a:normAutofit/>
+          </a:bodyPr>
+          <a:lstStyle/>
+          <a:p>
+            <a:r>
+              <a:rPr lang="en-US" sz="1800" dirty="0"/>
+              <a:t>Parameterized Testing </a:t>
+            </a:r>
+            <a:r>
+              <a:rPr lang="en-US" sz="1800" dirty="0" smtClean="0"/>
+              <a:t>:</a:t>
+            </a:r>
+            <a:endParaRPr lang="en-US" sz="1800" dirty="0"/>
+          </a:p>
+          <a:p>
+            <a:pPr lvl="1">
+              <a:buFont typeface="Wingdings" panose="05000000000000000000" pitchFamily="2" charset="2"/>
+              <a:buChar char="Ø"/>
+            </a:pPr>
+            <a:endParaRPr lang="en-US" sz="1400" dirty="0"/>
+          </a:p>
+          <a:p>
+            <a:pPr lvl="1">
+              <a:buFont typeface="Wingdings" panose="05000000000000000000" pitchFamily="2" charset="2"/>
+              <a:buChar char="Ø"/>
+            </a:pPr>
+            <a:endParaRPr lang="en-US" sz="1400" dirty="0" smtClean="0"/>
+          </a:p>
+          <a:p>
+            <a:pPr lvl="1">
+              <a:buFont typeface="Wingdings" panose="05000000000000000000" pitchFamily="2" charset="2"/>
+              <a:buChar char="Ø"/>
+            </a:pPr>
+            <a:endParaRPr lang="en-US" sz="1400" dirty="0" smtClean="0"/>
+          </a:p>
+          <a:p>
+            <a:pPr lvl="1">
+              <a:buFont typeface="Wingdings" panose="05000000000000000000" pitchFamily="2" charset="2"/>
+              <a:buChar char="Ø"/>
+            </a:pPr>
+            <a:endParaRPr lang="en-US" sz="1400" dirty="0"/>
+          </a:p>
+          <a:p>
+            <a:pPr lvl="1">
+              <a:buFont typeface="Wingdings" panose="05000000000000000000" pitchFamily="2" charset="2"/>
+              <a:buChar char="Ø"/>
+            </a:pPr>
+            <a:endParaRPr lang="en-US" sz="1400" dirty="0" smtClean="0"/>
+          </a:p>
+          <a:p>
+            <a:pPr lvl="1">
+              <a:buFont typeface="Wingdings" panose="05000000000000000000" pitchFamily="2" charset="2"/>
+              <a:buChar char="Ø"/>
+            </a:pPr>
+            <a:endParaRPr lang="en-US" sz="1400" dirty="0"/>
+          </a:p>
+          <a:p>
+            <a:pPr lvl="1">
+              <a:buFont typeface="Wingdings" panose="05000000000000000000" pitchFamily="2" charset="2"/>
+              <a:buChar char="Ø"/>
+            </a:pPr>
+            <a:endParaRPr lang="en-US" sz="1400" dirty="0" smtClean="0"/>
+          </a:p>
+          <a:p>
+            <a:pPr lvl="1">
+              <a:buFont typeface="Wingdings" panose="05000000000000000000" pitchFamily="2" charset="2"/>
+              <a:buChar char="Ø"/>
+            </a:pPr>
+            <a:endParaRPr lang="en-US" sz="1800" dirty="0"/>
+          </a:p>
+          <a:p>
+            <a:endParaRPr lang="en-US" sz="1800" dirty="0"/>
+          </a:p>
+          <a:p>
+            <a:endParaRPr lang="en-US" sz="1800" dirty="0"/>
+          </a:p>
+        </p:txBody>
+      </p:sp>
+      <p:pic>
+        <p:nvPicPr>
+          <p:cNvPr id="7170" name="Picture 2"/>
+          <p:cNvPicPr>
+            <a:picLocks noChangeAspect="1" noChangeArrowheads="1"/>
+          </p:cNvPicPr>
+          <p:nvPr/>
+        </p:nvPicPr>
+        <p:blipFill>
+          <a:blip r:embed="rId3">
+            <a:extLst>
+              <a:ext uri="{28A0092B-C50C-407E-A947-70E740481C1C}">
+                <a14:useLocalDpi xmlns:a14="http://schemas.microsoft.com/office/drawing/2010/main" val="0"/>
+              </a:ext>
+            </a:extLst>
+          </a:blip>
+          <a:srcRect/>
+          <a:stretch>
+            <a:fillRect/>
+          </a:stretch>
+        </p:blipFill>
+        <p:spPr bwMode="auto">
+          <a:xfrm>
+            <a:off x="914400" y="1676400"/>
+            <a:ext cx="4525963" cy="1866900"/>
+          </a:xfrm>
+          <a:prstGeom prst="rect">
+            <a:avLst/>
+          </a:prstGeom>
+          <a:noFill/>
+          <a:ln>
+            <a:noFill/>
+          </a:ln>
+          <a:effectLst/>
+          <a:extLst>
+            <a:ext uri="{909E8E84-426E-40DD-AFC4-6F175D3DCCD1}">
+              <a14:hiddenFill xmlns:a14="http://schemas.microsoft.com/office/drawing/2010/main">
+                <a:solidFill>
+                  <a:schemeClr val="accent1"/>
+                </a:solidFill>
+              </a14:hiddenFill>
+            </a:ext>
+            <a:ext uri="{91240B29-F687-4F45-9708-019B960494DF}">
+              <a14:hiddenLine xmlns:a14="http://schemas.microsoft.com/office/drawing/2010/main" w="9525">
+                <a:solidFill>
+                  <a:schemeClr val="tx1"/>
+                </a:solidFill>
+                <a:miter lim="800000"/>
+                <a:headEnd/>
+                <a:tailEnd/>
+              </a14:hiddenLine>
+            </a:ext>
+            <a:ext uri="{AF507438-7753-43E0-B8FC-AC1667EBCBE1}">
+              <a14:hiddenEffects xmlns:a14="http://schemas.microsoft.com/office/drawing/2010/main">
+                <a:effectLst>
+                  <a:outerShdw dist="35921" dir="2700000" algn="ctr" rotWithShape="0">
+                    <a:schemeClr val="bg2"/>
+                  </a:outerShdw>
+                </a:effectLst>
+              </a14:hiddenEffects>
+            </a:ext>
+          </a:extLst>
+        </p:spPr>
+      </p:pic>
+    </p:spTree>
+    <p:extLst>
+      <p:ext uri="{BB962C8B-B14F-4D97-AF65-F5344CB8AC3E}">
+        <p14:creationId xmlns:p14="http://schemas.microsoft.com/office/powerpoint/2010/main" val="1650918435"/>
+      </p:ext>
+    </p:extLst>
+  </p:cSld>
+  <p:clrMapOvr>
+    <a:masterClrMapping/>
+  </p:clrMapOvr>
+  <p:timing>
+    <p:tnLst>
+      <p:par>
+        <p:cTn id="1" dur="indefinite" restart="never" nodeType="tmRoot"/>
+      </p:par>
+    </p:tnLst>
+  </p:timing>
+</p:sld>
+</file>
+
+<file path=ppt/slides/slide25.xml><?xml version="1.0" encoding="utf-8"?>
+<p:sld xmlns:a="http://schemas.openxmlformats.org/drawingml/2006/main" xmlns:r="http://schemas.openxmlformats.org/officeDocument/2006/relationships" xmlns:p="http://schemas.openxmlformats.org/presentationml/2006/main">
+  <p:cSld>
+    <p:spTree>
+      <p:nvGrpSpPr>
+        <p:cNvPr id="1" name=""/>
+        <p:cNvGrpSpPr/>
+        <p:nvPr/>
+      </p:nvGrpSpPr>
+      <p:grpSpPr>
+        <a:xfrm>
+          <a:off x="0" y="0"/>
+          <a:ext cx="0" cy="0"/>
+          <a:chOff x="0" y="0"/>
+          <a:chExt cx="0" cy="0"/>
+        </a:xfrm>
+      </p:grpSpPr>
+      <p:sp>
+        <p:nvSpPr>
+          <p:cNvPr id="2" name="Rectangle 1"/>
+          <p:cNvSpPr>
+            <a:spLocks noGrp="1"/>
+          </p:cNvSpPr>
+          <p:nvPr>
+            <p:ph type="title"/>
+          </p:nvPr>
+        </p:nvSpPr>
+        <p:spPr>
+          <a:xfrm>
+            <a:off x="609600" y="609601"/>
+            <a:ext cx="8183562" cy="533400"/>
+          </a:xfrm>
+        </p:spPr>
+        <p:txBody>
+          <a:bodyPr anchor="t">
+            <a:normAutofit/>
+          </a:bodyPr>
+          <a:lstStyle/>
+          <a:p>
+            <a:r>
+              <a:rPr lang="en-US" sz="2400" dirty="0"/>
+              <a:t>New </a:t>
+            </a:r>
+            <a:r>
+              <a:rPr lang="en-US" sz="2400" dirty="0"/>
+              <a:t>Features BY Spock </a:t>
+            </a:r>
+            <a:r>
+              <a:rPr lang="en-US" sz="2400" dirty="0"/>
+              <a:t>(Contd..)</a:t>
+            </a:r>
+          </a:p>
+        </p:txBody>
+      </p:sp>
+      <p:sp>
+        <p:nvSpPr>
+          <p:cNvPr id="3" name="Rectangle 2"/>
+          <p:cNvSpPr>
+            <a:spLocks noGrp="1"/>
+          </p:cNvSpPr>
+          <p:nvPr>
+            <p:ph idx="1"/>
+          </p:nvPr>
+        </p:nvSpPr>
+        <p:spPr>
+          <a:xfrm>
+            <a:off x="533400" y="1219200"/>
+            <a:ext cx="8183562" cy="4187825"/>
+          </a:xfrm>
+        </p:spPr>
+        <p:txBody>
+          <a:bodyPr>
+            <a:normAutofit/>
+          </a:bodyPr>
+          <a:lstStyle/>
+          <a:p>
+            <a:r>
+              <a:rPr lang="en-GB" sz="1800" dirty="0" smtClean="0"/>
+              <a:t>Spring </a:t>
+            </a:r>
+            <a:r>
+              <a:rPr lang="en-GB" sz="1800" dirty="0" smtClean="0"/>
+              <a:t>Spock </a:t>
+            </a:r>
+            <a:r>
+              <a:rPr lang="en-GB" sz="1800" dirty="0" smtClean="0"/>
+              <a:t>Testing:</a:t>
+            </a:r>
+          </a:p>
+          <a:p>
+            <a:endParaRPr lang="en-GB" sz="1800" dirty="0"/>
+          </a:p>
+          <a:p>
+            <a:endParaRPr lang="en-GB" sz="1800" dirty="0" smtClean="0"/>
+          </a:p>
+          <a:p>
+            <a:endParaRPr lang="en-GB" sz="1800" dirty="0" smtClean="0"/>
+          </a:p>
+          <a:p>
+            <a:r>
+              <a:rPr lang="en-US" sz="1800" dirty="0"/>
+              <a:t>Ignoring </a:t>
+            </a:r>
+            <a:r>
+              <a:rPr lang="en-US" sz="1800" dirty="0" smtClean="0"/>
+              <a:t>tests</a:t>
+            </a:r>
+          </a:p>
+          <a:p>
+            <a:pPr marL="0" indent="0">
+              <a:buNone/>
+            </a:pPr>
+            <a:endParaRPr lang="en-US" sz="1800" dirty="0" smtClean="0"/>
+          </a:p>
+          <a:p>
+            <a:pPr lvl="1">
+              <a:buFont typeface="Wingdings" panose="05000000000000000000" pitchFamily="2" charset="2"/>
+              <a:buChar char="Ø"/>
+            </a:pPr>
+            <a:r>
+              <a:rPr lang="en-US" sz="1400" dirty="0" smtClean="0"/>
+              <a:t>Ignoring single test</a:t>
+            </a:r>
+          </a:p>
+          <a:p>
+            <a:pPr lvl="1">
+              <a:buFont typeface="Wingdings" panose="05000000000000000000" pitchFamily="2" charset="2"/>
+              <a:buChar char="Ø"/>
+            </a:pPr>
+            <a:endParaRPr lang="en-US" sz="1400" dirty="0"/>
+          </a:p>
+          <a:p>
+            <a:pPr lvl="1">
+              <a:buFont typeface="Wingdings" panose="05000000000000000000" pitchFamily="2" charset="2"/>
+              <a:buChar char="Ø"/>
+            </a:pPr>
+            <a:endParaRPr lang="en-US" sz="1400" dirty="0" smtClean="0"/>
+          </a:p>
+          <a:p>
+            <a:pPr lvl="1">
+              <a:buFont typeface="Wingdings" panose="05000000000000000000" pitchFamily="2" charset="2"/>
+              <a:buChar char="Ø"/>
+            </a:pPr>
+            <a:endParaRPr lang="en-US" sz="1400" dirty="0" smtClean="0"/>
+          </a:p>
+          <a:p>
+            <a:pPr lvl="1">
+              <a:buFont typeface="Wingdings" panose="05000000000000000000" pitchFamily="2" charset="2"/>
+              <a:buChar char="Ø"/>
+            </a:pPr>
+            <a:endParaRPr lang="en-US" sz="1400" dirty="0"/>
+          </a:p>
+          <a:p>
+            <a:pPr lvl="1">
+              <a:buFont typeface="Wingdings" panose="05000000000000000000" pitchFamily="2" charset="2"/>
+              <a:buChar char="Ø"/>
+            </a:pPr>
+            <a:r>
+              <a:rPr lang="en-US" sz="1400" dirty="0" smtClean="0"/>
+              <a:t>Ignoring all the tests except the test method marked with @</a:t>
+            </a:r>
+            <a:r>
+              <a:rPr lang="en-US" sz="1400" dirty="0" err="1" smtClean="0"/>
+              <a:t>IgnoreRest</a:t>
+            </a:r>
+            <a:endParaRPr lang="en-US" sz="1400" dirty="0"/>
+          </a:p>
+          <a:p>
+            <a:pPr lvl="1">
+              <a:buFont typeface="Wingdings" panose="05000000000000000000" pitchFamily="2" charset="2"/>
+              <a:buChar char="Ø"/>
+            </a:pPr>
+            <a:endParaRPr lang="en-US" sz="1400" dirty="0"/>
+          </a:p>
+          <a:p>
+            <a:endParaRPr lang="en-GB" sz="1800" dirty="0"/>
+          </a:p>
+          <a:p>
+            <a:pPr lvl="1">
+              <a:buFont typeface="Wingdings" panose="05000000000000000000" pitchFamily="2" charset="2"/>
+              <a:buChar char="Ø"/>
+            </a:pPr>
+            <a:endParaRPr lang="en-US" sz="1400" dirty="0"/>
+          </a:p>
+          <a:p>
+            <a:pPr lvl="1">
+              <a:buFont typeface="Wingdings" panose="05000000000000000000" pitchFamily="2" charset="2"/>
+              <a:buChar char="Ø"/>
+            </a:pPr>
+            <a:endParaRPr lang="en-US" sz="1400" dirty="0" smtClean="0"/>
+          </a:p>
+          <a:p>
+            <a:pPr lvl="1">
+              <a:buFont typeface="Wingdings" panose="05000000000000000000" pitchFamily="2" charset="2"/>
+              <a:buChar char="Ø"/>
+            </a:pPr>
+            <a:endParaRPr lang="en-US" sz="1400" dirty="0" smtClean="0"/>
+          </a:p>
+          <a:p>
+            <a:pPr lvl="1">
+              <a:buFont typeface="Wingdings" panose="05000000000000000000" pitchFamily="2" charset="2"/>
+              <a:buChar char="Ø"/>
+            </a:pPr>
+            <a:endParaRPr lang="en-US" sz="1400" dirty="0"/>
+          </a:p>
+          <a:p>
+            <a:pPr lvl="1">
+              <a:buFont typeface="Wingdings" panose="05000000000000000000" pitchFamily="2" charset="2"/>
+              <a:buChar char="Ø"/>
+            </a:pPr>
+            <a:endParaRPr lang="en-US" sz="1400" dirty="0" smtClean="0"/>
+          </a:p>
+          <a:p>
+            <a:pPr lvl="1">
+              <a:buFont typeface="Wingdings" panose="05000000000000000000" pitchFamily="2" charset="2"/>
+              <a:buChar char="Ø"/>
+            </a:pPr>
+            <a:endParaRPr lang="en-US" sz="1400" dirty="0"/>
+          </a:p>
+          <a:p>
+            <a:pPr lvl="1">
+              <a:buFont typeface="Wingdings" panose="05000000000000000000" pitchFamily="2" charset="2"/>
+              <a:buChar char="Ø"/>
+            </a:pPr>
+            <a:endParaRPr lang="en-US" sz="1400" dirty="0" smtClean="0"/>
+          </a:p>
+          <a:p>
+            <a:pPr lvl="1">
+              <a:buFont typeface="Wingdings" panose="05000000000000000000" pitchFamily="2" charset="2"/>
+              <a:buChar char="Ø"/>
+            </a:pPr>
+            <a:endParaRPr lang="en-US" sz="1800" dirty="0"/>
+          </a:p>
+          <a:p>
+            <a:endParaRPr lang="en-US" sz="1800" dirty="0"/>
+          </a:p>
+          <a:p>
+            <a:endParaRPr lang="en-US" sz="1800" dirty="0"/>
+          </a:p>
+        </p:txBody>
+      </p:sp>
+      <p:pic>
+        <p:nvPicPr>
+          <p:cNvPr id="8194" name="Picture 2"/>
+          <p:cNvPicPr>
+            <a:picLocks noChangeAspect="1" noChangeArrowheads="1"/>
+          </p:cNvPicPr>
+          <p:nvPr/>
+        </p:nvPicPr>
+        <p:blipFill>
+          <a:blip r:embed="rId3">
+            <a:extLst>
+              <a:ext uri="{28A0092B-C50C-407E-A947-70E740481C1C}">
+                <a14:useLocalDpi xmlns:a14="http://schemas.microsoft.com/office/drawing/2010/main" val="0"/>
+              </a:ext>
+            </a:extLst>
+          </a:blip>
+          <a:srcRect/>
+          <a:stretch>
+            <a:fillRect/>
+          </a:stretch>
+        </p:blipFill>
+        <p:spPr bwMode="auto">
+          <a:xfrm>
+            <a:off x="990600" y="1752600"/>
+            <a:ext cx="4952999" cy="398779"/>
+          </a:xfrm>
+          <a:prstGeom prst="rect">
+            <a:avLst/>
+          </a:prstGeom>
+          <a:noFill/>
+          <a:ln>
+            <a:noFill/>
+          </a:ln>
+          <a:effectLst/>
+          <a:extLst>
+            <a:ext uri="{909E8E84-426E-40DD-AFC4-6F175D3DCCD1}">
+              <a14:hiddenFill xmlns:a14="http://schemas.microsoft.com/office/drawing/2010/main">
+                <a:solidFill>
+                  <a:schemeClr val="accent1"/>
+                </a:solidFill>
+              </a14:hiddenFill>
+            </a:ext>
+            <a:ext uri="{91240B29-F687-4F45-9708-019B960494DF}">
+              <a14:hiddenLine xmlns:a14="http://schemas.microsoft.com/office/drawing/2010/main" w="9525">
+                <a:solidFill>
+                  <a:schemeClr val="tx1"/>
+                </a:solidFill>
+                <a:miter lim="800000"/>
+                <a:headEnd/>
+                <a:tailEnd/>
+              </a14:hiddenLine>
+            </a:ext>
+            <a:ext uri="{AF507438-7753-43E0-B8FC-AC1667EBCBE1}">
+              <a14:hiddenEffects xmlns:a14="http://schemas.microsoft.com/office/drawing/2010/main">
+                <a:effectLst>
+                  <a:outerShdw dist="35921" dir="2700000" algn="ctr" rotWithShape="0">
+                    <a:schemeClr val="bg2"/>
+                  </a:outerShdw>
+                </a:effectLst>
+              </a14:hiddenEffects>
+            </a:ext>
+          </a:extLst>
+        </p:spPr>
+      </p:pic>
+      <p:pic>
+        <p:nvPicPr>
+          <p:cNvPr id="8195" name="Picture 3"/>
+          <p:cNvPicPr>
+            <a:picLocks noChangeAspect="1" noChangeArrowheads="1"/>
+          </p:cNvPicPr>
+          <p:nvPr/>
+        </p:nvPicPr>
+        <p:blipFill>
+          <a:blip r:embed="rId4">
+            <a:extLst>
+              <a:ext uri="{28A0092B-C50C-407E-A947-70E740481C1C}">
+                <a14:useLocalDpi xmlns:a14="http://schemas.microsoft.com/office/drawing/2010/main" val="0"/>
+              </a:ext>
+            </a:extLst>
+          </a:blip>
+          <a:srcRect/>
+          <a:stretch>
+            <a:fillRect/>
+          </a:stretch>
+        </p:blipFill>
+        <p:spPr bwMode="auto">
+          <a:xfrm>
+            <a:off x="1295400" y="3565525"/>
+            <a:ext cx="3216275" cy="777875"/>
+          </a:xfrm>
+          <a:prstGeom prst="rect">
+            <a:avLst/>
+          </a:prstGeom>
+          <a:noFill/>
+          <a:ln>
+            <a:noFill/>
+          </a:ln>
+          <a:effectLst/>
+          <a:extLst>
+            <a:ext uri="{909E8E84-426E-40DD-AFC4-6F175D3DCCD1}">
+              <a14:hiddenFill xmlns:a14="http://schemas.microsoft.com/office/drawing/2010/main">
+                <a:solidFill>
+                  <a:schemeClr val="accent1"/>
+                </a:solidFill>
+              </a14:hiddenFill>
+            </a:ext>
+            <a:ext uri="{91240B29-F687-4F45-9708-019B960494DF}">
+              <a14:hiddenLine xmlns:a14="http://schemas.microsoft.com/office/drawing/2010/main" w="9525">
+                <a:solidFill>
+                  <a:schemeClr val="tx1"/>
+                </a:solidFill>
+                <a:miter lim="800000"/>
+                <a:headEnd/>
+                <a:tailEnd/>
+              </a14:hiddenLine>
+            </a:ext>
+            <a:ext uri="{AF507438-7753-43E0-B8FC-AC1667EBCBE1}">
+              <a14:hiddenEffects xmlns:a14="http://schemas.microsoft.com/office/drawing/2010/main">
+                <a:effectLst>
+                  <a:outerShdw dist="35921" dir="2700000" algn="ctr" rotWithShape="0">
+                    <a:schemeClr val="bg2"/>
+                  </a:outerShdw>
+                </a:effectLst>
+              </a14:hiddenEffects>
+            </a:ext>
+          </a:extLst>
+        </p:spPr>
+      </p:pic>
+      <p:pic>
+        <p:nvPicPr>
+          <p:cNvPr id="8196" name="Picture 4"/>
+          <p:cNvPicPr>
+            <a:picLocks noChangeAspect="1" noChangeArrowheads="1"/>
+          </p:cNvPicPr>
+          <p:nvPr/>
+        </p:nvPicPr>
+        <p:blipFill>
+          <a:blip r:embed="rId5">
+            <a:extLst>
+              <a:ext uri="{28A0092B-C50C-407E-A947-70E740481C1C}">
+                <a14:useLocalDpi xmlns:a14="http://schemas.microsoft.com/office/drawing/2010/main" val="0"/>
+              </a:ext>
+            </a:extLst>
+          </a:blip>
+          <a:srcRect/>
+          <a:stretch>
+            <a:fillRect/>
+          </a:stretch>
+        </p:blipFill>
+        <p:spPr bwMode="auto">
+          <a:xfrm>
+            <a:off x="1295400" y="4814655"/>
+            <a:ext cx="2979737" cy="808037"/>
+          </a:xfrm>
+          <a:prstGeom prst="rect">
+            <a:avLst/>
+          </a:prstGeom>
+          <a:noFill/>
+          <a:ln>
+            <a:noFill/>
+          </a:ln>
+          <a:effectLst/>
+          <a:extLst>
+            <a:ext uri="{909E8E84-426E-40DD-AFC4-6F175D3DCCD1}">
+              <a14:hiddenFill xmlns:a14="http://schemas.microsoft.com/office/drawing/2010/main">
+                <a:solidFill>
+                  <a:schemeClr val="accent1"/>
+                </a:solidFill>
+              </a14:hiddenFill>
+            </a:ext>
+            <a:ext uri="{91240B29-F687-4F45-9708-019B960494DF}">
+              <a14:hiddenLine xmlns:a14="http://schemas.microsoft.com/office/drawing/2010/main" w="9525">
+                <a:solidFill>
+                  <a:schemeClr val="tx1"/>
+                </a:solidFill>
+                <a:miter lim="800000"/>
+                <a:headEnd/>
+                <a:tailEnd/>
+              </a14:hiddenLine>
+            </a:ext>
+            <a:ext uri="{AF507438-7753-43E0-B8FC-AC1667EBCBE1}">
+              <a14:hiddenEffects xmlns:a14="http://schemas.microsoft.com/office/drawing/2010/main">
+                <a:effectLst>
+                  <a:outerShdw dist="35921" dir="2700000" algn="ctr" rotWithShape="0">
+                    <a:schemeClr val="bg2"/>
+                  </a:outerShdw>
+                </a:effectLst>
+              </a14:hiddenEffects>
+            </a:ext>
+          </a:extLst>
+        </p:spPr>
+      </p:pic>
+    </p:spTree>
+    <p:extLst>
+      <p:ext uri="{BB962C8B-B14F-4D97-AF65-F5344CB8AC3E}">
+        <p14:creationId xmlns:p14="http://schemas.microsoft.com/office/powerpoint/2010/main" val="2711051281"/>
+      </p:ext>
+    </p:extLst>
+  </p:cSld>
+  <p:clrMapOvr>
+    <a:masterClrMapping/>
+  </p:clrMapOvr>
+  <p:timing>
+    <p:tnLst>
+      <p:par>
+        <p:cTn id="1" dur="indefinite" restart="never" nodeType="tmRoot"/>
+      </p:par>
+    </p:tnLst>
+  </p:timing>
+</p:sld>
+</file>
+
+<file path=ppt/slides/slide26.xml><?xml version="1.0" encoding="utf-8"?>
+<p:sld xmlns:a="http://schemas.openxmlformats.org/drawingml/2006/main" xmlns:r="http://schemas.openxmlformats.org/officeDocument/2006/relationships" xmlns:p="http://schemas.openxmlformats.org/presentationml/2006/main">
+  <p:cSld>
+    <p:spTree>
+      <p:nvGrpSpPr>
+        <p:cNvPr id="1" name=""/>
+        <p:cNvGrpSpPr/>
+        <p:nvPr/>
+      </p:nvGrpSpPr>
+      <p:grpSpPr>
+        <a:xfrm>
+          <a:off x="0" y="0"/>
+          <a:ext cx="0" cy="0"/>
+          <a:chOff x="0" y="0"/>
+          <a:chExt cx="0" cy="0"/>
+        </a:xfrm>
+      </p:grpSpPr>
+      <p:sp>
+        <p:nvSpPr>
+          <p:cNvPr id="2" name="Rectangle 1"/>
+          <p:cNvSpPr>
+            <a:spLocks noGrp="1"/>
+          </p:cNvSpPr>
+          <p:nvPr>
+            <p:ph type="title"/>
+          </p:nvPr>
+        </p:nvSpPr>
+        <p:spPr>
+          <a:xfrm>
             <a:off x="609600" y="609600"/>
             <a:ext cx="8183562" cy="609600"/>
           </a:xfrm>
@@ -9307,8 +12678,24 @@
           <a:lstStyle/>
           <a:p>
             <a:r>
+              <a:rPr lang="en-US" sz="2400" dirty="0"/>
+              <a:t>New </a:t>
+            </a:r>
+            <a:r>
               <a:rPr lang="en-US" sz="2400" dirty="0" smtClean="0"/>
-              <a:t>Spock Testing Framework</a:t>
+              <a:t>Features </a:t>
+            </a:r>
+            <a:r>
+              <a:rPr lang="en-US" sz="2400" dirty="0"/>
+              <a:t>BY Spock</a:t>
+            </a:r>
+            <a:r>
+              <a:rPr lang="en-US" sz="2400" dirty="0" smtClean="0"/>
+              <a:t> </a:t>
+            </a:r>
+            <a:r>
+              <a:rPr lang="en-US" sz="2400" dirty="0"/>
+              <a:t>(Contd..)</a:t>
             </a:r>
             <a:endParaRPr lang="en-US" sz="2400" dirty="0"/>
           </a:p>
@@ -9666,7 +13053,7 @@
 </p:sld>
 </file>
 
-<file path=ppt/slides/slide18.xml><?xml version="1.0" encoding="utf-8"?>
+<file path=ppt/slides/slide27.xml><?xml version="1.0" encoding="utf-8"?>
 <p:sld xmlns:a="http://schemas.openxmlformats.org/drawingml/2006/main" xmlns:r="http://schemas.openxmlformats.org/officeDocument/2006/relationships" xmlns:p="http://schemas.openxmlformats.org/presentationml/2006/main">
   <p:cSld>
     <p:spTree>
@@ -9696,20 +13083,27 @@
         <p:spPr>
           <a:xfrm>
             <a:off x="609600" y="609600"/>
-            <a:ext cx="8183562" cy="1066800"/>
+            <a:ext cx="8183562" cy="609600"/>
           </a:xfrm>
         </p:spPr>
         <p:txBody>
-          <a:bodyPr anchor="b">
+          <a:bodyPr anchor="t">
             <a:normAutofit/>
           </a:bodyPr>
           <a:lstStyle/>
           <a:p>
             <a:r>
-              <a:rPr lang="en-US" sz="2400" dirty="0" smtClean="0"/>
-              <a:t>Upcoming Hot Techinars</a:t>
-            </a:r>
-            <a:endParaRPr lang="en-US" sz="2400" dirty="0"/>
+              <a:rPr lang="en-US" sz="2400" dirty="0"/>
+              <a:t>New </a:t>
+            </a:r>
+            <a:r>
+              <a:rPr lang="en-US" sz="2400" dirty="0"/>
+              <a:t>Features BY Spock </a:t>
+            </a:r>
+            <a:r>
+              <a:rPr lang="en-US" sz="2400" dirty="0"/>
+              <a:t>(Contd..)</a:t>
+            </a:r>
           </a:p>
         </p:txBody>
       </p:sp>
@@ -9725,7 +13119,7 @@
         </p:nvSpPr>
         <p:spPr>
           <a:xfrm>
-            <a:off x="533400" y="1752600"/>
+            <a:off x="533400" y="1143000"/>
             <a:ext cx="8183562" cy="4187825"/>
           </a:xfrm>
         </p:spPr>
@@ -9735,787 +13129,94 @@
           </a:bodyPr>
           <a:lstStyle/>
           <a:p>
-            <a:pPr>
-              <a:buFont typeface="Wingdings" panose="05000000000000000000" pitchFamily="2" charset="2"/>
-              <a:buChar char="Ø"/>
-            </a:pPr>
-            <a:r>
-              <a:rPr lang="en-US" sz="1800" dirty="0" err="1" smtClean="0"/>
-              <a:t>GitHub</a:t>
-            </a:r>
-            <a:endParaRPr lang="en-US" sz="1800" dirty="0" smtClean="0"/>
-          </a:p>
-          <a:p>
-            <a:pPr>
-              <a:buFont typeface="Wingdings" panose="05000000000000000000" pitchFamily="2" charset="2"/>
-              <a:buChar char="Ø"/>
-            </a:pPr>
-            <a:r>
-              <a:rPr lang="en-US" sz="1800" dirty="0" err="1" smtClean="0"/>
-              <a:t>Git</a:t>
-            </a:r>
-            <a:endParaRPr lang="en-US" sz="1800" dirty="0" smtClean="0"/>
-          </a:p>
-          <a:p>
-            <a:pPr>
-              <a:buFont typeface="Wingdings" panose="05000000000000000000" pitchFamily="2" charset="2"/>
-              <a:buChar char="Ø"/>
-            </a:pPr>
-            <a:r>
-              <a:rPr lang="en-US" sz="1800" dirty="0" err="1" smtClean="0"/>
-              <a:t>MongoDB</a:t>
-            </a:r>
-            <a:endParaRPr lang="en-US" sz="1800" dirty="0" smtClean="0"/>
-          </a:p>
-          <a:p>
-            <a:pPr>
-              <a:buFont typeface="Wingdings" panose="05000000000000000000" pitchFamily="2" charset="2"/>
-              <a:buChar char="Ø"/>
-            </a:pPr>
-            <a:r>
-              <a:rPr lang="en-US" sz="1800" dirty="0" smtClean="0"/>
-              <a:t>Hadoop</a:t>
-            </a:r>
-          </a:p>
-          <a:p>
-            <a:pPr>
-              <a:buFont typeface="Wingdings" panose="05000000000000000000" pitchFamily="2" charset="2"/>
-              <a:buChar char="Ø"/>
-            </a:pPr>
-            <a:r>
-              <a:rPr lang="en-US" sz="1800" dirty="0" smtClean="0"/>
-              <a:t>Pig Latin</a:t>
-            </a:r>
-          </a:p>
-          <a:p>
-            <a:pPr>
-              <a:buFont typeface="Wingdings" panose="05000000000000000000" pitchFamily="2" charset="2"/>
-              <a:buChar char="Ø"/>
-            </a:pPr>
-            <a:r>
-              <a:rPr lang="en-US" sz="1800" dirty="0" smtClean="0"/>
-              <a:t>Vagrant</a:t>
-            </a:r>
-          </a:p>
-          <a:p>
-            <a:pPr>
-              <a:buFont typeface="Wingdings" panose="05000000000000000000" pitchFamily="2" charset="2"/>
-              <a:buChar char="Ø"/>
-            </a:pPr>
-            <a:r>
-              <a:rPr lang="en-US" sz="1800" dirty="0" smtClean="0"/>
-              <a:t>Docker</a:t>
-            </a:r>
-          </a:p>
-          <a:p>
-            <a:pPr>
-              <a:buFont typeface="Wingdings" panose="05000000000000000000" pitchFamily="2" charset="2"/>
-              <a:buChar char="Ø"/>
-            </a:pPr>
-            <a:r>
-              <a:rPr lang="en-US" sz="1800" dirty="0" err="1" smtClean="0"/>
-              <a:t>NodeJS</a:t>
-            </a:r>
-            <a:endParaRPr lang="en-US" sz="1800" dirty="0" smtClean="0"/>
-          </a:p>
-          <a:p>
-            <a:pPr>
+            <a:pPr lvl="1">
+              <a:buFont typeface="Wingdings" panose="05000000000000000000" pitchFamily="2" charset="2"/>
+              <a:buChar char="Ø"/>
+            </a:pPr>
+            <a:r>
+              <a:rPr lang="en-US" sz="1400" dirty="0" smtClean="0"/>
+              <a:t>Spock-</a:t>
+            </a:r>
+            <a:r>
+              <a:rPr lang="en-US" sz="1400" dirty="0" err="1" smtClean="0"/>
+              <a:t>PowerMockito</a:t>
+            </a:r>
+            <a:r>
+              <a:rPr lang="en-US" sz="1400" dirty="0"/>
+              <a:t>  Integration</a:t>
+            </a:r>
+            <a:endParaRPr lang="en-US" sz="1400" dirty="0" smtClean="0"/>
+          </a:p>
+          <a:p>
+            <a:endParaRPr lang="en-GB" sz="1800" dirty="0"/>
+          </a:p>
+          <a:p>
+            <a:pPr lvl="1">
+              <a:buFont typeface="Wingdings" panose="05000000000000000000" pitchFamily="2" charset="2"/>
+              <a:buChar char="Ø"/>
+            </a:pPr>
+            <a:endParaRPr lang="en-US" sz="1400" dirty="0"/>
+          </a:p>
+          <a:p>
+            <a:pPr lvl="1">
+              <a:buFont typeface="Wingdings" panose="05000000000000000000" pitchFamily="2" charset="2"/>
+              <a:buChar char="Ø"/>
+            </a:pPr>
+            <a:endParaRPr lang="en-US" sz="1400" dirty="0" smtClean="0"/>
+          </a:p>
+          <a:p>
+            <a:pPr lvl="1">
+              <a:buFont typeface="Wingdings" panose="05000000000000000000" pitchFamily="2" charset="2"/>
+              <a:buChar char="Ø"/>
+            </a:pPr>
+            <a:endParaRPr lang="en-US" sz="1400" dirty="0" smtClean="0"/>
+          </a:p>
+          <a:p>
+            <a:pPr lvl="1">
+              <a:buFont typeface="Wingdings" panose="05000000000000000000" pitchFamily="2" charset="2"/>
+              <a:buChar char="Ø"/>
+            </a:pPr>
+            <a:endParaRPr lang="en-US" sz="1400" dirty="0"/>
+          </a:p>
+          <a:p>
+            <a:pPr lvl="1">
+              <a:buFont typeface="Wingdings" panose="05000000000000000000" pitchFamily="2" charset="2"/>
+              <a:buChar char="Ø"/>
+            </a:pPr>
+            <a:endParaRPr lang="en-US" sz="1400" dirty="0" smtClean="0"/>
+          </a:p>
+          <a:p>
+            <a:pPr lvl="1">
+              <a:buFont typeface="Wingdings" panose="05000000000000000000" pitchFamily="2" charset="2"/>
+              <a:buChar char="Ø"/>
+            </a:pPr>
+            <a:endParaRPr lang="en-US" sz="1400" dirty="0"/>
+          </a:p>
+          <a:p>
+            <a:pPr lvl="1">
+              <a:buFont typeface="Wingdings" panose="05000000000000000000" pitchFamily="2" charset="2"/>
+              <a:buChar char="Ø"/>
+            </a:pPr>
+            <a:endParaRPr lang="en-US" sz="1400" dirty="0" smtClean="0"/>
+          </a:p>
+          <a:p>
+            <a:pPr lvl="1">
               <a:buFont typeface="Wingdings" panose="05000000000000000000" pitchFamily="2" charset="2"/>
               <a:buChar char="Ø"/>
             </a:pPr>
             <a:endParaRPr lang="en-US" sz="1800" dirty="0"/>
           </a:p>
           <a:p>
-            <a:endParaRPr lang="en-GB" sz="1800" dirty="0"/>
-          </a:p>
-          <a:p>
-            <a:pPr lvl="1">
-              <a:buFont typeface="Wingdings" panose="05000000000000000000" pitchFamily="2" charset="2"/>
-              <a:buChar char="Ø"/>
-            </a:pPr>
-            <a:endParaRPr lang="en-US" sz="1400" dirty="0"/>
-          </a:p>
-          <a:p>
-            <a:pPr lvl="1">
-              <a:buFont typeface="Wingdings" panose="05000000000000000000" pitchFamily="2" charset="2"/>
-              <a:buChar char="Ø"/>
-            </a:pPr>
-            <a:endParaRPr lang="en-US" sz="1400" dirty="0" smtClean="0"/>
-          </a:p>
-          <a:p>
-            <a:pPr lvl="1">
-              <a:buFont typeface="Wingdings" panose="05000000000000000000" pitchFamily="2" charset="2"/>
-              <a:buChar char="Ø"/>
-            </a:pPr>
-            <a:endParaRPr lang="en-US" sz="1400" dirty="0" smtClean="0"/>
-          </a:p>
-          <a:p>
-            <a:pPr lvl="1">
-              <a:buFont typeface="Wingdings" panose="05000000000000000000" pitchFamily="2" charset="2"/>
-              <a:buChar char="Ø"/>
-            </a:pPr>
-            <a:endParaRPr lang="en-US" sz="1400" dirty="0"/>
-          </a:p>
-          <a:p>
-            <a:pPr lvl="1">
-              <a:buFont typeface="Wingdings" panose="05000000000000000000" pitchFamily="2" charset="2"/>
-              <a:buChar char="Ø"/>
-            </a:pPr>
-            <a:endParaRPr lang="en-US" sz="1400" dirty="0" smtClean="0"/>
-          </a:p>
-          <a:p>
-            <a:pPr lvl="1">
-              <a:buFont typeface="Wingdings" panose="05000000000000000000" pitchFamily="2" charset="2"/>
-              <a:buChar char="Ø"/>
-            </a:pPr>
-            <a:endParaRPr lang="en-US" sz="1400" dirty="0"/>
-          </a:p>
-          <a:p>
-            <a:pPr lvl="1">
-              <a:buFont typeface="Wingdings" panose="05000000000000000000" pitchFamily="2" charset="2"/>
-              <a:buChar char="Ø"/>
-            </a:pPr>
-            <a:endParaRPr lang="en-US" sz="1400" dirty="0" smtClean="0"/>
-          </a:p>
-          <a:p>
-            <a:pPr lvl="1">
-              <a:buFont typeface="Wingdings" panose="05000000000000000000" pitchFamily="2" charset="2"/>
-              <a:buChar char="Ø"/>
-            </a:pPr>
             <a:endParaRPr lang="en-US" sz="1800" dirty="0"/>
           </a:p>
           <a:p>
             <a:endParaRPr lang="en-US" sz="1800" dirty="0"/>
           </a:p>
-          <a:p>
-            <a:endParaRPr lang="en-US" sz="1800" dirty="0"/>
-          </a:p>
-        </p:txBody>
-      </p:sp>
-    </p:spTree>
-    <p:extLst>
-      <p:ext uri="{BB962C8B-B14F-4D97-AF65-F5344CB8AC3E}">
-        <p14:creationId xmlns:p14="http://schemas.microsoft.com/office/powerpoint/2010/main" val="113538506"/>
-      </p:ext>
-    </p:extLst>
-  </p:cSld>
-  <p:clrMapOvr>
-    <a:masterClrMapping/>
-  </p:clrMapOvr>
-  <p:timing>
-    <p:tnLst>
-      <p:par>
-        <p:cTn id="1" dur="indefinite" restart="never" nodeType="tmRoot"/>
-      </p:par>
-    </p:tnLst>
-  </p:timing>
-</p:sld>
-</file>
-
-<file path=ppt/slides/slide19.xml><?xml version="1.0" encoding="utf-8"?>
-<p:sld xmlns:a="http://schemas.openxmlformats.org/drawingml/2006/main" xmlns:r="http://schemas.openxmlformats.org/officeDocument/2006/relationships" xmlns:p="http://schemas.openxmlformats.org/presentationml/2006/main">
-  <p:cSld>
-    <p:spTree>
-      <p:nvGrpSpPr>
-        <p:cNvPr id="1" name=""/>
-        <p:cNvGrpSpPr/>
-        <p:nvPr/>
-      </p:nvGrpSpPr>
-      <p:grpSpPr>
-        <a:xfrm>
-          <a:off x="0" y="0"/>
-          <a:ext cx="0" cy="0"/>
-          <a:chOff x="0" y="0"/>
-          <a:chExt cx="0" cy="0"/>
-        </a:xfrm>
-      </p:grpSpPr>
-      <p:sp>
-        <p:nvSpPr>
-          <p:cNvPr id="2" name="Rectangle 1"/>
-          <p:cNvSpPr>
-            <a:spLocks noGrp="1"/>
-          </p:cNvSpPr>
-          <p:nvPr>
-            <p:ph type="title"/>
-          </p:nvPr>
-        </p:nvSpPr>
-        <p:spPr>
-          <a:xfrm>
-            <a:off x="609600" y="609600"/>
-            <a:ext cx="8183562" cy="838200"/>
-          </a:xfrm>
-        </p:spPr>
-        <p:txBody>
-          <a:bodyPr anchor="ctr">
-            <a:normAutofit/>
-          </a:bodyPr>
-          <a:lstStyle/>
-          <a:p>
-            <a:r>
-              <a:rPr lang="en-US" sz="2400" dirty="0" smtClean="0"/>
-              <a:t>3</a:t>
-            </a:r>
-            <a:r>
-              <a:rPr lang="en-US" sz="2400" baseline="30000" dirty="0" smtClean="0"/>
-              <a:t>rd</a:t>
-            </a:r>
-            <a:r>
-              <a:rPr lang="en-US" sz="2400" dirty="0" smtClean="0"/>
-              <a:t> Party Libraries:</a:t>
-            </a:r>
-            <a:endParaRPr lang="en-US" sz="2400" dirty="0"/>
-          </a:p>
-        </p:txBody>
-      </p:sp>
-      <p:sp>
-        <p:nvSpPr>
-          <p:cNvPr id="3" name="Rectangle 2"/>
-          <p:cNvSpPr>
-            <a:spLocks noGrp="1"/>
-          </p:cNvSpPr>
-          <p:nvPr>
-            <p:ph idx="1"/>
-          </p:nvPr>
-        </p:nvSpPr>
-        <p:spPr>
-          <a:xfrm>
-            <a:off x="533400" y="1447800"/>
-            <a:ext cx="8183562" cy="4187825"/>
-          </a:xfrm>
-        </p:spPr>
-        <p:txBody>
-          <a:bodyPr>
-            <a:normAutofit/>
-          </a:bodyPr>
-          <a:lstStyle/>
-          <a:p>
-            <a:pPr>
-              <a:buFont typeface="Wingdings" panose="05000000000000000000" pitchFamily="2" charset="2"/>
-              <a:buChar char="Ø"/>
-            </a:pPr>
-            <a:r>
-              <a:rPr lang="en-US" sz="1600" dirty="0" err="1" smtClean="0"/>
-              <a:t>Junit</a:t>
-            </a:r>
-            <a:r>
-              <a:rPr lang="en-US" sz="1600" dirty="0" smtClean="0"/>
-              <a:t> 4 </a:t>
-            </a:r>
-            <a:r>
-              <a:rPr lang="en-US" sz="1600" dirty="0" smtClean="0">
-                <a:sym typeface="Wingdings" panose="05000000000000000000" pitchFamily="2" charset="2"/>
-              </a:rPr>
-              <a:t> </a:t>
-            </a:r>
-            <a:r>
-              <a:rPr lang="en-US" sz="1600" dirty="0" err="1" smtClean="0">
-                <a:solidFill>
-                  <a:srgbClr val="92D050"/>
-                </a:solidFill>
-                <a:sym typeface="Wingdings" panose="05000000000000000000" pitchFamily="2" charset="2"/>
-              </a:rPr>
-              <a:t>Ver</a:t>
-            </a:r>
-            <a:r>
-              <a:rPr lang="en-US" sz="1600" dirty="0" smtClean="0">
-                <a:solidFill>
-                  <a:srgbClr val="92D050"/>
-                </a:solidFill>
-                <a:sym typeface="Wingdings" panose="05000000000000000000" pitchFamily="2" charset="2"/>
-              </a:rPr>
-              <a:t>: 4.11 Jar: junit-4.11.jar</a:t>
-            </a:r>
-            <a:endParaRPr lang="en-US" sz="1600" dirty="0" smtClean="0">
-              <a:solidFill>
-                <a:srgbClr val="92D050"/>
-              </a:solidFill>
-            </a:endParaRPr>
-          </a:p>
-          <a:p>
-            <a:pPr>
-              <a:buFont typeface="Wingdings" panose="05000000000000000000" pitchFamily="2" charset="2"/>
-              <a:buChar char="Ø"/>
-            </a:pPr>
-            <a:r>
-              <a:rPr lang="en-US" sz="1600" dirty="0" smtClean="0"/>
-              <a:t>Spring Framework </a:t>
-            </a:r>
-            <a:r>
-              <a:rPr lang="en-US" sz="1600" dirty="0" smtClean="0">
-                <a:sym typeface="Wingdings" panose="05000000000000000000" pitchFamily="2" charset="2"/>
-              </a:rPr>
-              <a:t></a:t>
-            </a:r>
-            <a:r>
-              <a:rPr lang="en-US" sz="1600" dirty="0" smtClean="0"/>
-              <a:t> </a:t>
-            </a:r>
-            <a:r>
-              <a:rPr lang="en-US" sz="1600" dirty="0" err="1">
-                <a:sym typeface="Wingdings" panose="05000000000000000000" pitchFamily="2" charset="2"/>
-              </a:rPr>
-              <a:t>Ver</a:t>
-            </a:r>
-            <a:r>
-              <a:rPr lang="en-US" sz="1600" dirty="0">
-                <a:sym typeface="Wingdings" panose="05000000000000000000" pitchFamily="2" charset="2"/>
-              </a:rPr>
-              <a:t>: </a:t>
-            </a:r>
-            <a:r>
-              <a:rPr lang="en-US" sz="1600" dirty="0"/>
-              <a:t>4.1.0.BUILD-SNAPSHOT</a:t>
-            </a:r>
-            <a:endParaRPr lang="en-US" sz="1600" dirty="0" smtClean="0"/>
-          </a:p>
-          <a:p>
-            <a:pPr lvl="1">
-              <a:buFont typeface="Arial" panose="020B0604020202020204" pitchFamily="34" charset="0"/>
-              <a:buChar char="•"/>
-            </a:pPr>
-            <a:r>
-              <a:rPr lang="en-US" sz="1400" dirty="0" smtClean="0"/>
-              <a:t>spring-test</a:t>
-            </a:r>
-          </a:p>
-          <a:p>
-            <a:pPr lvl="1">
-              <a:buFont typeface="Arial" panose="020B0604020202020204" pitchFamily="34" charset="0"/>
-              <a:buChar char="•"/>
-            </a:pPr>
-            <a:r>
-              <a:rPr lang="en-US" sz="1400" dirty="0" smtClean="0"/>
-              <a:t>spring-context</a:t>
-            </a:r>
-          </a:p>
-          <a:p>
-            <a:pPr lvl="1">
-              <a:buFont typeface="Arial" panose="020B0604020202020204" pitchFamily="34" charset="0"/>
-              <a:buChar char="•"/>
-            </a:pPr>
-            <a:r>
-              <a:rPr lang="en-US" sz="1400" dirty="0" smtClean="0"/>
-              <a:t>Spring-core</a:t>
-            </a:r>
-          </a:p>
-          <a:p>
-            <a:pPr>
-              <a:buFont typeface="Wingdings" panose="05000000000000000000" pitchFamily="2" charset="2"/>
-              <a:buChar char="Ø"/>
-            </a:pPr>
-            <a:r>
-              <a:rPr lang="en-US" sz="1600" dirty="0" smtClean="0"/>
-              <a:t>Power Mock </a:t>
-            </a:r>
-            <a:r>
-              <a:rPr lang="en-US" sz="1600" dirty="0" smtClean="0">
-                <a:sym typeface="Wingdings" panose="05000000000000000000" pitchFamily="2" charset="2"/>
-              </a:rPr>
-              <a:t></a:t>
-            </a:r>
-            <a:r>
-              <a:rPr lang="en-US" sz="1600" dirty="0" smtClean="0"/>
-              <a:t> </a:t>
-            </a:r>
-            <a:r>
-              <a:rPr lang="en-US" sz="1600" dirty="0" err="1" smtClean="0">
-                <a:solidFill>
-                  <a:srgbClr val="92D050"/>
-                </a:solidFill>
-              </a:rPr>
-              <a:t>Ver</a:t>
-            </a:r>
-            <a:r>
-              <a:rPr lang="en-US" sz="1600" dirty="0" smtClean="0">
-                <a:solidFill>
-                  <a:srgbClr val="92D050"/>
-                </a:solidFill>
-              </a:rPr>
-              <a:t>: 1.5.5</a:t>
-            </a:r>
-            <a:r>
-              <a:rPr lang="en-US" sz="1600" dirty="0" smtClean="0"/>
-              <a:t>      </a:t>
-            </a:r>
-            <a:r>
-              <a:rPr lang="en-US" sz="1600" dirty="0" smtClean="0">
-                <a:solidFill>
-                  <a:srgbClr val="FFC000"/>
-                </a:solidFill>
-              </a:rPr>
-              <a:t>License: Apache License 2.0</a:t>
-            </a:r>
-          </a:p>
-          <a:p>
-            <a:pPr lvl="1">
-              <a:buFont typeface="Arial" panose="020B0604020202020204" pitchFamily="34" charset="0"/>
-              <a:buChar char="•"/>
-            </a:pPr>
-            <a:r>
-              <a:rPr lang="en-US" sz="1400" dirty="0" smtClean="0"/>
-              <a:t>powermock-module-junit4</a:t>
-            </a:r>
-          </a:p>
-          <a:p>
-            <a:pPr lvl="1">
-              <a:buFont typeface="Arial" panose="020B0604020202020204" pitchFamily="34" charset="0"/>
-              <a:buChar char="•"/>
-            </a:pPr>
-            <a:r>
-              <a:rPr lang="en-US" sz="1400" dirty="0" err="1" smtClean="0"/>
-              <a:t>powermock-api-mockito</a:t>
-            </a:r>
-            <a:endParaRPr lang="en-US" sz="1400" dirty="0" smtClean="0"/>
-          </a:p>
-          <a:p>
-            <a:pPr lvl="1">
-              <a:buFont typeface="Arial" panose="020B0604020202020204" pitchFamily="34" charset="0"/>
-              <a:buChar char="•"/>
-            </a:pPr>
-            <a:r>
-              <a:rPr lang="en-US" sz="1400" dirty="0" smtClean="0"/>
-              <a:t>powermock-module-junit4-rule-agent</a:t>
-            </a:r>
-          </a:p>
-          <a:p>
-            <a:pPr>
-              <a:buFont typeface="Wingdings" panose="05000000000000000000" pitchFamily="2" charset="2"/>
-              <a:buChar char="Ø"/>
-            </a:pPr>
-            <a:r>
-              <a:rPr lang="en-US" sz="1600" dirty="0" smtClean="0"/>
-              <a:t>Spock Framework </a:t>
-            </a:r>
-            <a:r>
-              <a:rPr lang="en-US" sz="1600" dirty="0" smtClean="0">
-                <a:sym typeface="Wingdings" panose="05000000000000000000" pitchFamily="2" charset="2"/>
-              </a:rPr>
-              <a:t> </a:t>
-            </a:r>
-            <a:r>
-              <a:rPr lang="en-US" sz="1600" dirty="0" err="1" smtClean="0">
-                <a:solidFill>
-                  <a:srgbClr val="92D050"/>
-                </a:solidFill>
-                <a:sym typeface="Wingdings" panose="05000000000000000000" pitchFamily="2" charset="2"/>
-              </a:rPr>
-              <a:t>Ver</a:t>
-            </a:r>
-            <a:r>
-              <a:rPr lang="en-US" sz="1600" dirty="0" smtClean="0">
-                <a:solidFill>
-                  <a:srgbClr val="92D050"/>
-                </a:solidFill>
-                <a:sym typeface="Wingdings" panose="05000000000000000000" pitchFamily="2" charset="2"/>
-              </a:rPr>
-              <a:t>: </a:t>
-            </a:r>
-            <a:r>
-              <a:rPr lang="en-US" sz="1600" dirty="0">
-                <a:solidFill>
-                  <a:srgbClr val="92D050"/>
-                </a:solidFill>
-              </a:rPr>
-              <a:t>0.7-groovy-2.0</a:t>
-            </a:r>
-            <a:r>
-              <a:rPr lang="en-US" sz="1600" dirty="0"/>
-              <a:t> </a:t>
-            </a:r>
-            <a:r>
-              <a:rPr lang="en-US" sz="1600" dirty="0" smtClean="0"/>
-              <a:t>  </a:t>
-            </a:r>
-            <a:r>
-              <a:rPr lang="en-US" sz="1600" dirty="0" smtClean="0">
-                <a:solidFill>
-                  <a:srgbClr val="FFC000"/>
-                </a:solidFill>
-              </a:rPr>
-              <a:t>License</a:t>
-            </a:r>
-            <a:r>
-              <a:rPr lang="en-US" sz="1600" dirty="0">
-                <a:solidFill>
-                  <a:srgbClr val="FFC000"/>
-                </a:solidFill>
-              </a:rPr>
-              <a:t>: Apache License 2.0</a:t>
-            </a:r>
-            <a:endParaRPr lang="en-US" sz="1600" dirty="0" smtClean="0">
-              <a:solidFill>
-                <a:srgbClr val="FFC000"/>
-              </a:solidFill>
-            </a:endParaRPr>
-          </a:p>
-          <a:p>
-            <a:pPr lvl="1">
-              <a:buFont typeface="Arial" panose="020B0604020202020204" pitchFamily="34" charset="0"/>
-              <a:buChar char="•"/>
-            </a:pPr>
-            <a:r>
-              <a:rPr lang="en-US" sz="1400" dirty="0" err="1" smtClean="0"/>
-              <a:t>spock</a:t>
-            </a:r>
-            <a:r>
-              <a:rPr lang="en-US" sz="1400" dirty="0" smtClean="0"/>
-              <a:t>-core</a:t>
-            </a:r>
-          </a:p>
-          <a:p>
-            <a:pPr lvl="1">
-              <a:buFont typeface="Arial" panose="020B0604020202020204" pitchFamily="34" charset="0"/>
-              <a:buChar char="•"/>
-            </a:pPr>
-            <a:r>
-              <a:rPr lang="en-US" sz="1400" dirty="0" err="1" smtClean="0"/>
-              <a:t>spock</a:t>
-            </a:r>
-            <a:r>
-              <a:rPr lang="en-US" sz="1400" dirty="0" smtClean="0"/>
-              <a:t>-spring</a:t>
-            </a:r>
-          </a:p>
-          <a:p>
-            <a:pPr lvl="1">
-              <a:buFont typeface="Arial" panose="020B0604020202020204" pitchFamily="34" charset="0"/>
-              <a:buChar char="•"/>
-            </a:pPr>
-            <a:r>
-              <a:rPr lang="en-US" sz="1400" dirty="0" err="1" smtClean="0"/>
-              <a:t>Cglib-nodep</a:t>
-            </a:r>
-            <a:r>
-              <a:rPr lang="en-US" sz="1400" dirty="0" smtClean="0"/>
-              <a:t> </a:t>
-            </a:r>
-            <a:r>
-              <a:rPr lang="en-US" sz="1400" dirty="0" smtClean="0">
-                <a:sym typeface="Wingdings" panose="05000000000000000000" pitchFamily="2" charset="2"/>
-              </a:rPr>
-              <a:t></a:t>
-            </a:r>
-            <a:r>
-              <a:rPr lang="en-US" sz="1400" dirty="0" smtClean="0"/>
-              <a:t> </a:t>
-            </a:r>
-            <a:r>
-              <a:rPr lang="en-US" sz="1400" dirty="0" err="1" smtClean="0">
-                <a:solidFill>
-                  <a:srgbClr val="92D050"/>
-                </a:solidFill>
-              </a:rPr>
-              <a:t>Ver</a:t>
-            </a:r>
-            <a:r>
-              <a:rPr lang="en-US" sz="1400" dirty="0" smtClean="0">
-                <a:solidFill>
-                  <a:srgbClr val="92D050"/>
-                </a:solidFill>
-              </a:rPr>
-              <a:t>:  2.2.2</a:t>
-            </a:r>
-            <a:r>
-              <a:rPr lang="en-US" sz="1400" dirty="0" smtClean="0"/>
-              <a:t>    </a:t>
-            </a:r>
-            <a:r>
-              <a:rPr lang="en-US" sz="1400" dirty="0" smtClean="0">
-                <a:solidFill>
-                  <a:srgbClr val="FFC000"/>
-                </a:solidFill>
-              </a:rPr>
-              <a:t>License: Free S/w.</a:t>
-            </a:r>
-          </a:p>
-          <a:p>
-            <a:pPr>
-              <a:buFont typeface="Wingdings" panose="05000000000000000000" pitchFamily="2" charset="2"/>
-              <a:buChar char="Ø"/>
-            </a:pPr>
-            <a:r>
-              <a:rPr lang="en-US" sz="1600" dirty="0" err="1" smtClean="0"/>
-              <a:t>Junit</a:t>
-            </a:r>
-            <a:r>
-              <a:rPr lang="en-US" sz="1600" dirty="0" smtClean="0"/>
-              <a:t> </a:t>
-            </a:r>
-            <a:r>
-              <a:rPr lang="en-US" sz="1600" dirty="0" err="1" smtClean="0"/>
-              <a:t>Params</a:t>
-            </a:r>
-            <a:r>
-              <a:rPr lang="en-US" sz="1600" dirty="0" smtClean="0"/>
-              <a:t> </a:t>
-            </a:r>
-            <a:r>
-              <a:rPr lang="en-US" sz="1600" dirty="0" smtClean="0">
-                <a:sym typeface="Wingdings" panose="05000000000000000000" pitchFamily="2" charset="2"/>
-              </a:rPr>
-              <a:t> </a:t>
-            </a:r>
-            <a:r>
-              <a:rPr lang="en-US" sz="1600" dirty="0" err="1" smtClean="0">
-                <a:solidFill>
-                  <a:srgbClr val="92D050"/>
-                </a:solidFill>
-                <a:sym typeface="Wingdings" panose="05000000000000000000" pitchFamily="2" charset="2"/>
-              </a:rPr>
-              <a:t>Ver</a:t>
-            </a:r>
-            <a:r>
-              <a:rPr lang="en-US" sz="1600" dirty="0" smtClean="0">
-                <a:solidFill>
-                  <a:srgbClr val="92D050"/>
-                </a:solidFill>
-                <a:sym typeface="Wingdings" panose="05000000000000000000" pitchFamily="2" charset="2"/>
-              </a:rPr>
-              <a:t> 1.0.2</a:t>
-            </a:r>
-            <a:r>
-              <a:rPr lang="en-US" sz="1600" dirty="0" smtClean="0">
-                <a:sym typeface="Wingdings" panose="05000000000000000000" pitchFamily="2" charset="2"/>
-              </a:rPr>
-              <a:t>    </a:t>
-            </a:r>
-            <a:r>
-              <a:rPr lang="en-US" sz="1600" dirty="0" smtClean="0">
-                <a:solidFill>
-                  <a:srgbClr val="FFC000"/>
-                </a:solidFill>
-              </a:rPr>
-              <a:t>License</a:t>
-            </a:r>
-            <a:r>
-              <a:rPr lang="en-US" sz="1600" dirty="0">
-                <a:solidFill>
-                  <a:srgbClr val="FFC000"/>
-                </a:solidFill>
-              </a:rPr>
-              <a:t>: Apache License 2.0</a:t>
-            </a:r>
-          </a:p>
-          <a:p>
-            <a:pPr>
-              <a:buFont typeface="Wingdings" panose="05000000000000000000" pitchFamily="2" charset="2"/>
-              <a:buChar char="Ø"/>
-            </a:pPr>
-            <a:endParaRPr lang="en-US" sz="1800" dirty="0" smtClean="0"/>
-          </a:p>
-          <a:p>
-            <a:pPr marL="0" indent="0">
-              <a:buNone/>
-            </a:pPr>
-            <a:endParaRPr lang="en-US" sz="1800" dirty="0"/>
-          </a:p>
-          <a:p>
-            <a:endParaRPr lang="en-GB" sz="1800" dirty="0"/>
-          </a:p>
-          <a:p>
-            <a:pPr lvl="1">
-              <a:buFont typeface="Wingdings" panose="05000000000000000000" pitchFamily="2" charset="2"/>
-              <a:buChar char="Ø"/>
-            </a:pPr>
-            <a:endParaRPr lang="en-US" sz="1400" dirty="0"/>
-          </a:p>
-          <a:p>
-            <a:pPr lvl="1">
-              <a:buFont typeface="Wingdings" panose="05000000000000000000" pitchFamily="2" charset="2"/>
-              <a:buChar char="Ø"/>
-            </a:pPr>
-            <a:endParaRPr lang="en-US" sz="1400" dirty="0" smtClean="0"/>
-          </a:p>
-          <a:p>
-            <a:pPr lvl="1">
-              <a:buFont typeface="Wingdings" panose="05000000000000000000" pitchFamily="2" charset="2"/>
-              <a:buChar char="Ø"/>
-            </a:pPr>
-            <a:endParaRPr lang="en-US" sz="1400" dirty="0" smtClean="0"/>
-          </a:p>
-          <a:p>
-            <a:pPr lvl="1">
-              <a:buFont typeface="Wingdings" panose="05000000000000000000" pitchFamily="2" charset="2"/>
-              <a:buChar char="Ø"/>
-            </a:pPr>
-            <a:endParaRPr lang="en-US" sz="1400" dirty="0"/>
-          </a:p>
-          <a:p>
-            <a:pPr lvl="1">
-              <a:buFont typeface="Wingdings" panose="05000000000000000000" pitchFamily="2" charset="2"/>
-              <a:buChar char="Ø"/>
-            </a:pPr>
-            <a:endParaRPr lang="en-US" sz="1400" dirty="0" smtClean="0"/>
-          </a:p>
-          <a:p>
-            <a:pPr lvl="1">
-              <a:buFont typeface="Wingdings" panose="05000000000000000000" pitchFamily="2" charset="2"/>
-              <a:buChar char="Ø"/>
-            </a:pPr>
-            <a:endParaRPr lang="en-US" sz="1400" dirty="0"/>
-          </a:p>
-          <a:p>
-            <a:pPr lvl="1">
-              <a:buFont typeface="Wingdings" panose="05000000000000000000" pitchFamily="2" charset="2"/>
-              <a:buChar char="Ø"/>
-            </a:pPr>
-            <a:endParaRPr lang="en-US" sz="1400" dirty="0" smtClean="0"/>
-          </a:p>
-          <a:p>
-            <a:pPr lvl="1">
-              <a:buFont typeface="Wingdings" panose="05000000000000000000" pitchFamily="2" charset="2"/>
-              <a:buChar char="Ø"/>
-            </a:pPr>
-            <a:endParaRPr lang="en-US" sz="1800" dirty="0"/>
-          </a:p>
-          <a:p>
-            <a:endParaRPr lang="en-US" sz="1800" dirty="0"/>
-          </a:p>
-          <a:p>
-            <a:endParaRPr lang="en-US" sz="1800" dirty="0"/>
-          </a:p>
-        </p:txBody>
-      </p:sp>
-    </p:spTree>
-    <p:extLst>
-      <p:ext uri="{BB962C8B-B14F-4D97-AF65-F5344CB8AC3E}">
-        <p14:creationId xmlns:p14="http://schemas.microsoft.com/office/powerpoint/2010/main" val="3897059055"/>
-      </p:ext>
-    </p:extLst>
-  </p:cSld>
-  <p:clrMapOvr>
-    <a:masterClrMapping/>
-  </p:clrMapOvr>
-  <p:timing>
-    <p:tnLst>
-      <p:par>
-        <p:cTn id="1" dur="indefinite" restart="never" nodeType="tmRoot"/>
-      </p:par>
-    </p:tnLst>
-  </p:timing>
-</p:sld>
-</file>
-
-<file path=ppt/slides/slide2.xml><?xml version="1.0" encoding="utf-8"?>
-<p:sld xmlns:a="http://schemas.openxmlformats.org/drawingml/2006/main" xmlns:r="http://schemas.openxmlformats.org/officeDocument/2006/relationships" xmlns:p="http://schemas.openxmlformats.org/presentationml/2006/main">
-  <p:cSld>
-    <p:spTree>
-      <p:nvGrpSpPr>
-        <p:cNvPr id="1" name=""/>
-        <p:cNvGrpSpPr/>
-        <p:nvPr/>
-      </p:nvGrpSpPr>
-      <p:grpSpPr>
-        <a:xfrm>
-          <a:off x="0" y="0"/>
-          <a:ext cx="0" cy="0"/>
-          <a:chOff x="0" y="0"/>
-          <a:chExt cx="0" cy="0"/>
-        </a:xfrm>
-      </p:grpSpPr>
+        </p:txBody>
+      </p:sp>
       <p:pic>
         <p:nvPicPr>
-          <p:cNvPr id="1026" name="Picture 2"/>
+          <p:cNvPr id="9218" name="Picture 2"/>
           <p:cNvPicPr>
             <a:picLocks noChangeAspect="1" noChangeArrowheads="1"/>
           </p:cNvPicPr>
@@ -10536,8 +13237,136 @@
         </p:blipFill>
         <p:spPr bwMode="auto">
           <a:xfrm>
-            <a:off x="2209800" y="2209800"/>
-            <a:ext cx="4800600" cy="2105025"/>
+            <a:off x="1295400" y="1621616"/>
+            <a:ext cx="3276600" cy="209144"/>
+          </a:xfrm>
+          <a:prstGeom prst="rect">
+            <a:avLst/>
+          </a:prstGeom>
+          <a:noFill/>
+          <a:ln>
+            <a:noFill/>
+          </a:ln>
+          <a:effectLst/>
+          <a:extLst>
+            <a:ext uri="{909E8E84-426E-40DD-AFC4-6F175D3DCCD1}">
+              <a14:hiddenFill xmlns:a14="http://schemas.microsoft.com/office/drawing/2010/main">
+                <a:solidFill>
+                  <a:schemeClr val="accent1"/>
+                </a:solidFill>
+              </a14:hiddenFill>
+            </a:ext>
+            <a:ext uri="{91240B29-F687-4F45-9708-019B960494DF}">
+              <a14:hiddenLine xmlns:a14="http://schemas.microsoft.com/office/drawing/2010/main" w="9525">
+                <a:solidFill>
+                  <a:schemeClr val="tx1"/>
+                </a:solidFill>
+                <a:miter lim="800000"/>
+                <a:headEnd/>
+                <a:tailEnd/>
+              </a14:hiddenLine>
+            </a:ext>
+            <a:ext uri="{AF507438-7753-43E0-B8FC-AC1667EBCBE1}">
+              <a14:hiddenEffects xmlns:a14="http://schemas.microsoft.com/office/drawing/2010/main">
+                <a:effectLst>
+                  <a:outerShdw dist="35921" dir="2700000" algn="ctr" rotWithShape="0">
+                    <a:schemeClr val="bg2"/>
+                  </a:outerShdw>
+                </a:effectLst>
+              </a14:hiddenEffects>
+            </a:ext>
+          </a:extLst>
+        </p:spPr>
+      </p:pic>
+      <p:pic>
+        <p:nvPicPr>
+          <p:cNvPr id="9219" name="Picture 3"/>
+          <p:cNvPicPr>
+            <a:picLocks noChangeAspect="1" noChangeArrowheads="1"/>
+          </p:cNvPicPr>
+          <p:nvPr/>
+        </p:nvPicPr>
+        <p:blipFill>
+          <a:blip r:embed="rId4">
+            <a:extLst>
+              <a:ext uri="{28A0092B-C50C-407E-A947-70E740481C1C}">
+                <a14:useLocalDpi xmlns:a14="http://schemas.microsoft.com/office/drawing/2010/main" val="0"/>
+              </a:ext>
+            </a:extLst>
+          </a:blip>
+          <a:srcRect/>
+          <a:stretch>
+            <a:fillRect/>
+          </a:stretch>
+        </p:blipFill>
+        <p:spPr bwMode="auto">
+          <a:xfrm>
+            <a:off x="1295400" y="2091927"/>
+            <a:ext cx="3886200" cy="371052"/>
+          </a:xfrm>
+          <a:prstGeom prst="rect">
+            <a:avLst/>
+          </a:prstGeom>
+          <a:noFill/>
+          <a:ln>
+            <a:noFill/>
+          </a:ln>
+          <a:effectLst/>
+          <a:extLst>
+            <a:ext uri="{909E8E84-426E-40DD-AFC4-6F175D3DCCD1}">
+              <a14:hiddenFill xmlns:a14="http://schemas.microsoft.com/office/drawing/2010/main">
+                <a:solidFill>
+                  <a:schemeClr val="accent1"/>
+                </a:solidFill>
+              </a14:hiddenFill>
+            </a:ext>
+            <a:ext uri="{91240B29-F687-4F45-9708-019B960494DF}">
+              <a14:hiddenLine xmlns:a14="http://schemas.microsoft.com/office/drawing/2010/main" w="9525">
+                <a:solidFill>
+                  <a:schemeClr val="tx1"/>
+                </a:solidFill>
+                <a:miter lim="800000"/>
+                <a:headEnd/>
+                <a:tailEnd/>
+              </a14:hiddenLine>
+            </a:ext>
+            <a:ext uri="{AF507438-7753-43E0-B8FC-AC1667EBCBE1}">
+              <a14:hiddenEffects xmlns:a14="http://schemas.microsoft.com/office/drawing/2010/main">
+                <a:effectLst>
+                  <a:outerShdw dist="35921" dir="2700000" algn="ctr" rotWithShape="0">
+                    <a:schemeClr val="bg2"/>
+                  </a:outerShdw>
+                </a:effectLst>
+              </a14:hiddenEffects>
+            </a:ext>
+          </a:extLst>
+        </p:spPr>
+      </p:pic>
+      <p:pic>
+        <p:nvPicPr>
+          <p:cNvPr id="9220" name="Picture 4"/>
+          <p:cNvPicPr>
+            <a:picLocks noChangeAspect="1" noChangeArrowheads="1"/>
+          </p:cNvPicPr>
+          <p:nvPr/>
+        </p:nvPicPr>
+        <p:blipFill>
+          <a:blip r:embed="rId5">
+            <a:extLst>
+              <a:ext uri="{28A0092B-C50C-407E-A947-70E740481C1C}">
+                <a14:useLocalDpi xmlns:a14="http://schemas.microsoft.com/office/drawing/2010/main" val="0"/>
+              </a:ext>
+            </a:extLst>
+          </a:blip>
+          <a:srcRect/>
+          <a:stretch>
+            <a:fillRect/>
+          </a:stretch>
+        </p:blipFill>
+        <p:spPr bwMode="auto">
+          <a:xfrm>
+            <a:off x="1269507" y="2743200"/>
+            <a:ext cx="6705600" cy="2339975"/>
           </a:xfrm>
           <a:prstGeom prst="rect">
             <a:avLst/>
@@ -10580,7 +13409,7 @@
     </p:spTree>
     <p:extLst>
       <p:ext uri="{BB962C8B-B14F-4D97-AF65-F5344CB8AC3E}">
-        <p14:creationId xmlns:p14="http://schemas.microsoft.com/office/powerpoint/2010/main" val="1218924192"/>
+        <p14:creationId xmlns:p14="http://schemas.microsoft.com/office/powerpoint/2010/main" val="3851507082"/>
       </p:ext>
     </p:extLst>
   </p:cSld>
@@ -10597,7 +13426,1038 @@
 </p:sld>
 </file>
 
-<file path=ppt/slides/slide20.xml><?xml version="1.0" encoding="utf-8"?>
+<file path=ppt/slides/slide28.xml><?xml version="1.0" encoding="utf-8"?>
+<p:sld xmlns:a="http://schemas.openxmlformats.org/drawingml/2006/main" xmlns:r="http://schemas.openxmlformats.org/officeDocument/2006/relationships" xmlns:p="http://schemas.openxmlformats.org/presentationml/2006/main">
+  <p:cSld>
+    <p:spTree>
+      <p:nvGrpSpPr>
+        <p:cNvPr id="1" name=""/>
+        <p:cNvGrpSpPr/>
+        <p:nvPr/>
+      </p:nvGrpSpPr>
+      <p:grpSpPr>
+        <a:xfrm>
+          <a:off x="0" y="0"/>
+          <a:ext cx="0" cy="0"/>
+          <a:chOff x="0" y="0"/>
+          <a:chExt cx="0" cy="0"/>
+        </a:xfrm>
+      </p:grpSpPr>
+      <p:sp>
+        <p:nvSpPr>
+          <p:cNvPr id="2" name="Rectangle 1"/>
+          <p:cNvSpPr>
+            <a:spLocks noGrp="1"/>
+          </p:cNvSpPr>
+          <p:nvPr>
+            <p:ph type="title"/>
+          </p:nvPr>
+        </p:nvSpPr>
+        <p:spPr>
+          <a:xfrm>
+            <a:off x="609600" y="609600"/>
+            <a:ext cx="8183562" cy="1066800"/>
+          </a:xfrm>
+        </p:spPr>
+        <p:txBody>
+          <a:bodyPr anchor="b">
+            <a:normAutofit/>
+          </a:bodyPr>
+          <a:lstStyle/>
+          <a:p>
+            <a:r>
+              <a:rPr lang="en-US" sz="2400" dirty="0" smtClean="0"/>
+              <a:t>Upcoming Hot Techinars</a:t>
+            </a:r>
+            <a:endParaRPr lang="en-US" sz="2400" dirty="0"/>
+          </a:p>
+        </p:txBody>
+      </p:sp>
+      <p:sp>
+        <p:nvSpPr>
+          <p:cNvPr id="3" name="Rectangle 2"/>
+          <p:cNvSpPr>
+            <a:spLocks noGrp="1"/>
+          </p:cNvSpPr>
+          <p:nvPr>
+            <p:ph idx="1"/>
+          </p:nvPr>
+        </p:nvSpPr>
+        <p:spPr>
+          <a:xfrm>
+            <a:off x="533400" y="1752600"/>
+            <a:ext cx="8183562" cy="4187825"/>
+          </a:xfrm>
+        </p:spPr>
+        <p:txBody>
+          <a:bodyPr>
+            <a:normAutofit/>
+          </a:bodyPr>
+          <a:lstStyle/>
+          <a:p>
+            <a:pPr>
+              <a:buFont typeface="Wingdings" panose="05000000000000000000" pitchFamily="2" charset="2"/>
+              <a:buChar char="Ø"/>
+            </a:pPr>
+            <a:r>
+              <a:rPr lang="en-US" sz="1800" dirty="0" err="1" smtClean="0"/>
+              <a:t>GitHub</a:t>
+            </a:r>
+            <a:endParaRPr lang="en-US" sz="1800" dirty="0" smtClean="0"/>
+          </a:p>
+          <a:p>
+            <a:pPr>
+              <a:buFont typeface="Wingdings" panose="05000000000000000000" pitchFamily="2" charset="2"/>
+              <a:buChar char="Ø"/>
+            </a:pPr>
+            <a:r>
+              <a:rPr lang="en-US" sz="1800" dirty="0" err="1" smtClean="0"/>
+              <a:t>Git</a:t>
+            </a:r>
+            <a:endParaRPr lang="en-US" sz="1800" dirty="0" smtClean="0"/>
+          </a:p>
+          <a:p>
+            <a:pPr>
+              <a:buFont typeface="Wingdings" panose="05000000000000000000" pitchFamily="2" charset="2"/>
+              <a:buChar char="Ø"/>
+            </a:pPr>
+            <a:r>
+              <a:rPr lang="en-US" sz="1800" dirty="0" err="1" smtClean="0"/>
+              <a:t>MongoDB</a:t>
+            </a:r>
+            <a:endParaRPr lang="en-US" sz="1800" dirty="0" smtClean="0"/>
+          </a:p>
+          <a:p>
+            <a:pPr>
+              <a:buFont typeface="Wingdings" panose="05000000000000000000" pitchFamily="2" charset="2"/>
+              <a:buChar char="Ø"/>
+            </a:pPr>
+            <a:r>
+              <a:rPr lang="en-US" sz="1800" dirty="0" smtClean="0"/>
+              <a:t>Hadoop</a:t>
+            </a:r>
+          </a:p>
+          <a:p>
+            <a:pPr>
+              <a:buFont typeface="Wingdings" panose="05000000000000000000" pitchFamily="2" charset="2"/>
+              <a:buChar char="Ø"/>
+            </a:pPr>
+            <a:r>
+              <a:rPr lang="en-US" sz="1800" dirty="0" smtClean="0"/>
+              <a:t>Pig Latin</a:t>
+            </a:r>
+          </a:p>
+          <a:p>
+            <a:pPr>
+              <a:buFont typeface="Wingdings" panose="05000000000000000000" pitchFamily="2" charset="2"/>
+              <a:buChar char="Ø"/>
+            </a:pPr>
+            <a:r>
+              <a:rPr lang="en-US" sz="1800" dirty="0" smtClean="0"/>
+              <a:t>Vagrant</a:t>
+            </a:r>
+          </a:p>
+          <a:p>
+            <a:pPr>
+              <a:buFont typeface="Wingdings" panose="05000000000000000000" pitchFamily="2" charset="2"/>
+              <a:buChar char="Ø"/>
+            </a:pPr>
+            <a:r>
+              <a:rPr lang="en-US" sz="1800" dirty="0" smtClean="0"/>
+              <a:t>Docker</a:t>
+            </a:r>
+          </a:p>
+          <a:p>
+            <a:pPr>
+              <a:buFont typeface="Wingdings" panose="05000000000000000000" pitchFamily="2" charset="2"/>
+              <a:buChar char="Ø"/>
+            </a:pPr>
+            <a:r>
+              <a:rPr lang="en-US" sz="1800" dirty="0" err="1" smtClean="0"/>
+              <a:t>NodeJS</a:t>
+            </a:r>
+            <a:endParaRPr lang="en-US" sz="1800" dirty="0" smtClean="0"/>
+          </a:p>
+          <a:p>
+            <a:pPr>
+              <a:buFont typeface="Wingdings" panose="05000000000000000000" pitchFamily="2" charset="2"/>
+              <a:buChar char="Ø"/>
+            </a:pPr>
+            <a:endParaRPr lang="en-US" sz="1800" dirty="0"/>
+          </a:p>
+          <a:p>
+            <a:endParaRPr lang="en-GB" sz="1800" dirty="0"/>
+          </a:p>
+          <a:p>
+            <a:pPr lvl="1">
+              <a:buFont typeface="Wingdings" panose="05000000000000000000" pitchFamily="2" charset="2"/>
+              <a:buChar char="Ø"/>
+            </a:pPr>
+            <a:endParaRPr lang="en-US" sz="1400" dirty="0"/>
+          </a:p>
+          <a:p>
+            <a:pPr lvl="1">
+              <a:buFont typeface="Wingdings" panose="05000000000000000000" pitchFamily="2" charset="2"/>
+              <a:buChar char="Ø"/>
+            </a:pPr>
+            <a:endParaRPr lang="en-US" sz="1400" dirty="0" smtClean="0"/>
+          </a:p>
+          <a:p>
+            <a:pPr lvl="1">
+              <a:buFont typeface="Wingdings" panose="05000000000000000000" pitchFamily="2" charset="2"/>
+              <a:buChar char="Ø"/>
+            </a:pPr>
+            <a:endParaRPr lang="en-US" sz="1400" dirty="0" smtClean="0"/>
+          </a:p>
+          <a:p>
+            <a:pPr lvl="1">
+              <a:buFont typeface="Wingdings" panose="05000000000000000000" pitchFamily="2" charset="2"/>
+              <a:buChar char="Ø"/>
+            </a:pPr>
+            <a:endParaRPr lang="en-US" sz="1400" dirty="0"/>
+          </a:p>
+          <a:p>
+            <a:pPr lvl="1">
+              <a:buFont typeface="Wingdings" panose="05000000000000000000" pitchFamily="2" charset="2"/>
+              <a:buChar char="Ø"/>
+            </a:pPr>
+            <a:endParaRPr lang="en-US" sz="1400" dirty="0" smtClean="0"/>
+          </a:p>
+          <a:p>
+            <a:pPr lvl="1">
+              <a:buFont typeface="Wingdings" panose="05000000000000000000" pitchFamily="2" charset="2"/>
+              <a:buChar char="Ø"/>
+            </a:pPr>
+            <a:endParaRPr lang="en-US" sz="1400" dirty="0"/>
+          </a:p>
+          <a:p>
+            <a:pPr lvl="1">
+              <a:buFont typeface="Wingdings" panose="05000000000000000000" pitchFamily="2" charset="2"/>
+              <a:buChar char="Ø"/>
+            </a:pPr>
+            <a:endParaRPr lang="en-US" sz="1400" dirty="0" smtClean="0"/>
+          </a:p>
+          <a:p>
+            <a:pPr lvl="1">
+              <a:buFont typeface="Wingdings" panose="05000000000000000000" pitchFamily="2" charset="2"/>
+              <a:buChar char="Ø"/>
+            </a:pPr>
+            <a:endParaRPr lang="en-US" sz="1800" dirty="0"/>
+          </a:p>
+          <a:p>
+            <a:endParaRPr lang="en-US" sz="1800" dirty="0"/>
+          </a:p>
+          <a:p>
+            <a:endParaRPr lang="en-US" sz="1800" dirty="0"/>
+          </a:p>
+        </p:txBody>
+      </p:sp>
+    </p:spTree>
+    <p:extLst>
+      <p:ext uri="{BB962C8B-B14F-4D97-AF65-F5344CB8AC3E}">
+        <p14:creationId xmlns:p14="http://schemas.microsoft.com/office/powerpoint/2010/main" val="113538506"/>
+      </p:ext>
+    </p:extLst>
+  </p:cSld>
+  <p:clrMapOvr>
+    <a:masterClrMapping/>
+  </p:clrMapOvr>
+  <p:timing>
+    <p:tnLst>
+      <p:par>
+        <p:cTn id="1" dur="indefinite" restart="never" nodeType="tmRoot"/>
+      </p:par>
+    </p:tnLst>
+  </p:timing>
+</p:sld>
+</file>
+
+<file path=ppt/slides/slide29.xml><?xml version="1.0" encoding="utf-8"?>
+<p:sld xmlns:a="http://schemas.openxmlformats.org/drawingml/2006/main" xmlns:r="http://schemas.openxmlformats.org/officeDocument/2006/relationships" xmlns:p="http://schemas.openxmlformats.org/presentationml/2006/main">
+  <p:cSld>
+    <p:spTree>
+      <p:nvGrpSpPr>
+        <p:cNvPr id="1" name=""/>
+        <p:cNvGrpSpPr/>
+        <p:nvPr/>
+      </p:nvGrpSpPr>
+      <p:grpSpPr>
+        <a:xfrm>
+          <a:off x="0" y="0"/>
+          <a:ext cx="0" cy="0"/>
+          <a:chOff x="0" y="0"/>
+          <a:chExt cx="0" cy="0"/>
+        </a:xfrm>
+      </p:grpSpPr>
+      <p:sp>
+        <p:nvSpPr>
+          <p:cNvPr id="2" name="Rectangle 1"/>
+          <p:cNvSpPr>
+            <a:spLocks noGrp="1"/>
+          </p:cNvSpPr>
+          <p:nvPr>
+            <p:ph type="title"/>
+          </p:nvPr>
+        </p:nvSpPr>
+        <p:spPr>
+          <a:xfrm>
+            <a:off x="609600" y="609600"/>
+            <a:ext cx="8183562" cy="838200"/>
+          </a:xfrm>
+        </p:spPr>
+        <p:txBody>
+          <a:bodyPr anchor="ctr">
+            <a:normAutofit/>
+          </a:bodyPr>
+          <a:lstStyle/>
+          <a:p>
+            <a:r>
+              <a:rPr lang="en-US" sz="2400" dirty="0" smtClean="0"/>
+              <a:t>3</a:t>
+            </a:r>
+            <a:r>
+              <a:rPr lang="en-US" sz="2400" baseline="30000" dirty="0" smtClean="0"/>
+              <a:t>rd</a:t>
+            </a:r>
+            <a:r>
+              <a:rPr lang="en-US" sz="2400" dirty="0" smtClean="0"/>
+              <a:t> Party Libraries:</a:t>
+            </a:r>
+            <a:endParaRPr lang="en-US" sz="2400" dirty="0"/>
+          </a:p>
+        </p:txBody>
+      </p:sp>
+      <p:sp>
+        <p:nvSpPr>
+          <p:cNvPr id="3" name="Rectangle 2"/>
+          <p:cNvSpPr>
+            <a:spLocks noGrp="1"/>
+          </p:cNvSpPr>
+          <p:nvPr>
+            <p:ph idx="1"/>
+          </p:nvPr>
+        </p:nvSpPr>
+        <p:spPr>
+          <a:xfrm>
+            <a:off x="533400" y="1447800"/>
+            <a:ext cx="8183562" cy="4187825"/>
+          </a:xfrm>
+        </p:spPr>
+        <p:txBody>
+          <a:bodyPr>
+            <a:normAutofit/>
+          </a:bodyPr>
+          <a:lstStyle/>
+          <a:p>
+            <a:pPr>
+              <a:buFont typeface="Wingdings" panose="05000000000000000000" pitchFamily="2" charset="2"/>
+              <a:buChar char="Ø"/>
+            </a:pPr>
+            <a:r>
+              <a:rPr lang="en-US" sz="1600" dirty="0" err="1" smtClean="0"/>
+              <a:t>Junit</a:t>
+            </a:r>
+            <a:r>
+              <a:rPr lang="en-US" sz="1600" dirty="0" smtClean="0"/>
+              <a:t> 4 </a:t>
+            </a:r>
+            <a:r>
+              <a:rPr lang="en-US" sz="1600" dirty="0" smtClean="0">
+                <a:sym typeface="Wingdings" panose="05000000000000000000" pitchFamily="2" charset="2"/>
+              </a:rPr>
+              <a:t> </a:t>
+            </a:r>
+            <a:r>
+              <a:rPr lang="en-US" sz="1600" dirty="0" err="1" smtClean="0">
+                <a:solidFill>
+                  <a:srgbClr val="92D050"/>
+                </a:solidFill>
+                <a:sym typeface="Wingdings" panose="05000000000000000000" pitchFamily="2" charset="2"/>
+              </a:rPr>
+              <a:t>Ver</a:t>
+            </a:r>
+            <a:r>
+              <a:rPr lang="en-US" sz="1600" dirty="0" smtClean="0">
+                <a:solidFill>
+                  <a:srgbClr val="92D050"/>
+                </a:solidFill>
+                <a:sym typeface="Wingdings" panose="05000000000000000000" pitchFamily="2" charset="2"/>
+              </a:rPr>
+              <a:t>: 4.11 Jar: junit-4.11.jar</a:t>
+            </a:r>
+            <a:endParaRPr lang="en-US" sz="1600" dirty="0" smtClean="0">
+              <a:solidFill>
+                <a:srgbClr val="92D050"/>
+              </a:solidFill>
+            </a:endParaRPr>
+          </a:p>
+          <a:p>
+            <a:pPr>
+              <a:buFont typeface="Wingdings" panose="05000000000000000000" pitchFamily="2" charset="2"/>
+              <a:buChar char="Ø"/>
+            </a:pPr>
+            <a:r>
+              <a:rPr lang="en-US" sz="1600" dirty="0" smtClean="0"/>
+              <a:t>Spring Framework </a:t>
+            </a:r>
+            <a:r>
+              <a:rPr lang="en-US" sz="1600" dirty="0" smtClean="0">
+                <a:sym typeface="Wingdings" panose="05000000000000000000" pitchFamily="2" charset="2"/>
+              </a:rPr>
+              <a:t></a:t>
+            </a:r>
+            <a:r>
+              <a:rPr lang="en-US" sz="1600" dirty="0" smtClean="0"/>
+              <a:t> </a:t>
+            </a:r>
+            <a:r>
+              <a:rPr lang="en-US" sz="1600" dirty="0" err="1">
+                <a:sym typeface="Wingdings" panose="05000000000000000000" pitchFamily="2" charset="2"/>
+              </a:rPr>
+              <a:t>Ver</a:t>
+            </a:r>
+            <a:r>
+              <a:rPr lang="en-US" sz="1600" dirty="0">
+                <a:sym typeface="Wingdings" panose="05000000000000000000" pitchFamily="2" charset="2"/>
+              </a:rPr>
+              <a:t>: </a:t>
+            </a:r>
+            <a:r>
+              <a:rPr lang="en-US" sz="1600" dirty="0"/>
+              <a:t>4.1.0.BUILD-SNAPSHOT</a:t>
+            </a:r>
+            <a:endParaRPr lang="en-US" sz="1600" dirty="0" smtClean="0"/>
+          </a:p>
+          <a:p>
+            <a:pPr lvl="1">
+              <a:buFont typeface="Arial" panose="020B0604020202020204" pitchFamily="34" charset="0"/>
+              <a:buChar char="•"/>
+            </a:pPr>
+            <a:r>
+              <a:rPr lang="en-US" sz="1400" dirty="0" smtClean="0"/>
+              <a:t>spring-test</a:t>
+            </a:r>
+          </a:p>
+          <a:p>
+            <a:pPr lvl="1">
+              <a:buFont typeface="Arial" panose="020B0604020202020204" pitchFamily="34" charset="0"/>
+              <a:buChar char="•"/>
+            </a:pPr>
+            <a:r>
+              <a:rPr lang="en-US" sz="1400" dirty="0" smtClean="0"/>
+              <a:t>spring-context</a:t>
+            </a:r>
+          </a:p>
+          <a:p>
+            <a:pPr lvl="1">
+              <a:buFont typeface="Arial" panose="020B0604020202020204" pitchFamily="34" charset="0"/>
+              <a:buChar char="•"/>
+            </a:pPr>
+            <a:r>
+              <a:rPr lang="en-US" sz="1400" dirty="0" smtClean="0"/>
+              <a:t>Spring-core</a:t>
+            </a:r>
+          </a:p>
+          <a:p>
+            <a:pPr>
+              <a:buFont typeface="Wingdings" panose="05000000000000000000" pitchFamily="2" charset="2"/>
+              <a:buChar char="Ø"/>
+            </a:pPr>
+            <a:r>
+              <a:rPr lang="en-US" sz="1600" dirty="0" smtClean="0"/>
+              <a:t>Power Mock </a:t>
+            </a:r>
+            <a:r>
+              <a:rPr lang="en-US" sz="1600" dirty="0" smtClean="0">
+                <a:sym typeface="Wingdings" panose="05000000000000000000" pitchFamily="2" charset="2"/>
+              </a:rPr>
+              <a:t></a:t>
+            </a:r>
+            <a:r>
+              <a:rPr lang="en-US" sz="1600" dirty="0" smtClean="0"/>
+              <a:t> </a:t>
+            </a:r>
+            <a:r>
+              <a:rPr lang="en-US" sz="1600" dirty="0" err="1" smtClean="0">
+                <a:solidFill>
+                  <a:srgbClr val="92D050"/>
+                </a:solidFill>
+              </a:rPr>
+              <a:t>Ver</a:t>
+            </a:r>
+            <a:r>
+              <a:rPr lang="en-US" sz="1600" dirty="0" smtClean="0">
+                <a:solidFill>
+                  <a:srgbClr val="92D050"/>
+                </a:solidFill>
+              </a:rPr>
+              <a:t>: 1.5.5</a:t>
+            </a:r>
+            <a:r>
+              <a:rPr lang="en-US" sz="1600" dirty="0" smtClean="0"/>
+              <a:t>      </a:t>
+            </a:r>
+            <a:r>
+              <a:rPr lang="en-US" sz="1600" dirty="0" smtClean="0">
+                <a:solidFill>
+                  <a:srgbClr val="FFC000"/>
+                </a:solidFill>
+              </a:rPr>
+              <a:t>License: Apache License 2.0</a:t>
+            </a:r>
+          </a:p>
+          <a:p>
+            <a:pPr lvl="1">
+              <a:buFont typeface="Arial" panose="020B0604020202020204" pitchFamily="34" charset="0"/>
+              <a:buChar char="•"/>
+            </a:pPr>
+            <a:r>
+              <a:rPr lang="en-US" sz="1400" dirty="0" smtClean="0"/>
+              <a:t>powermock-module-junit4</a:t>
+            </a:r>
+          </a:p>
+          <a:p>
+            <a:pPr lvl="1">
+              <a:buFont typeface="Arial" panose="020B0604020202020204" pitchFamily="34" charset="0"/>
+              <a:buChar char="•"/>
+            </a:pPr>
+            <a:r>
+              <a:rPr lang="en-US" sz="1400" dirty="0" err="1" smtClean="0"/>
+              <a:t>powermock-api-mockito</a:t>
+            </a:r>
+            <a:endParaRPr lang="en-US" sz="1400" dirty="0" smtClean="0"/>
+          </a:p>
+          <a:p>
+            <a:pPr lvl="1">
+              <a:buFont typeface="Arial" panose="020B0604020202020204" pitchFamily="34" charset="0"/>
+              <a:buChar char="•"/>
+            </a:pPr>
+            <a:r>
+              <a:rPr lang="en-US" sz="1400" dirty="0" smtClean="0"/>
+              <a:t>powermock-module-junit4-rule-agent</a:t>
+            </a:r>
+          </a:p>
+          <a:p>
+            <a:pPr>
+              <a:buFont typeface="Wingdings" panose="05000000000000000000" pitchFamily="2" charset="2"/>
+              <a:buChar char="Ø"/>
+            </a:pPr>
+            <a:r>
+              <a:rPr lang="en-US" sz="1600" dirty="0" smtClean="0"/>
+              <a:t>Spock Framework </a:t>
+            </a:r>
+            <a:r>
+              <a:rPr lang="en-US" sz="1600" dirty="0" smtClean="0">
+                <a:sym typeface="Wingdings" panose="05000000000000000000" pitchFamily="2" charset="2"/>
+              </a:rPr>
+              <a:t> </a:t>
+            </a:r>
+            <a:r>
+              <a:rPr lang="en-US" sz="1600" dirty="0" err="1" smtClean="0">
+                <a:solidFill>
+                  <a:srgbClr val="92D050"/>
+                </a:solidFill>
+                <a:sym typeface="Wingdings" panose="05000000000000000000" pitchFamily="2" charset="2"/>
+              </a:rPr>
+              <a:t>Ver</a:t>
+            </a:r>
+            <a:r>
+              <a:rPr lang="en-US" sz="1600" dirty="0" smtClean="0">
+                <a:solidFill>
+                  <a:srgbClr val="92D050"/>
+                </a:solidFill>
+                <a:sym typeface="Wingdings" panose="05000000000000000000" pitchFamily="2" charset="2"/>
+              </a:rPr>
+              <a:t>: </a:t>
+            </a:r>
+            <a:r>
+              <a:rPr lang="en-US" sz="1600" dirty="0">
+                <a:solidFill>
+                  <a:srgbClr val="92D050"/>
+                </a:solidFill>
+              </a:rPr>
+              <a:t>0.7-groovy-2.0</a:t>
+            </a:r>
+            <a:r>
+              <a:rPr lang="en-US" sz="1600" dirty="0"/>
+              <a:t> </a:t>
+            </a:r>
+            <a:r>
+              <a:rPr lang="en-US" sz="1600" dirty="0" smtClean="0"/>
+              <a:t>  </a:t>
+            </a:r>
+            <a:r>
+              <a:rPr lang="en-US" sz="1600" dirty="0" smtClean="0">
+                <a:solidFill>
+                  <a:srgbClr val="FFC000"/>
+                </a:solidFill>
+              </a:rPr>
+              <a:t>License</a:t>
+            </a:r>
+            <a:r>
+              <a:rPr lang="en-US" sz="1600" dirty="0">
+                <a:solidFill>
+                  <a:srgbClr val="FFC000"/>
+                </a:solidFill>
+              </a:rPr>
+              <a:t>: Apache License 2.0</a:t>
+            </a:r>
+            <a:endParaRPr lang="en-US" sz="1600" dirty="0" smtClean="0">
+              <a:solidFill>
+                <a:srgbClr val="FFC000"/>
+              </a:solidFill>
+            </a:endParaRPr>
+          </a:p>
+          <a:p>
+            <a:pPr lvl="1">
+              <a:buFont typeface="Arial" panose="020B0604020202020204" pitchFamily="34" charset="0"/>
+              <a:buChar char="•"/>
+            </a:pPr>
+            <a:r>
+              <a:rPr lang="en-US" sz="1400" dirty="0" err="1" smtClean="0"/>
+              <a:t>spock</a:t>
+            </a:r>
+            <a:r>
+              <a:rPr lang="en-US" sz="1400" dirty="0" smtClean="0"/>
+              <a:t>-core</a:t>
+            </a:r>
+          </a:p>
+          <a:p>
+            <a:pPr lvl="1">
+              <a:buFont typeface="Arial" panose="020B0604020202020204" pitchFamily="34" charset="0"/>
+              <a:buChar char="•"/>
+            </a:pPr>
+            <a:r>
+              <a:rPr lang="en-US" sz="1400" dirty="0" err="1" smtClean="0"/>
+              <a:t>spock</a:t>
+            </a:r>
+            <a:r>
+              <a:rPr lang="en-US" sz="1400" dirty="0" smtClean="0"/>
+              <a:t>-spring</a:t>
+            </a:r>
+          </a:p>
+          <a:p>
+            <a:pPr lvl="1">
+              <a:buFont typeface="Arial" panose="020B0604020202020204" pitchFamily="34" charset="0"/>
+              <a:buChar char="•"/>
+            </a:pPr>
+            <a:r>
+              <a:rPr lang="en-US" sz="1400" dirty="0" err="1" smtClean="0"/>
+              <a:t>Cglib-nodep</a:t>
+            </a:r>
+            <a:r>
+              <a:rPr lang="en-US" sz="1400" dirty="0" smtClean="0"/>
+              <a:t> </a:t>
+            </a:r>
+            <a:r>
+              <a:rPr lang="en-US" sz="1400" dirty="0" smtClean="0">
+                <a:sym typeface="Wingdings" panose="05000000000000000000" pitchFamily="2" charset="2"/>
+              </a:rPr>
+              <a:t></a:t>
+            </a:r>
+            <a:r>
+              <a:rPr lang="en-US" sz="1400" dirty="0" smtClean="0"/>
+              <a:t> </a:t>
+            </a:r>
+            <a:r>
+              <a:rPr lang="en-US" sz="1400" dirty="0" err="1" smtClean="0">
+                <a:solidFill>
+                  <a:srgbClr val="92D050"/>
+                </a:solidFill>
+              </a:rPr>
+              <a:t>Ver</a:t>
+            </a:r>
+            <a:r>
+              <a:rPr lang="en-US" sz="1400" dirty="0" smtClean="0">
+                <a:solidFill>
+                  <a:srgbClr val="92D050"/>
+                </a:solidFill>
+              </a:rPr>
+              <a:t>:  2.2.2</a:t>
+            </a:r>
+            <a:r>
+              <a:rPr lang="en-US" sz="1400" dirty="0" smtClean="0"/>
+              <a:t>    </a:t>
+            </a:r>
+            <a:r>
+              <a:rPr lang="en-US" sz="1400" dirty="0" smtClean="0">
+                <a:solidFill>
+                  <a:srgbClr val="FFC000"/>
+                </a:solidFill>
+              </a:rPr>
+              <a:t>License: Free S/w.</a:t>
+            </a:r>
+          </a:p>
+          <a:p>
+            <a:pPr>
+              <a:buFont typeface="Wingdings" panose="05000000000000000000" pitchFamily="2" charset="2"/>
+              <a:buChar char="Ø"/>
+            </a:pPr>
+            <a:r>
+              <a:rPr lang="en-US" sz="1600" dirty="0" err="1" smtClean="0"/>
+              <a:t>Junit</a:t>
+            </a:r>
+            <a:r>
+              <a:rPr lang="en-US" sz="1600" dirty="0" smtClean="0"/>
+              <a:t> </a:t>
+            </a:r>
+            <a:r>
+              <a:rPr lang="en-US" sz="1600" dirty="0" err="1" smtClean="0"/>
+              <a:t>Params</a:t>
+            </a:r>
+            <a:r>
+              <a:rPr lang="en-US" sz="1600" dirty="0" smtClean="0"/>
+              <a:t> </a:t>
+            </a:r>
+            <a:r>
+              <a:rPr lang="en-US" sz="1600" dirty="0" smtClean="0">
+                <a:sym typeface="Wingdings" panose="05000000000000000000" pitchFamily="2" charset="2"/>
+              </a:rPr>
+              <a:t> </a:t>
+            </a:r>
+            <a:r>
+              <a:rPr lang="en-US" sz="1600" dirty="0" err="1" smtClean="0">
+                <a:solidFill>
+                  <a:srgbClr val="92D050"/>
+                </a:solidFill>
+                <a:sym typeface="Wingdings" panose="05000000000000000000" pitchFamily="2" charset="2"/>
+              </a:rPr>
+              <a:t>Ver</a:t>
+            </a:r>
+            <a:r>
+              <a:rPr lang="en-US" sz="1600" dirty="0" smtClean="0">
+                <a:solidFill>
+                  <a:srgbClr val="92D050"/>
+                </a:solidFill>
+                <a:sym typeface="Wingdings" panose="05000000000000000000" pitchFamily="2" charset="2"/>
+              </a:rPr>
+              <a:t> 1.0.2</a:t>
+            </a:r>
+            <a:r>
+              <a:rPr lang="en-US" sz="1600" dirty="0" smtClean="0">
+                <a:sym typeface="Wingdings" panose="05000000000000000000" pitchFamily="2" charset="2"/>
+              </a:rPr>
+              <a:t>    </a:t>
+            </a:r>
+            <a:r>
+              <a:rPr lang="en-US" sz="1600" dirty="0" smtClean="0">
+                <a:solidFill>
+                  <a:srgbClr val="FFC000"/>
+                </a:solidFill>
+              </a:rPr>
+              <a:t>License</a:t>
+            </a:r>
+            <a:r>
+              <a:rPr lang="en-US" sz="1600" dirty="0">
+                <a:solidFill>
+                  <a:srgbClr val="FFC000"/>
+                </a:solidFill>
+              </a:rPr>
+              <a:t>: Apache License 2.0</a:t>
+            </a:r>
+          </a:p>
+          <a:p>
+            <a:pPr>
+              <a:buFont typeface="Wingdings" panose="05000000000000000000" pitchFamily="2" charset="2"/>
+              <a:buChar char="Ø"/>
+            </a:pPr>
+            <a:endParaRPr lang="en-US" sz="1800" dirty="0" smtClean="0"/>
+          </a:p>
+          <a:p>
+            <a:pPr marL="0" indent="0">
+              <a:buNone/>
+            </a:pPr>
+            <a:endParaRPr lang="en-US" sz="1800" dirty="0"/>
+          </a:p>
+          <a:p>
+            <a:endParaRPr lang="en-GB" sz="1800" dirty="0"/>
+          </a:p>
+          <a:p>
+            <a:pPr lvl="1">
+              <a:buFont typeface="Wingdings" panose="05000000000000000000" pitchFamily="2" charset="2"/>
+              <a:buChar char="Ø"/>
+            </a:pPr>
+            <a:endParaRPr lang="en-US" sz="1400" dirty="0"/>
+          </a:p>
+          <a:p>
+            <a:pPr lvl="1">
+              <a:buFont typeface="Wingdings" panose="05000000000000000000" pitchFamily="2" charset="2"/>
+              <a:buChar char="Ø"/>
+            </a:pPr>
+            <a:endParaRPr lang="en-US" sz="1400" dirty="0" smtClean="0"/>
+          </a:p>
+          <a:p>
+            <a:pPr lvl="1">
+              <a:buFont typeface="Wingdings" panose="05000000000000000000" pitchFamily="2" charset="2"/>
+              <a:buChar char="Ø"/>
+            </a:pPr>
+            <a:endParaRPr lang="en-US" sz="1400" dirty="0" smtClean="0"/>
+          </a:p>
+          <a:p>
+            <a:pPr lvl="1">
+              <a:buFont typeface="Wingdings" panose="05000000000000000000" pitchFamily="2" charset="2"/>
+              <a:buChar char="Ø"/>
+            </a:pPr>
+            <a:endParaRPr lang="en-US" sz="1400" dirty="0"/>
+          </a:p>
+          <a:p>
+            <a:pPr lvl="1">
+              <a:buFont typeface="Wingdings" panose="05000000000000000000" pitchFamily="2" charset="2"/>
+              <a:buChar char="Ø"/>
+            </a:pPr>
+            <a:endParaRPr lang="en-US" sz="1400" dirty="0" smtClean="0"/>
+          </a:p>
+          <a:p>
+            <a:pPr lvl="1">
+              <a:buFont typeface="Wingdings" panose="05000000000000000000" pitchFamily="2" charset="2"/>
+              <a:buChar char="Ø"/>
+            </a:pPr>
+            <a:endParaRPr lang="en-US" sz="1400" dirty="0"/>
+          </a:p>
+          <a:p>
+            <a:pPr lvl="1">
+              <a:buFont typeface="Wingdings" panose="05000000000000000000" pitchFamily="2" charset="2"/>
+              <a:buChar char="Ø"/>
+            </a:pPr>
+            <a:endParaRPr lang="en-US" sz="1400" dirty="0" smtClean="0"/>
+          </a:p>
+          <a:p>
+            <a:pPr lvl="1">
+              <a:buFont typeface="Wingdings" panose="05000000000000000000" pitchFamily="2" charset="2"/>
+              <a:buChar char="Ø"/>
+            </a:pPr>
+            <a:endParaRPr lang="en-US" sz="1800" dirty="0"/>
+          </a:p>
+          <a:p>
+            <a:endParaRPr lang="en-US" sz="1800" dirty="0"/>
+          </a:p>
+          <a:p>
+            <a:endParaRPr lang="en-US" sz="1800" dirty="0"/>
+          </a:p>
+        </p:txBody>
+      </p:sp>
+    </p:spTree>
+    <p:extLst>
+      <p:ext uri="{BB962C8B-B14F-4D97-AF65-F5344CB8AC3E}">
+        <p14:creationId xmlns:p14="http://schemas.microsoft.com/office/powerpoint/2010/main" val="3897059055"/>
+      </p:ext>
+    </p:extLst>
+  </p:cSld>
+  <p:clrMapOvr>
+    <a:masterClrMapping/>
+  </p:clrMapOvr>
+  <p:timing>
+    <p:tnLst>
+      <p:par>
+        <p:cTn id="1" dur="indefinite" restart="never" nodeType="tmRoot"/>
+      </p:par>
+    </p:tnLst>
+  </p:timing>
+</p:sld>
+</file>
+
+<file path=ppt/slides/slide3.xml><?xml version="1.0" encoding="utf-8"?>
+<p:sld xmlns:a="http://schemas.openxmlformats.org/drawingml/2006/main" xmlns:r="http://schemas.openxmlformats.org/officeDocument/2006/relationships" xmlns:p="http://schemas.openxmlformats.org/presentationml/2006/main">
+  <p:cSld>
+    <p:spTree>
+      <p:nvGrpSpPr>
+        <p:cNvPr id="1" name=""/>
+        <p:cNvGrpSpPr/>
+        <p:nvPr/>
+      </p:nvGrpSpPr>
+      <p:grpSpPr>
+        <a:xfrm>
+          <a:off x="0" y="0"/>
+          <a:ext cx="0" cy="0"/>
+          <a:chOff x="0" y="0"/>
+          <a:chExt cx="0" cy="0"/>
+        </a:xfrm>
+      </p:grpSpPr>
+      <p:sp>
+        <p:nvSpPr>
+          <p:cNvPr id="2" name="Rectangle 1"/>
+          <p:cNvSpPr>
+            <a:spLocks noGrp="1"/>
+          </p:cNvSpPr>
+          <p:nvPr>
+            <p:ph type="title"/>
+          </p:nvPr>
+        </p:nvSpPr>
+        <p:spPr>
+          <a:xfrm>
+            <a:off x="503238" y="533400"/>
+            <a:ext cx="8183562" cy="1050925"/>
+          </a:xfrm>
+        </p:spPr>
+        <p:txBody>
+          <a:bodyPr/>
+          <a:lstStyle/>
+          <a:p>
+            <a:r>
+              <a:rPr lang="en-US" dirty="0" smtClean="0"/>
+              <a:t>Agenda</a:t>
+            </a:r>
+            <a:endParaRPr lang="en-US" dirty="0"/>
+          </a:p>
+        </p:txBody>
+      </p:sp>
+      <p:sp>
+        <p:nvSpPr>
+          <p:cNvPr id="3" name="Rectangle 2"/>
+          <p:cNvSpPr>
+            <a:spLocks noGrp="1"/>
+          </p:cNvSpPr>
+          <p:nvPr>
+            <p:ph idx="1"/>
+          </p:nvPr>
+        </p:nvSpPr>
+        <p:spPr>
+          <a:xfrm>
+            <a:off x="427038" y="1676400"/>
+            <a:ext cx="8183562" cy="4187825"/>
+          </a:xfrm>
+        </p:spPr>
+        <p:txBody>
+          <a:bodyPr>
+            <a:normAutofit/>
+          </a:bodyPr>
+          <a:lstStyle/>
+          <a:p>
+            <a:r>
+              <a:rPr lang="en-US" sz="2400" dirty="0"/>
+              <a:t>Differences between </a:t>
+            </a:r>
+            <a:r>
+              <a:rPr lang="en-US" sz="2400" dirty="0" err="1"/>
+              <a:t>JUnit</a:t>
+            </a:r>
+            <a:r>
+              <a:rPr lang="en-US" sz="2400" dirty="0"/>
+              <a:t> </a:t>
+            </a:r>
+            <a:r>
+              <a:rPr lang="en-US" sz="2400" dirty="0" smtClean="0"/>
+              <a:t>3.x, </a:t>
+            </a:r>
+            <a:r>
+              <a:rPr lang="en-US" sz="2400" dirty="0" err="1" smtClean="0"/>
+              <a:t>JUnit</a:t>
+            </a:r>
+            <a:r>
+              <a:rPr lang="en-US" sz="2400" dirty="0" smtClean="0"/>
+              <a:t> 4.x and Spock</a:t>
+            </a:r>
+            <a:endParaRPr lang="en-US" sz="2400" dirty="0" smtClean="0"/>
+          </a:p>
+          <a:p>
+            <a:r>
+              <a:rPr lang="en-US" sz="2400" dirty="0" smtClean="0"/>
+              <a:t>New Features provided by </a:t>
+            </a:r>
+            <a:r>
+              <a:rPr lang="en-US" sz="2400" dirty="0" err="1" smtClean="0"/>
+              <a:t>JUnit</a:t>
+            </a:r>
+            <a:r>
+              <a:rPr lang="en-US" sz="2400" dirty="0" smtClean="0"/>
+              <a:t> </a:t>
+            </a:r>
+            <a:r>
+              <a:rPr lang="en-US" sz="2400" dirty="0" smtClean="0"/>
+              <a:t>4</a:t>
+            </a:r>
+          </a:p>
+          <a:p>
+            <a:r>
+              <a:rPr lang="en-US" sz="2400" dirty="0"/>
+              <a:t>New Features provided by </a:t>
+            </a:r>
+            <a:r>
+              <a:rPr lang="en-US" sz="2400" dirty="0" smtClean="0"/>
+              <a:t>Spock</a:t>
+            </a:r>
+            <a:endParaRPr lang="en-US" sz="2400" dirty="0" smtClean="0"/>
+          </a:p>
+          <a:p>
+            <a:r>
+              <a:rPr lang="en-US" sz="2400" dirty="0" smtClean="0"/>
+              <a:t>Upcoming </a:t>
+            </a:r>
+            <a:r>
+              <a:rPr lang="en-US" sz="2400" dirty="0"/>
+              <a:t>Hot </a:t>
+            </a:r>
+            <a:r>
+              <a:rPr lang="en-US" sz="2400" dirty="0" err="1" smtClean="0"/>
+              <a:t>TechiNarS</a:t>
+            </a:r>
+            <a:endParaRPr lang="en-US" sz="2400" dirty="0" smtClean="0"/>
+          </a:p>
+          <a:p>
+            <a:r>
+              <a:rPr lang="en-US" sz="2400" dirty="0"/>
+              <a:t>3</a:t>
+            </a:r>
+            <a:r>
+              <a:rPr lang="en-US" sz="2400" baseline="30000" dirty="0"/>
+              <a:t>rd</a:t>
+            </a:r>
+            <a:r>
+              <a:rPr lang="en-US" sz="2400" dirty="0"/>
+              <a:t> Party </a:t>
+            </a:r>
+            <a:r>
+              <a:rPr lang="en-US" sz="2400" dirty="0" smtClean="0"/>
+              <a:t>Libraries</a:t>
+            </a:r>
+          </a:p>
+          <a:p>
+            <a:r>
+              <a:rPr lang="en-US" sz="2400" dirty="0" smtClean="0"/>
+              <a:t>Credits</a:t>
+            </a:r>
+          </a:p>
+          <a:p>
+            <a:r>
+              <a:rPr lang="en-US" sz="2400" dirty="0" smtClean="0"/>
+              <a:t>Demo</a:t>
+            </a:r>
+            <a:endParaRPr lang="en-US" sz="2400" dirty="0"/>
+          </a:p>
+          <a:p>
+            <a:r>
+              <a:rPr lang="en-US" sz="2400" dirty="0"/>
+              <a:t>References</a:t>
+            </a:r>
+          </a:p>
+          <a:p>
+            <a:r>
+              <a:rPr lang="en-US" sz="2400" dirty="0" smtClean="0"/>
+              <a:t>Q </a:t>
+            </a:r>
+            <a:r>
+              <a:rPr lang="en-US" sz="2400" dirty="0"/>
+              <a:t>and A</a:t>
+            </a:r>
+          </a:p>
+        </p:txBody>
+      </p:sp>
+    </p:spTree>
+  </p:cSld>
+  <p:clrMapOvr>
+    <a:masterClrMapping/>
+  </p:clrMapOvr>
+  <p:timing>
+    <p:tnLst>
+      <p:par>
+        <p:cTn id="1" dur="indefinite" restart="never" nodeType="tmRoot"/>
+      </p:par>
+    </p:tnLst>
+  </p:timing>
+</p:sld>
+</file>
+
+<file path=ppt/slides/slide30.xml><?xml version="1.0" encoding="utf-8"?>
 <p:sld xmlns:a="http://schemas.openxmlformats.org/drawingml/2006/main" xmlns:r="http://schemas.openxmlformats.org/officeDocument/2006/relationships" xmlns:p="http://schemas.openxmlformats.org/presentationml/2006/main">
   <p:cSld>
     <p:spTree>
@@ -10675,7 +14535,7 @@
 </p:sld>
 </file>
 
-<file path=ppt/slides/slide21.xml><?xml version="1.0" encoding="utf-8"?>
+<file path=ppt/slides/slide31.xml><?xml version="1.0" encoding="utf-8"?>
 <p:sld xmlns:a="http://schemas.openxmlformats.org/drawingml/2006/main" xmlns:r="http://schemas.openxmlformats.org/officeDocument/2006/relationships" xmlns:p="http://schemas.openxmlformats.org/presentationml/2006/main">
   <p:cSld>
     <p:spTree>
@@ -10801,7 +14661,7 @@
 </p:sld>
 </file>
 
-<file path=ppt/slides/slide22.xml><?xml version="1.0" encoding="utf-8"?>
+<file path=ppt/slides/slide32.xml><?xml version="1.0" encoding="utf-8"?>
 <p:sld xmlns:a="http://schemas.openxmlformats.org/drawingml/2006/main" xmlns:r="http://schemas.openxmlformats.org/officeDocument/2006/relationships" xmlns:p="http://schemas.openxmlformats.org/presentationml/2006/main">
   <p:cSld>
     <p:spTree>
@@ -10879,7 +14739,7 @@
 </p:sld>
 </file>
 
-<file path=ppt/slides/slide23.xml><?xml version="1.0" encoding="utf-8"?>
+<file path=ppt/slides/slide33.xml><?xml version="1.0" encoding="utf-8"?>
 <p:sld xmlns:a="http://schemas.openxmlformats.org/drawingml/2006/main" xmlns:r="http://schemas.openxmlformats.org/officeDocument/2006/relationships" xmlns:p="http://schemas.openxmlformats.org/presentationml/2006/main">
   <p:cSld>
     <p:spTree>
@@ -10957,7 +14817,7 @@
 </p:sld>
 </file>
 
-<file path=ppt/slides/slide24.xml><?xml version="1.0" encoding="utf-8"?>
+<file path=ppt/slides/slide34.xml><?xml version="1.0" encoding="utf-8"?>
 <p:sld xmlns:a="http://schemas.openxmlformats.org/drawingml/2006/main" xmlns:r="http://schemas.openxmlformats.org/officeDocument/2006/relationships" xmlns:p="http://schemas.openxmlformats.org/presentationml/2006/main">
   <p:cSld>
     <p:spTree>
@@ -11065,7 +14925,7 @@
 </p:sld>
 </file>
 
-<file path=ppt/slides/slide25.xml><?xml version="1.0" encoding="utf-8"?>
+<file path=ppt/slides/slide35.xml><?xml version="1.0" encoding="utf-8"?>
 <p:sld xmlns:a="http://schemas.openxmlformats.org/drawingml/2006/main" xmlns:r="http://schemas.openxmlformats.org/officeDocument/2006/relationships" xmlns:p="http://schemas.openxmlformats.org/presentationml/2006/main">
   <p:cSld>
     <p:spTree>
@@ -11413,7 +15273,7 @@
 </p:sld>
 </file>
 
-<file path=ppt/slides/slide26.xml><?xml version="1.0" encoding="utf-8"?>
+<file path=ppt/slides/slide36.xml><?xml version="1.0" encoding="utf-8"?>
 <p:sld xmlns:a="http://schemas.openxmlformats.org/drawingml/2006/main" xmlns:r="http://schemas.openxmlformats.org/officeDocument/2006/relationships" xmlns:p="http://schemas.openxmlformats.org/presentationml/2006/main">
   <p:cSld>
     <p:spTree>
@@ -11471,181 +15331,6 @@
           </a:extLst>
         </p:spPr>
       </p:pic>
-    </p:spTree>
-  </p:cSld>
-  <p:clrMapOvr>
-    <a:masterClrMapping/>
-  </p:clrMapOvr>
-  <p:timing>
-    <p:tnLst>
-      <p:par>
-        <p:cTn id="1" dur="indefinite" restart="never" nodeType="tmRoot"/>
-      </p:par>
-    </p:tnLst>
-  </p:timing>
-</p:sld>
-</file>
-
-<file path=ppt/slides/slide3.xml><?xml version="1.0" encoding="utf-8"?>
-<p:sld xmlns:a="http://schemas.openxmlformats.org/drawingml/2006/main" xmlns:r="http://schemas.openxmlformats.org/officeDocument/2006/relationships" xmlns:p="http://schemas.openxmlformats.org/presentationml/2006/main">
-  <p:cSld>
-    <p:spTree>
-      <p:nvGrpSpPr>
-        <p:cNvPr id="1" name=""/>
-        <p:cNvGrpSpPr/>
-        <p:nvPr/>
-      </p:nvGrpSpPr>
-      <p:grpSpPr>
-        <a:xfrm>
-          <a:off x="0" y="0"/>
-          <a:ext cx="0" cy="0"/>
-          <a:chOff x="0" y="0"/>
-          <a:chExt cx="0" cy="0"/>
-        </a:xfrm>
-      </p:grpSpPr>
-      <p:sp>
-        <p:nvSpPr>
-          <p:cNvPr id="2" name="Rectangle 1"/>
-          <p:cNvSpPr>
-            <a:spLocks noGrp="1"/>
-          </p:cNvSpPr>
-          <p:nvPr>
-            <p:ph type="title"/>
-          </p:nvPr>
-        </p:nvSpPr>
-        <p:spPr>
-          <a:xfrm>
-            <a:off x="503238" y="533400"/>
-            <a:ext cx="8183562" cy="1050925"/>
-          </a:xfrm>
-        </p:spPr>
-        <p:txBody>
-          <a:bodyPr/>
-          <a:lstStyle/>
-          <a:p>
-            <a:r>
-              <a:rPr lang="en-US" dirty="0" smtClean="0"/>
-              <a:t>Agenda</a:t>
-            </a:r>
-            <a:endParaRPr lang="en-US" dirty="0"/>
-          </a:p>
-        </p:txBody>
-      </p:sp>
-      <p:sp>
-        <p:nvSpPr>
-          <p:cNvPr id="3" name="Rectangle 2"/>
-          <p:cNvSpPr>
-            <a:spLocks noGrp="1"/>
-          </p:cNvSpPr>
-          <p:nvPr>
-            <p:ph idx="1"/>
-          </p:nvPr>
-        </p:nvSpPr>
-        <p:spPr>
-          <a:xfrm>
-            <a:off x="427038" y="1676400"/>
-            <a:ext cx="8183562" cy="4187825"/>
-          </a:xfrm>
-        </p:spPr>
-        <p:txBody>
-          <a:bodyPr>
-            <a:normAutofit/>
-          </a:bodyPr>
-          <a:lstStyle/>
-          <a:p>
-            <a:r>
-              <a:rPr lang="en-US" sz="2400" dirty="0"/>
-              <a:t>Differences between JUnit 3.x and JUnit </a:t>
-            </a:r>
-            <a:r>
-              <a:rPr lang="en-US" sz="2400" dirty="0" smtClean="0"/>
-              <a:t>4.x</a:t>
-            </a:r>
-          </a:p>
-          <a:p>
-            <a:r>
-              <a:rPr lang="en-US" sz="2400" dirty="0" smtClean="0"/>
-              <a:t>New Features provided by </a:t>
-            </a:r>
-            <a:r>
-              <a:rPr lang="en-US" sz="2400" dirty="0" err="1" smtClean="0"/>
-              <a:t>JUnit</a:t>
-            </a:r>
-            <a:r>
-              <a:rPr lang="en-US" sz="2400" dirty="0" smtClean="0"/>
-              <a:t> 4</a:t>
-            </a:r>
-          </a:p>
-          <a:p>
-            <a:r>
-              <a:rPr lang="en-US" sz="2400" dirty="0" smtClean="0"/>
-              <a:t>Spock Testing Framework</a:t>
-            </a:r>
-          </a:p>
-          <a:p>
-            <a:r>
-              <a:rPr lang="en-US" sz="2400" dirty="0" smtClean="0"/>
-              <a:t>Upcoming </a:t>
-            </a:r>
-            <a:r>
-              <a:rPr lang="en-US" sz="2400" dirty="0"/>
-              <a:t>Hot </a:t>
-            </a:r>
-            <a:r>
-              <a:rPr lang="en-US" sz="2400" dirty="0" err="1" smtClean="0"/>
-              <a:t>TechiNarS</a:t>
-            </a:r>
-            <a:endParaRPr lang="en-US" sz="2400" dirty="0" smtClean="0"/>
-          </a:p>
-          <a:p>
-            <a:r>
-              <a:rPr lang="en-US" sz="2400" dirty="0"/>
-              <a:t>3</a:t>
-            </a:r>
-            <a:r>
-              <a:rPr lang="en-US" sz="2400" baseline="30000" dirty="0"/>
-              <a:t>rd</a:t>
-            </a:r>
-            <a:r>
-              <a:rPr lang="en-US" sz="2400" dirty="0"/>
-              <a:t> Party </a:t>
-            </a:r>
-            <a:r>
-              <a:rPr lang="en-US" sz="2400" dirty="0" smtClean="0"/>
-              <a:t>Libraries</a:t>
-            </a:r>
-          </a:p>
-          <a:p>
-            <a:r>
-              <a:rPr lang="en-US" sz="2400" dirty="0" smtClean="0"/>
-              <a:t>Credits</a:t>
-            </a:r>
-          </a:p>
-          <a:p>
-            <a:r>
-              <a:rPr lang="en-US" sz="2400" dirty="0" smtClean="0"/>
-              <a:t>Demo</a:t>
-            </a:r>
-            <a:endParaRPr lang="en-US" sz="2400" dirty="0"/>
-          </a:p>
-          <a:p>
-            <a:r>
-              <a:rPr lang="en-US" sz="2400" dirty="0"/>
-              <a:t>References</a:t>
-            </a:r>
-          </a:p>
-          <a:p>
-            <a:r>
-              <a:rPr lang="en-US" sz="2400" dirty="0" smtClean="0"/>
-              <a:t>Q </a:t>
-            </a:r>
-            <a:r>
-              <a:rPr lang="en-US" sz="2400" dirty="0"/>
-              <a:t>and A</a:t>
-            </a:r>
-          </a:p>
-        </p:txBody>
-      </p:sp>
     </p:spTree>
   </p:cSld>
   <p:clrMapOvr>
@@ -11813,394 +15498,334 @@
           <a:p>
             <a:r>
               <a:rPr lang="en-GB" sz="1800" dirty="0" smtClean="0"/>
-              <a:t>No </a:t>
-            </a:r>
-            <a:r>
-              <a:rPr lang="en-GB" sz="1800" dirty="0"/>
-              <a:t>need to extend </a:t>
-            </a:r>
-            <a:r>
-              <a:rPr lang="en-GB" sz="1800" dirty="0" err="1"/>
-              <a:t>TestCase</a:t>
-            </a:r>
-            <a:r>
-              <a:rPr lang="en-GB" sz="1800" dirty="0"/>
-              <a:t> </a:t>
-            </a:r>
-            <a:r>
-              <a:rPr lang="en-GB" sz="1800" dirty="0" smtClean="0"/>
-              <a:t>class</a:t>
-            </a:r>
-          </a:p>
-          <a:p>
-            <a:endParaRPr lang="en-GB" sz="1800" dirty="0" smtClean="0"/>
+              <a:t>Test Class definition</a:t>
+            </a:r>
           </a:p>
           <a:p>
             <a:pPr marL="0" indent="0">
               <a:buNone/>
             </a:pPr>
-            <a:r>
-              <a:rPr lang="en-US" sz="1800" dirty="0" smtClean="0"/>
-              <a:t>                   </a:t>
-            </a:r>
-            <a:r>
-              <a:rPr lang="en-US" sz="1800" dirty="0"/>
-              <a:t>JUnit 3.x                                          </a:t>
-            </a:r>
-            <a:r>
-              <a:rPr lang="en-US" sz="1800" dirty="0" err="1"/>
+            <a:endParaRPr lang="en-GB" sz="1800" dirty="0" smtClean="0"/>
+          </a:p>
+          <a:p>
+            <a:pPr lvl="1">
+              <a:buFont typeface="Wingdings" panose="05000000000000000000" pitchFamily="2" charset="2"/>
+              <a:buChar char="Ø"/>
+            </a:pPr>
+            <a:r>
+              <a:rPr lang="en-GB" sz="1400" dirty="0" err="1" smtClean="0"/>
               <a:t>Junit</a:t>
             </a:r>
             <a:r>
-              <a:rPr lang="en-US" sz="1800" dirty="0"/>
-              <a:t> </a:t>
-            </a:r>
-            <a:r>
-              <a:rPr lang="en-US" sz="1800" dirty="0" smtClean="0"/>
-              <a:t>4.x</a:t>
-            </a:r>
-          </a:p>
-          <a:p>
-            <a:pPr marL="0" indent="0">
-              <a:buNone/>
-            </a:pPr>
+              <a:rPr lang="en-GB" sz="1400" dirty="0" smtClean="0"/>
+              <a:t> 3.x</a:t>
+            </a:r>
+          </a:p>
+          <a:p>
+            <a:pPr lvl="1">
+              <a:buFont typeface="Wingdings" panose="05000000000000000000" pitchFamily="2" charset="2"/>
+              <a:buChar char="Ø"/>
+            </a:pPr>
+            <a:endParaRPr lang="en-GB" sz="1400" dirty="0"/>
+          </a:p>
+          <a:p>
+            <a:pPr lvl="1">
+              <a:buFont typeface="Wingdings" panose="05000000000000000000" pitchFamily="2" charset="2"/>
+              <a:buChar char="Ø"/>
+            </a:pPr>
+            <a:endParaRPr lang="en-GB" sz="1400" dirty="0" smtClean="0"/>
+          </a:p>
+          <a:p>
+            <a:pPr lvl="1">
+              <a:buFont typeface="Wingdings" panose="05000000000000000000" pitchFamily="2" charset="2"/>
+              <a:buChar char="Ø"/>
+            </a:pPr>
+            <a:endParaRPr lang="en-GB" sz="1400" dirty="0"/>
+          </a:p>
+          <a:p>
+            <a:pPr lvl="1">
+              <a:buFont typeface="Wingdings" panose="05000000000000000000" pitchFamily="2" charset="2"/>
+              <a:buChar char="Ø"/>
+            </a:pPr>
+            <a:r>
+              <a:rPr lang="en-GB" sz="1400" dirty="0" err="1" smtClean="0"/>
+              <a:t>Junit</a:t>
+            </a:r>
+            <a:r>
+              <a:rPr lang="en-GB" sz="1400" dirty="0" smtClean="0"/>
+              <a:t> 4.x</a:t>
+            </a:r>
+          </a:p>
+          <a:p>
+            <a:pPr lvl="1">
+              <a:buFont typeface="Wingdings" panose="05000000000000000000" pitchFamily="2" charset="2"/>
+              <a:buChar char="Ø"/>
+            </a:pPr>
+            <a:endParaRPr lang="en-GB" sz="1400" dirty="0"/>
+          </a:p>
+          <a:p>
+            <a:pPr lvl="1">
+              <a:buFont typeface="Wingdings" panose="05000000000000000000" pitchFamily="2" charset="2"/>
+              <a:buChar char="Ø"/>
+            </a:pPr>
+            <a:endParaRPr lang="en-GB" sz="1400" dirty="0" smtClean="0"/>
+          </a:p>
+          <a:p>
+            <a:pPr lvl="1">
+              <a:buFont typeface="Wingdings" panose="05000000000000000000" pitchFamily="2" charset="2"/>
+              <a:buChar char="Ø"/>
+            </a:pPr>
+            <a:endParaRPr lang="en-GB" sz="1400" dirty="0"/>
+          </a:p>
+          <a:p>
+            <a:pPr lvl="1">
+              <a:buFont typeface="Wingdings" panose="05000000000000000000" pitchFamily="2" charset="2"/>
+              <a:buChar char="Ø"/>
+            </a:pPr>
+            <a:r>
+              <a:rPr lang="en-GB" sz="1400" dirty="0" smtClean="0"/>
+              <a:t>Spock</a:t>
+            </a:r>
+            <a:endParaRPr lang="en-GB" sz="1400" dirty="0" smtClean="0"/>
+          </a:p>
+          <a:p>
+            <a:endParaRPr lang="en-GB" sz="1800" dirty="0" smtClean="0"/>
+          </a:p>
+          <a:p>
+            <a:pPr lvl="1">
+              <a:buFont typeface="Wingdings" panose="05000000000000000000" pitchFamily="2" charset="2"/>
+              <a:buChar char="Ø"/>
+            </a:pPr>
+            <a:endParaRPr lang="en-GB" sz="1400" dirty="0"/>
+          </a:p>
+          <a:p>
+            <a:pPr lvl="1">
+              <a:buFont typeface="Wingdings" panose="05000000000000000000" pitchFamily="2" charset="2"/>
+              <a:buChar char="Ø"/>
+            </a:pPr>
+            <a:endParaRPr lang="en-GB" sz="1400" dirty="0" smtClean="0"/>
+          </a:p>
+          <a:p>
+            <a:pPr lvl="1">
+              <a:buFont typeface="Wingdings" panose="05000000000000000000" pitchFamily="2" charset="2"/>
+              <a:buChar char="Ø"/>
+            </a:pPr>
+            <a:endParaRPr lang="en-GB" sz="1400" dirty="0"/>
+          </a:p>
+          <a:p>
+            <a:pPr lvl="1">
+              <a:buFont typeface="Wingdings" panose="05000000000000000000" pitchFamily="2" charset="2"/>
+              <a:buChar char="Ø"/>
+            </a:pPr>
+            <a:endParaRPr lang="en-GB" sz="1400" dirty="0"/>
+          </a:p>
+          <a:p>
+            <a:pPr lvl="1">
+              <a:buFont typeface="Wingdings" panose="05000000000000000000" pitchFamily="2" charset="2"/>
+              <a:buChar char="Ø"/>
+            </a:pPr>
+            <a:endParaRPr lang="en-GB" sz="1400" dirty="0" smtClean="0"/>
+          </a:p>
+          <a:p>
+            <a:endParaRPr lang="en-GB" sz="1800" dirty="0"/>
+          </a:p>
+          <a:p>
             <a:endParaRPr lang="en-US" sz="1800" dirty="0"/>
           </a:p>
-          <a:p>
-            <a:pPr marL="0" indent="0">
-              <a:buNone/>
-            </a:pPr>
-            <a:endParaRPr lang="en-US" sz="1800" dirty="0"/>
-          </a:p>
-          <a:p>
-            <a:endParaRPr lang="en-GB" sz="1800" dirty="0" smtClean="0"/>
-          </a:p>
-          <a:p>
-            <a:r>
-              <a:rPr lang="en-GB" sz="1800" dirty="0" smtClean="0"/>
-              <a:t>Flexibility </a:t>
-            </a:r>
-            <a:r>
-              <a:rPr lang="en-GB" sz="1800" dirty="0"/>
-              <a:t>to have custom test method names</a:t>
-            </a:r>
-            <a:r>
-              <a:rPr lang="en-GB" sz="1800" dirty="0" smtClean="0"/>
-              <a:t>.</a:t>
-            </a:r>
-          </a:p>
-          <a:p>
-            <a:endParaRPr lang="en-GB" sz="1800" dirty="0" smtClean="0"/>
-          </a:p>
-          <a:p>
-            <a:pPr marL="0" indent="0">
-              <a:buNone/>
-            </a:pPr>
-            <a:r>
-              <a:rPr lang="en-US" sz="1800" dirty="0" smtClean="0"/>
-              <a:t>                  </a:t>
-            </a:r>
-            <a:r>
-              <a:rPr lang="en-US" sz="1800" dirty="0"/>
-              <a:t>JUnit 3.x                                          </a:t>
-            </a:r>
-            <a:r>
-              <a:rPr lang="en-US" sz="1800" dirty="0" err="1"/>
-              <a:t>Junit</a:t>
-            </a:r>
-            <a:r>
-              <a:rPr lang="en-US" sz="1800" dirty="0"/>
-              <a:t> 4.x</a:t>
-            </a:r>
-          </a:p>
-        </p:txBody>
-      </p:sp>
-      <p:grpSp>
-        <p:nvGrpSpPr>
-          <p:cNvPr id="4" name="Group 3"/>
-          <p:cNvGrpSpPr/>
+        </p:txBody>
+      </p:sp>
+      <p:pic>
+        <p:nvPicPr>
+          <p:cNvPr id="1026" name="Picture 2"/>
+          <p:cNvPicPr>
+            <a:picLocks noChangeAspect="1" noChangeArrowheads="1"/>
+          </p:cNvPicPr>
           <p:nvPr/>
-        </p:nvGrpSpPr>
-        <p:grpSpPr>
-          <a:xfrm>
-            <a:off x="680815" y="2133600"/>
-            <a:ext cx="7924799" cy="339598"/>
-            <a:chOff x="381000" y="4493859"/>
-            <a:chExt cx="8407999" cy="344823"/>
-          </a:xfrm>
-        </p:grpSpPr>
-        <p:pic>
-          <p:nvPicPr>
-            <p:cNvPr id="5" name="Picture 4"/>
-            <p:cNvPicPr>
-              <a:picLocks noChangeAspect="1" noChangeArrowheads="1"/>
-            </p:cNvPicPr>
-            <p:nvPr/>
-          </p:nvPicPr>
-          <p:blipFill>
-            <a:blip r:embed="rId3">
-              <a:extLst>
-                <a:ext uri="{28A0092B-C50C-407E-A947-70E740481C1C}">
-                  <a14:useLocalDpi xmlns:a14="http://schemas.microsoft.com/office/drawing/2010/main" val="0"/>
-                </a:ext>
-              </a:extLst>
-            </a:blip>
-            <a:srcRect/>
-            <a:stretch>
-              <a:fillRect/>
-            </a:stretch>
-          </p:blipFill>
-          <p:spPr bwMode="auto">
-            <a:xfrm>
-              <a:off x="5431285" y="4493859"/>
-              <a:ext cx="3357714" cy="344823"/>
-            </a:xfrm>
-            <a:prstGeom prst="rect">
-              <a:avLst/>
-            </a:prstGeom>
-            <a:noFill/>
-            <a:ln>
-              <a:noFill/>
-            </a:ln>
-            <a:effectLst/>
+        </p:nvPicPr>
+        <p:blipFill>
+          <a:blip r:embed="rId3">
             <a:extLst>
-              <a:ext uri="{909E8E84-426E-40DD-AFC4-6F175D3DCCD1}">
-                <a14:hiddenFill xmlns:a14="http://schemas.microsoft.com/office/drawing/2010/main">
-                  <a:solidFill>
-                    <a:schemeClr val="accent1"/>
-                  </a:solidFill>
-                </a14:hiddenFill>
-              </a:ext>
-              <a:ext uri="{91240B29-F687-4F45-9708-019B960494DF}">
-                <a14:hiddenLine xmlns:a14="http://schemas.microsoft.com/office/drawing/2010/main" w="9525">
-                  <a:solidFill>
-                    <a:schemeClr val="tx1"/>
-                  </a:solidFill>
-                  <a:miter lim="800000"/>
-                  <a:headEnd/>
-                  <a:tailEnd/>
-                </a14:hiddenLine>
-              </a:ext>
-              <a:ext uri="{AF507438-7753-43E0-B8FC-AC1667EBCBE1}">
-                <a14:hiddenEffects xmlns:a14="http://schemas.microsoft.com/office/drawing/2010/main">
-                  <a:effectLst>
-                    <a:outerShdw dist="35921" dir="2700000" algn="ctr" rotWithShape="0">
-                      <a:schemeClr val="bg2"/>
-                    </a:outerShdw>
-                  </a:effectLst>
-                </a14:hiddenEffects>
+              <a:ext uri="{28A0092B-C50C-407E-A947-70E740481C1C}">
+                <a14:useLocalDpi xmlns:a14="http://schemas.microsoft.com/office/drawing/2010/main" val="0"/>
               </a:ext>
             </a:extLst>
-          </p:spPr>
-        </p:pic>
-        <p:pic>
-          <p:nvPicPr>
-            <p:cNvPr id="6" name="Picture 5"/>
-            <p:cNvPicPr>
-              <a:picLocks noChangeAspect="1" noChangeArrowheads="1"/>
-            </p:cNvPicPr>
-            <p:nvPr/>
-          </p:nvPicPr>
-          <p:blipFill>
-            <a:blip r:embed="rId4">
-              <a:extLst>
-                <a:ext uri="{28A0092B-C50C-407E-A947-70E740481C1C}">
-                  <a14:useLocalDpi xmlns:a14="http://schemas.microsoft.com/office/drawing/2010/main" val="0"/>
-                </a:ext>
-              </a:extLst>
-            </a:blip>
-            <a:srcRect/>
-            <a:stretch>
-              <a:fillRect/>
-            </a:stretch>
-          </p:blipFill>
-          <p:spPr bwMode="auto">
-            <a:xfrm>
-              <a:off x="381000" y="4519259"/>
-              <a:ext cx="4458763" cy="300149"/>
-            </a:xfrm>
-            <a:prstGeom prst="rect">
-              <a:avLst/>
-            </a:prstGeom>
+          </a:blip>
+          <a:srcRect/>
+          <a:stretch>
+            <a:fillRect/>
+          </a:stretch>
+        </p:blipFill>
+        <p:spPr bwMode="auto">
+          <a:xfrm>
+            <a:off x="1143000" y="4191000"/>
+            <a:ext cx="4533900" cy="238125"/>
+          </a:xfrm>
+          <a:prstGeom prst="rect">
+            <a:avLst/>
+          </a:prstGeom>
+          <a:noFill/>
+          <a:ln>
             <a:noFill/>
-            <a:ln>
-              <a:noFill/>
-            </a:ln>
-            <a:effectLst/>
+          </a:ln>
+          <a:effectLst/>
+          <a:extLst>
+            <a:ext uri="{909E8E84-426E-40DD-AFC4-6F175D3DCCD1}">
+              <a14:hiddenFill xmlns:a14="http://schemas.microsoft.com/office/drawing/2010/main">
+                <a:solidFill>
+                  <a:schemeClr val="accent1"/>
+                </a:solidFill>
+              </a14:hiddenFill>
+            </a:ext>
+            <a:ext uri="{91240B29-F687-4F45-9708-019B960494DF}">
+              <a14:hiddenLine xmlns:a14="http://schemas.microsoft.com/office/drawing/2010/main" w="9525">
+                <a:solidFill>
+                  <a:schemeClr val="tx1"/>
+                </a:solidFill>
+                <a:miter lim="800000"/>
+                <a:headEnd/>
+                <a:tailEnd/>
+              </a14:hiddenLine>
+            </a:ext>
+            <a:ext uri="{AF507438-7753-43E0-B8FC-AC1667EBCBE1}">
+              <a14:hiddenEffects xmlns:a14="http://schemas.microsoft.com/office/drawing/2010/main">
+                <a:effectLst>
+                  <a:outerShdw dist="35921" dir="2700000" algn="ctr" rotWithShape="0">
+                    <a:schemeClr val="bg2"/>
+                  </a:outerShdw>
+                </a:effectLst>
+              </a14:hiddenEffects>
+            </a:ext>
+          </a:extLst>
+        </p:spPr>
+      </p:pic>
+      <p:pic>
+        <p:nvPicPr>
+          <p:cNvPr id="1027" name="Picture 3"/>
+          <p:cNvPicPr>
+            <a:picLocks noChangeAspect="1" noChangeArrowheads="1"/>
+          </p:cNvPicPr>
+          <p:nvPr/>
+        </p:nvPicPr>
+        <p:blipFill>
+          <a:blip r:embed="rId4">
             <a:extLst>
-              <a:ext uri="{909E8E84-426E-40DD-AFC4-6F175D3DCCD1}">
-                <a14:hiddenFill xmlns:a14="http://schemas.microsoft.com/office/drawing/2010/main">
-                  <a:solidFill>
-                    <a:schemeClr val="accent1"/>
-                  </a:solidFill>
-                </a14:hiddenFill>
-              </a:ext>
-              <a:ext uri="{91240B29-F687-4F45-9708-019B960494DF}">
-                <a14:hiddenLine xmlns:a14="http://schemas.microsoft.com/office/drawing/2010/main" w="9525">
-                  <a:solidFill>
-                    <a:schemeClr val="tx1"/>
-                  </a:solidFill>
-                  <a:miter lim="800000"/>
-                  <a:headEnd/>
-                  <a:tailEnd/>
-                </a14:hiddenLine>
-              </a:ext>
-              <a:ext uri="{AF507438-7753-43E0-B8FC-AC1667EBCBE1}">
-                <a14:hiddenEffects xmlns:a14="http://schemas.microsoft.com/office/drawing/2010/main">
-                  <a:effectLst>
-                    <a:outerShdw dist="35921" dir="2700000" algn="ctr" rotWithShape="0">
-                      <a:schemeClr val="bg2"/>
-                    </a:outerShdw>
-                  </a:effectLst>
-                </a14:hiddenEffects>
+              <a:ext uri="{28A0092B-C50C-407E-A947-70E740481C1C}">
+                <a14:useLocalDpi xmlns:a14="http://schemas.microsoft.com/office/drawing/2010/main" val="0"/>
               </a:ext>
             </a:extLst>
-          </p:spPr>
-        </p:pic>
-      </p:grpSp>
-      <p:grpSp>
-        <p:nvGrpSpPr>
-          <p:cNvPr id="7" name="Group 6"/>
-          <p:cNvGrpSpPr/>
+          </a:blip>
+          <a:srcRect/>
+          <a:stretch>
+            <a:fillRect/>
+          </a:stretch>
+        </p:blipFill>
+        <p:spPr bwMode="auto">
+          <a:xfrm>
+            <a:off x="1143000" y="2162175"/>
+            <a:ext cx="4533900" cy="257175"/>
+          </a:xfrm>
+          <a:prstGeom prst="rect">
+            <a:avLst/>
+          </a:prstGeom>
+          <a:noFill/>
+          <a:ln>
+            <a:noFill/>
+          </a:ln>
+          <a:effectLst/>
+          <a:extLst>
+            <a:ext uri="{909E8E84-426E-40DD-AFC4-6F175D3DCCD1}">
+              <a14:hiddenFill xmlns:a14="http://schemas.microsoft.com/office/drawing/2010/main">
+                <a:solidFill>
+                  <a:schemeClr val="accent1"/>
+                </a:solidFill>
+              </a14:hiddenFill>
+            </a:ext>
+            <a:ext uri="{91240B29-F687-4F45-9708-019B960494DF}">
+              <a14:hiddenLine xmlns:a14="http://schemas.microsoft.com/office/drawing/2010/main" w="9525">
+                <a:solidFill>
+                  <a:schemeClr val="tx1"/>
+                </a:solidFill>
+                <a:miter lim="800000"/>
+                <a:headEnd/>
+                <a:tailEnd/>
+              </a14:hiddenLine>
+            </a:ext>
+            <a:ext uri="{AF507438-7753-43E0-B8FC-AC1667EBCBE1}">
+              <a14:hiddenEffects xmlns:a14="http://schemas.microsoft.com/office/drawing/2010/main">
+                <a:effectLst>
+                  <a:outerShdw dist="35921" dir="2700000" algn="ctr" rotWithShape="0">
+                    <a:schemeClr val="bg2"/>
+                  </a:outerShdw>
+                </a:effectLst>
+              </a14:hiddenEffects>
+            </a:ext>
+          </a:extLst>
+        </p:spPr>
+      </p:pic>
+      <p:pic>
+        <p:nvPicPr>
+          <p:cNvPr id="1028" name="Picture 4"/>
+          <p:cNvPicPr>
+            <a:picLocks noChangeAspect="1" noChangeArrowheads="1"/>
+          </p:cNvPicPr>
           <p:nvPr/>
-        </p:nvGrpSpPr>
-        <p:grpSpPr>
-          <a:xfrm>
-            <a:off x="685800" y="4157662"/>
-            <a:ext cx="7956134" cy="695326"/>
-            <a:chOff x="844976" y="2034031"/>
-            <a:chExt cx="8039553" cy="695326"/>
-          </a:xfrm>
-        </p:grpSpPr>
-        <p:pic>
-          <p:nvPicPr>
-            <p:cNvPr id="8" name="Picture 2"/>
-            <p:cNvPicPr>
-              <a:picLocks noChangeAspect="1" noChangeArrowheads="1"/>
-            </p:cNvPicPr>
-            <p:nvPr/>
-          </p:nvPicPr>
-          <p:blipFill>
-            <a:blip r:embed="rId5">
-              <a:extLst>
-                <a:ext uri="{28A0092B-C50C-407E-A947-70E740481C1C}">
-                  <a14:useLocalDpi xmlns:a14="http://schemas.microsoft.com/office/drawing/2010/main" val="0"/>
-                </a:ext>
-              </a:extLst>
-            </a:blip>
-            <a:srcRect/>
-            <a:stretch>
-              <a:fillRect/>
-            </a:stretch>
-          </p:blipFill>
-          <p:spPr bwMode="auto">
-            <a:xfrm>
-              <a:off x="844976" y="2034031"/>
-              <a:ext cx="3849991" cy="695325"/>
-            </a:xfrm>
-            <a:prstGeom prst="rect">
-              <a:avLst/>
-            </a:prstGeom>
-            <a:noFill/>
-            <a:ln>
-              <a:noFill/>
-            </a:ln>
-            <a:effectLst/>
+        </p:nvPicPr>
+        <p:blipFill>
+          <a:blip r:embed="rId5">
             <a:extLst>
-              <a:ext uri="{909E8E84-426E-40DD-AFC4-6F175D3DCCD1}">
-                <a14:hiddenFill xmlns:a14="http://schemas.microsoft.com/office/drawing/2010/main">
-                  <a:solidFill>
-                    <a:schemeClr val="accent1"/>
-                  </a:solidFill>
-                </a14:hiddenFill>
-              </a:ext>
-              <a:ext uri="{91240B29-F687-4F45-9708-019B960494DF}">
-                <a14:hiddenLine xmlns:a14="http://schemas.microsoft.com/office/drawing/2010/main" w="9525">
-                  <a:solidFill>
-                    <a:schemeClr val="tx1"/>
-                  </a:solidFill>
-                  <a:miter lim="800000"/>
-                  <a:headEnd/>
-                  <a:tailEnd/>
-                </a14:hiddenLine>
-              </a:ext>
-              <a:ext uri="{AF507438-7753-43E0-B8FC-AC1667EBCBE1}">
-                <a14:hiddenEffects xmlns:a14="http://schemas.microsoft.com/office/drawing/2010/main">
-                  <a:effectLst>
-                    <a:outerShdw dist="35921" dir="2700000" algn="ctr" rotWithShape="0">
-                      <a:schemeClr val="bg2"/>
-                    </a:outerShdw>
-                  </a:effectLst>
-                </a14:hiddenEffects>
+              <a:ext uri="{28A0092B-C50C-407E-A947-70E740481C1C}">
+                <a14:useLocalDpi xmlns:a14="http://schemas.microsoft.com/office/drawing/2010/main" val="0"/>
               </a:ext>
             </a:extLst>
-          </p:spPr>
-        </p:pic>
-        <p:pic>
-          <p:nvPicPr>
-            <p:cNvPr id="9" name="Picture 3"/>
-            <p:cNvPicPr>
-              <a:picLocks noChangeAspect="1" noChangeArrowheads="1"/>
-            </p:cNvPicPr>
-            <p:nvPr/>
-          </p:nvPicPr>
-          <p:blipFill>
-            <a:blip r:embed="rId6">
-              <a:extLst>
-                <a:ext uri="{28A0092B-C50C-407E-A947-70E740481C1C}">
-                  <a14:useLocalDpi xmlns:a14="http://schemas.microsoft.com/office/drawing/2010/main" val="0"/>
-                </a:ext>
-              </a:extLst>
-            </a:blip>
-            <a:srcRect/>
-            <a:stretch>
-              <a:fillRect/>
-            </a:stretch>
-          </p:blipFill>
-          <p:spPr bwMode="auto">
-            <a:xfrm>
-              <a:off x="4972798" y="2034031"/>
-              <a:ext cx="3911731" cy="695326"/>
-            </a:xfrm>
-            <a:prstGeom prst="rect">
-              <a:avLst/>
-            </a:prstGeom>
+          </a:blip>
+          <a:srcRect/>
+          <a:stretch>
+            <a:fillRect/>
+          </a:stretch>
+        </p:blipFill>
+        <p:spPr bwMode="auto">
+          <a:xfrm>
+            <a:off x="1143000" y="3200400"/>
+            <a:ext cx="3095625" cy="266700"/>
+          </a:xfrm>
+          <a:prstGeom prst="rect">
+            <a:avLst/>
+          </a:prstGeom>
+          <a:noFill/>
+          <a:ln>
             <a:noFill/>
-            <a:ln>
-              <a:noFill/>
-            </a:ln>
-            <a:effectLst/>
-            <a:extLst>
-              <a:ext uri="{909E8E84-426E-40DD-AFC4-6F175D3DCCD1}">
-                <a14:hiddenFill xmlns:a14="http://schemas.microsoft.com/office/drawing/2010/main">
-                  <a:solidFill>
-                    <a:schemeClr val="accent1"/>
-                  </a:solidFill>
-                </a14:hiddenFill>
-              </a:ext>
-              <a:ext uri="{91240B29-F687-4F45-9708-019B960494DF}">
-                <a14:hiddenLine xmlns:a14="http://schemas.microsoft.com/office/drawing/2010/main" w="9525">
-                  <a:solidFill>
-                    <a:schemeClr val="tx1"/>
-                  </a:solidFill>
-                  <a:miter lim="800000"/>
-                  <a:headEnd/>
-                  <a:tailEnd/>
-                </a14:hiddenLine>
-              </a:ext>
-              <a:ext uri="{AF507438-7753-43E0-B8FC-AC1667EBCBE1}">
-                <a14:hiddenEffects xmlns:a14="http://schemas.microsoft.com/office/drawing/2010/main">
-                  <a:effectLst>
-                    <a:outerShdw dist="35921" dir="2700000" algn="ctr" rotWithShape="0">
-                      <a:schemeClr val="bg2"/>
-                    </a:outerShdw>
-                  </a:effectLst>
-                </a14:hiddenEffects>
-              </a:ext>
-            </a:extLst>
-          </p:spPr>
-        </p:pic>
-      </p:grpSp>
+          </a:ln>
+          <a:effectLst/>
+          <a:extLst>
+            <a:ext uri="{909E8E84-426E-40DD-AFC4-6F175D3DCCD1}">
+              <a14:hiddenFill xmlns:a14="http://schemas.microsoft.com/office/drawing/2010/main">
+                <a:solidFill>
+                  <a:schemeClr val="accent1"/>
+                </a:solidFill>
+              </a14:hiddenFill>
+            </a:ext>
+            <a:ext uri="{91240B29-F687-4F45-9708-019B960494DF}">
+              <a14:hiddenLine xmlns:a14="http://schemas.microsoft.com/office/drawing/2010/main" w="9525">
+                <a:solidFill>
+                  <a:schemeClr val="tx1"/>
+                </a:solidFill>
+                <a:miter lim="800000"/>
+                <a:headEnd/>
+                <a:tailEnd/>
+              </a14:hiddenLine>
+            </a:ext>
+            <a:ext uri="{AF507438-7753-43E0-B8FC-AC1667EBCBE1}">
+              <a14:hiddenEffects xmlns:a14="http://schemas.microsoft.com/office/drawing/2010/main">
+                <a:effectLst>
+                  <a:outerShdw dist="35921" dir="2700000" algn="ctr" rotWithShape="0">
+                    <a:schemeClr val="bg2"/>
+                  </a:outerShdw>
+                </a:effectLst>
+              </a14:hiddenEffects>
+            </a:ext>
+          </a:extLst>
+        </p:spPr>
+      </p:pic>
     </p:spTree>
   </p:cSld>
   <p:clrMapOvr>
@@ -12235,6 +15860,413 @@
       </p:grpSpPr>
       <p:sp>
         <p:nvSpPr>
+          <p:cNvPr id="3" name="Rectangle 2"/>
+          <p:cNvSpPr>
+            <a:spLocks noGrp="1"/>
+          </p:cNvSpPr>
+          <p:nvPr>
+            <p:ph idx="1"/>
+          </p:nvPr>
+        </p:nvSpPr>
+        <p:spPr>
+          <a:xfrm>
+            <a:off x="427037" y="762001"/>
+            <a:ext cx="8183562" cy="4818130"/>
+          </a:xfrm>
+        </p:spPr>
+        <p:txBody>
+          <a:bodyPr>
+            <a:normAutofit/>
+          </a:bodyPr>
+          <a:lstStyle/>
+          <a:p>
+            <a:endParaRPr lang="en-GB" sz="1800" dirty="0" smtClean="0"/>
+          </a:p>
+          <a:p>
+            <a:r>
+              <a:rPr lang="en-GB" sz="1800" dirty="0" smtClean="0"/>
+              <a:t>Method names</a:t>
+            </a:r>
+          </a:p>
+          <a:p>
+            <a:endParaRPr lang="en-GB" sz="1800" dirty="0"/>
+          </a:p>
+          <a:p>
+            <a:pPr lvl="1">
+              <a:buFont typeface="Wingdings" panose="05000000000000000000" pitchFamily="2" charset="2"/>
+              <a:buChar char="Ø"/>
+            </a:pPr>
+            <a:r>
+              <a:rPr lang="en-GB" sz="1400" dirty="0" err="1"/>
+              <a:t>Junit</a:t>
+            </a:r>
+            <a:r>
+              <a:rPr lang="en-GB" sz="1400" dirty="0"/>
+              <a:t> </a:t>
+            </a:r>
+            <a:r>
+              <a:rPr lang="en-GB" sz="1400" dirty="0" smtClean="0"/>
+              <a:t>3.x :  Test method name should start with “test”</a:t>
+            </a:r>
+          </a:p>
+          <a:p>
+            <a:pPr lvl="1">
+              <a:buFont typeface="Wingdings" panose="05000000000000000000" pitchFamily="2" charset="2"/>
+              <a:buChar char="Ø"/>
+            </a:pPr>
+            <a:endParaRPr lang="en-GB" sz="1400" dirty="0" smtClean="0"/>
+          </a:p>
+          <a:p>
+            <a:pPr lvl="1">
+              <a:buFont typeface="Wingdings" panose="05000000000000000000" pitchFamily="2" charset="2"/>
+              <a:buChar char="Ø"/>
+            </a:pPr>
+            <a:endParaRPr lang="en-GB" sz="1400" dirty="0"/>
+          </a:p>
+          <a:p>
+            <a:pPr lvl="1">
+              <a:buFont typeface="Wingdings" panose="05000000000000000000" pitchFamily="2" charset="2"/>
+              <a:buChar char="Ø"/>
+            </a:pPr>
+            <a:endParaRPr lang="en-GB" sz="1400" dirty="0"/>
+          </a:p>
+          <a:p>
+            <a:pPr lvl="1">
+              <a:buFont typeface="Wingdings" panose="05000000000000000000" pitchFamily="2" charset="2"/>
+              <a:buChar char="Ø"/>
+            </a:pPr>
+            <a:endParaRPr lang="en-GB" sz="1400" dirty="0"/>
+          </a:p>
+          <a:p>
+            <a:pPr lvl="1">
+              <a:buFont typeface="Wingdings" panose="05000000000000000000" pitchFamily="2" charset="2"/>
+              <a:buChar char="Ø"/>
+            </a:pPr>
+            <a:r>
+              <a:rPr lang="en-GB" sz="1400" dirty="0" err="1"/>
+              <a:t>Junit</a:t>
+            </a:r>
+            <a:r>
+              <a:rPr lang="en-GB" sz="1400" dirty="0"/>
+              <a:t> </a:t>
+            </a:r>
+            <a:r>
+              <a:rPr lang="en-GB" sz="1400" dirty="0" smtClean="0"/>
+              <a:t>4.x</a:t>
+            </a:r>
+          </a:p>
+          <a:p>
+            <a:pPr lvl="1">
+              <a:buFont typeface="Wingdings" panose="05000000000000000000" pitchFamily="2" charset="2"/>
+              <a:buChar char="Ø"/>
+            </a:pPr>
+            <a:endParaRPr lang="en-GB" sz="1400" dirty="0" smtClean="0"/>
+          </a:p>
+          <a:p>
+            <a:pPr lvl="1">
+              <a:buFont typeface="Wingdings" panose="05000000000000000000" pitchFamily="2" charset="2"/>
+              <a:buChar char="Ø"/>
+            </a:pPr>
+            <a:endParaRPr lang="en-GB" sz="1400" dirty="0"/>
+          </a:p>
+          <a:p>
+            <a:pPr lvl="1">
+              <a:buFont typeface="Wingdings" panose="05000000000000000000" pitchFamily="2" charset="2"/>
+              <a:buChar char="Ø"/>
+            </a:pPr>
+            <a:endParaRPr lang="en-GB" sz="1400" dirty="0"/>
+          </a:p>
+          <a:p>
+            <a:pPr lvl="1">
+              <a:buFont typeface="Wingdings" panose="05000000000000000000" pitchFamily="2" charset="2"/>
+              <a:buChar char="Ø"/>
+            </a:pPr>
+            <a:endParaRPr lang="en-GB" sz="1400" dirty="0"/>
+          </a:p>
+          <a:p>
+            <a:pPr lvl="1">
+              <a:buFont typeface="Wingdings" panose="05000000000000000000" pitchFamily="2" charset="2"/>
+              <a:buChar char="Ø"/>
+            </a:pPr>
+            <a:r>
+              <a:rPr lang="en-GB" sz="1400" dirty="0" smtClean="0"/>
+              <a:t>Spock</a:t>
+            </a:r>
+          </a:p>
+          <a:p>
+            <a:pPr lvl="1">
+              <a:buFont typeface="Wingdings" panose="05000000000000000000" pitchFamily="2" charset="2"/>
+              <a:buChar char="Ø"/>
+            </a:pPr>
+            <a:endParaRPr lang="en-GB" sz="1400" dirty="0"/>
+          </a:p>
+          <a:p>
+            <a:pPr lvl="1">
+              <a:buFont typeface="Wingdings" panose="05000000000000000000" pitchFamily="2" charset="2"/>
+              <a:buChar char="Ø"/>
+            </a:pPr>
+            <a:endParaRPr lang="en-GB" sz="1400" dirty="0" smtClean="0"/>
+          </a:p>
+          <a:p>
+            <a:pPr lvl="1">
+              <a:buFont typeface="Wingdings" panose="05000000000000000000" pitchFamily="2" charset="2"/>
+              <a:buChar char="Ø"/>
+            </a:pPr>
+            <a:endParaRPr lang="en-GB" sz="1400" dirty="0"/>
+          </a:p>
+          <a:p>
+            <a:pPr lvl="1">
+              <a:buFont typeface="Wingdings" panose="05000000000000000000" pitchFamily="2" charset="2"/>
+              <a:buChar char="Ø"/>
+            </a:pPr>
+            <a:endParaRPr lang="en-GB" sz="1400" dirty="0"/>
+          </a:p>
+          <a:p>
+            <a:pPr lvl="1">
+              <a:buFont typeface="Wingdings" panose="05000000000000000000" pitchFamily="2" charset="2"/>
+              <a:buChar char="Ø"/>
+            </a:pPr>
+            <a:endParaRPr lang="en-GB" sz="1400" dirty="0" smtClean="0"/>
+          </a:p>
+          <a:p>
+            <a:endParaRPr lang="en-GB" sz="1800" dirty="0"/>
+          </a:p>
+          <a:p>
+            <a:endParaRPr lang="en-US" sz="1800" dirty="0"/>
+          </a:p>
+        </p:txBody>
+      </p:sp>
+      <p:pic>
+        <p:nvPicPr>
+          <p:cNvPr id="1029" name="Picture 5"/>
+          <p:cNvPicPr>
+            <a:picLocks noChangeAspect="1" noChangeArrowheads="1"/>
+          </p:cNvPicPr>
+          <p:nvPr/>
+        </p:nvPicPr>
+        <p:blipFill>
+          <a:blip r:embed="rId3">
+            <a:extLst>
+              <a:ext uri="{28A0092B-C50C-407E-A947-70E740481C1C}">
+                <a14:useLocalDpi xmlns:a14="http://schemas.microsoft.com/office/drawing/2010/main" val="0"/>
+              </a:ext>
+            </a:extLst>
+          </a:blip>
+          <a:srcRect/>
+          <a:stretch>
+            <a:fillRect/>
+          </a:stretch>
+        </p:blipFill>
+        <p:spPr bwMode="auto">
+          <a:xfrm>
+            <a:off x="1219200" y="4724400"/>
+            <a:ext cx="3162300" cy="647700"/>
+          </a:xfrm>
+          <a:prstGeom prst="rect">
+            <a:avLst/>
+          </a:prstGeom>
+          <a:noFill/>
+          <a:ln>
+            <a:noFill/>
+          </a:ln>
+          <a:effectLst/>
+          <a:extLst>
+            <a:ext uri="{909E8E84-426E-40DD-AFC4-6F175D3DCCD1}">
+              <a14:hiddenFill xmlns:a14="http://schemas.microsoft.com/office/drawing/2010/main">
+                <a:solidFill>
+                  <a:schemeClr val="accent1"/>
+                </a:solidFill>
+              </a14:hiddenFill>
+            </a:ext>
+            <a:ext uri="{91240B29-F687-4F45-9708-019B960494DF}">
+              <a14:hiddenLine xmlns:a14="http://schemas.microsoft.com/office/drawing/2010/main" w="9525">
+                <a:solidFill>
+                  <a:schemeClr val="tx1"/>
+                </a:solidFill>
+                <a:miter lim="800000"/>
+                <a:headEnd/>
+                <a:tailEnd/>
+              </a14:hiddenLine>
+            </a:ext>
+            <a:ext uri="{AF507438-7753-43E0-B8FC-AC1667EBCBE1}">
+              <a14:hiddenEffects xmlns:a14="http://schemas.microsoft.com/office/drawing/2010/main">
+                <a:effectLst>
+                  <a:outerShdw dist="35921" dir="2700000" algn="ctr" rotWithShape="0">
+                    <a:schemeClr val="bg2"/>
+                  </a:outerShdw>
+                </a:effectLst>
+              </a14:hiddenEffects>
+            </a:ext>
+          </a:extLst>
+        </p:spPr>
+      </p:pic>
+      <p:pic>
+        <p:nvPicPr>
+          <p:cNvPr id="1030" name="Picture 6"/>
+          <p:cNvPicPr>
+            <a:picLocks noChangeAspect="1" noChangeArrowheads="1"/>
+          </p:cNvPicPr>
+          <p:nvPr/>
+        </p:nvPicPr>
+        <p:blipFill>
+          <a:blip r:embed="rId4">
+            <a:extLst>
+              <a:ext uri="{28A0092B-C50C-407E-A947-70E740481C1C}">
+                <a14:useLocalDpi xmlns:a14="http://schemas.microsoft.com/office/drawing/2010/main" val="0"/>
+              </a:ext>
+            </a:extLst>
+          </a:blip>
+          <a:srcRect/>
+          <a:stretch>
+            <a:fillRect/>
+          </a:stretch>
+        </p:blipFill>
+        <p:spPr bwMode="auto">
+          <a:xfrm>
+            <a:off x="1181100" y="2209800"/>
+            <a:ext cx="3162300" cy="503237"/>
+          </a:xfrm>
+          <a:prstGeom prst="rect">
+            <a:avLst/>
+          </a:prstGeom>
+          <a:noFill/>
+          <a:ln>
+            <a:noFill/>
+          </a:ln>
+          <a:effectLst/>
+          <a:extLst>
+            <a:ext uri="{909E8E84-426E-40DD-AFC4-6F175D3DCCD1}">
+              <a14:hiddenFill xmlns:a14="http://schemas.microsoft.com/office/drawing/2010/main">
+                <a:solidFill>
+                  <a:schemeClr val="accent1"/>
+                </a:solidFill>
+              </a14:hiddenFill>
+            </a:ext>
+            <a:ext uri="{91240B29-F687-4F45-9708-019B960494DF}">
+              <a14:hiddenLine xmlns:a14="http://schemas.microsoft.com/office/drawing/2010/main" w="9525">
+                <a:solidFill>
+                  <a:schemeClr val="tx1"/>
+                </a:solidFill>
+                <a:miter lim="800000"/>
+                <a:headEnd/>
+                <a:tailEnd/>
+              </a14:hiddenLine>
+            </a:ext>
+            <a:ext uri="{AF507438-7753-43E0-B8FC-AC1667EBCBE1}">
+              <a14:hiddenEffects xmlns:a14="http://schemas.microsoft.com/office/drawing/2010/main">
+                <a:effectLst>
+                  <a:outerShdw dist="35921" dir="2700000" algn="ctr" rotWithShape="0">
+                    <a:schemeClr val="bg2"/>
+                  </a:outerShdw>
+                </a:effectLst>
+              </a14:hiddenEffects>
+            </a:ext>
+          </a:extLst>
+        </p:spPr>
+      </p:pic>
+      <p:pic>
+        <p:nvPicPr>
+          <p:cNvPr id="1031" name="Picture 7"/>
+          <p:cNvPicPr>
+            <a:picLocks noChangeAspect="1" noChangeArrowheads="1"/>
+          </p:cNvPicPr>
+          <p:nvPr/>
+        </p:nvPicPr>
+        <p:blipFill>
+          <a:blip r:embed="rId5">
+            <a:extLst>
+              <a:ext uri="{28A0092B-C50C-407E-A947-70E740481C1C}">
+                <a14:useLocalDpi xmlns:a14="http://schemas.microsoft.com/office/drawing/2010/main" val="0"/>
+              </a:ext>
+            </a:extLst>
+          </a:blip>
+          <a:srcRect/>
+          <a:stretch>
+            <a:fillRect/>
+          </a:stretch>
+        </p:blipFill>
+        <p:spPr bwMode="auto">
+          <a:xfrm>
+            <a:off x="1203325" y="3429000"/>
+            <a:ext cx="3292475" cy="609600"/>
+          </a:xfrm>
+          <a:prstGeom prst="rect">
+            <a:avLst/>
+          </a:prstGeom>
+          <a:noFill/>
+          <a:ln>
+            <a:noFill/>
+          </a:ln>
+          <a:effectLst/>
+          <a:extLst>
+            <a:ext uri="{909E8E84-426E-40DD-AFC4-6F175D3DCCD1}">
+              <a14:hiddenFill xmlns:a14="http://schemas.microsoft.com/office/drawing/2010/main">
+                <a:solidFill>
+                  <a:schemeClr val="accent1"/>
+                </a:solidFill>
+              </a14:hiddenFill>
+            </a:ext>
+            <a:ext uri="{91240B29-F687-4F45-9708-019B960494DF}">
+              <a14:hiddenLine xmlns:a14="http://schemas.microsoft.com/office/drawing/2010/main" w="9525">
+                <a:solidFill>
+                  <a:schemeClr val="tx1"/>
+                </a:solidFill>
+                <a:miter lim="800000"/>
+                <a:headEnd/>
+                <a:tailEnd/>
+              </a14:hiddenLine>
+            </a:ext>
+            <a:ext uri="{AF507438-7753-43E0-B8FC-AC1667EBCBE1}">
+              <a14:hiddenEffects xmlns:a14="http://schemas.microsoft.com/office/drawing/2010/main">
+                <a:effectLst>
+                  <a:outerShdw dist="35921" dir="2700000" algn="ctr" rotWithShape="0">
+                    <a:schemeClr val="bg2"/>
+                  </a:outerShdw>
+                </a:effectLst>
+              </a14:hiddenEffects>
+            </a:ext>
+          </a:extLst>
+        </p:spPr>
+      </p:pic>
+    </p:spTree>
+    <p:extLst>
+      <p:ext uri="{BB962C8B-B14F-4D97-AF65-F5344CB8AC3E}">
+        <p14:creationId xmlns:p14="http://schemas.microsoft.com/office/powerpoint/2010/main" val="683897700"/>
+      </p:ext>
+    </p:extLst>
+  </p:cSld>
+  <p:clrMapOvr>
+    <a:masterClrMapping/>
+  </p:clrMapOvr>
+  <p:timing>
+    <p:tnLst>
+      <p:par>
+        <p:cTn id="1" dur="indefinite" restart="never" nodeType="tmRoot"/>
+      </p:par>
+    </p:tnLst>
+  </p:timing>
+</p:sld>
+</file>
+
+<file path=ppt/slides/slide7.xml><?xml version="1.0" encoding="utf-8"?>
+<p:sld xmlns:a="http://schemas.openxmlformats.org/drawingml/2006/main" xmlns:r="http://schemas.openxmlformats.org/officeDocument/2006/relationships" xmlns:p="http://schemas.openxmlformats.org/presentationml/2006/main">
+  <p:cSld>
+    <p:spTree>
+      <p:nvGrpSpPr>
+        <p:cNvPr id="1" name=""/>
+        <p:cNvGrpSpPr/>
+        <p:nvPr/>
+      </p:nvGrpSpPr>
+      <p:grpSpPr>
+        <a:xfrm>
+          <a:off x="0" y="0"/>
+          <a:ext cx="0" cy="0"/>
+          <a:chOff x="0" y="0"/>
+          <a:chExt cx="0" cy="0"/>
+        </a:xfrm>
+      </p:grpSpPr>
+      <p:sp>
+        <p:nvSpPr>
           <p:cNvPr id="2" name="Rectangle 1"/>
           <p:cNvSpPr>
             <a:spLocks noGrp="1"/>
@@ -12327,9 +16359,18 @@
               <a:buChar char="Ø"/>
             </a:pPr>
             <a:r>
+              <a:rPr lang="en-US" sz="1400" dirty="0" err="1"/>
+              <a:t>JUnit</a:t>
+            </a:r>
+            <a:r>
               <a:rPr lang="en-US" sz="1400" dirty="0"/>
-              <a:t>JUnit 4.x</a:t>
-            </a:r>
+              <a:t> </a:t>
+            </a:r>
+            <a:r>
+              <a:rPr lang="en-US" sz="1400" dirty="0" smtClean="0"/>
+              <a:t>4.x</a:t>
+            </a:r>
+            <a:endParaRPr lang="en-US" sz="1400" dirty="0"/>
           </a:p>
         </p:txBody>
       </p:sp>
@@ -12417,7 +16458,280 @@
 </p:sld>
 </file>
 
-<file path=ppt/slides/slide7.xml><?xml version="1.0" encoding="utf-8"?>
+<file path=ppt/slides/slide8.xml><?xml version="1.0" encoding="utf-8"?>
+<p:sld xmlns:a="http://schemas.openxmlformats.org/drawingml/2006/main" xmlns:r="http://schemas.openxmlformats.org/officeDocument/2006/relationships" xmlns:p="http://schemas.openxmlformats.org/presentationml/2006/main">
+  <p:cSld>
+    <p:spTree>
+      <p:nvGrpSpPr>
+        <p:cNvPr id="1" name=""/>
+        <p:cNvGrpSpPr/>
+        <p:nvPr/>
+      </p:nvGrpSpPr>
+      <p:grpSpPr>
+        <a:xfrm>
+          <a:off x="0" y="0"/>
+          <a:ext cx="0" cy="0"/>
+          <a:chOff x="0" y="0"/>
+          <a:chExt cx="0" cy="0"/>
+        </a:xfrm>
+      </p:grpSpPr>
+      <p:sp>
+        <p:nvSpPr>
+          <p:cNvPr id="2" name="Rectangle 1"/>
+          <p:cNvSpPr>
+            <a:spLocks noGrp="1"/>
+          </p:cNvSpPr>
+          <p:nvPr>
+            <p:ph type="title"/>
+          </p:nvPr>
+        </p:nvSpPr>
+        <p:spPr>
+          <a:xfrm>
+            <a:off x="609600" y="609600"/>
+            <a:ext cx="8183562" cy="1050925"/>
+          </a:xfrm>
+        </p:spPr>
+        <p:txBody>
+          <a:bodyPr>
+            <a:normAutofit/>
+          </a:bodyPr>
+          <a:lstStyle/>
+          <a:p>
+            <a:r>
+              <a:rPr lang="en-US" sz="2400" dirty="0"/>
+              <a:t>Differences (Contd..)</a:t>
+            </a:r>
+          </a:p>
+        </p:txBody>
+      </p:sp>
+      <p:sp>
+        <p:nvSpPr>
+          <p:cNvPr id="3" name="Rectangle 2"/>
+          <p:cNvSpPr>
+            <a:spLocks noGrp="1"/>
+          </p:cNvSpPr>
+          <p:nvPr>
+            <p:ph idx="1"/>
+          </p:nvPr>
+        </p:nvSpPr>
+        <p:spPr>
+          <a:xfrm>
+            <a:off x="457200" y="1676400"/>
+            <a:ext cx="8183562" cy="4187825"/>
+          </a:xfrm>
+        </p:spPr>
+        <p:txBody>
+          <a:bodyPr>
+            <a:normAutofit/>
+          </a:bodyPr>
+          <a:lstStyle/>
+          <a:p>
+            <a:r>
+              <a:rPr lang="en-US" sz="1800" dirty="0" smtClean="0"/>
+              <a:t>One </a:t>
+            </a:r>
+            <a:r>
+              <a:rPr lang="en-US" sz="1800" dirty="0"/>
+              <a:t>Time setup and tear down</a:t>
+            </a:r>
+            <a:r>
+              <a:rPr lang="en-US" sz="1800" dirty="0" smtClean="0"/>
+              <a:t>:</a:t>
+            </a:r>
+          </a:p>
+          <a:p>
+            <a:endParaRPr lang="en-US" sz="1800" dirty="0"/>
+          </a:p>
+          <a:p>
+            <a:pPr lvl="1">
+              <a:buFont typeface="Wingdings" panose="05000000000000000000" pitchFamily="2" charset="2"/>
+              <a:buChar char="Ø"/>
+            </a:pPr>
+            <a:r>
+              <a:rPr lang="en-US" sz="1400" dirty="0" smtClean="0"/>
+              <a:t>Spock : </a:t>
+            </a:r>
+            <a:r>
+              <a:rPr lang="en-US" sz="1400" dirty="0"/>
+              <a:t>using </a:t>
+            </a:r>
+            <a:r>
+              <a:rPr lang="en-US" sz="1400" dirty="0" err="1" smtClean="0"/>
+              <a:t>setupSpec</a:t>
+            </a:r>
+            <a:r>
+              <a:rPr lang="en-US" sz="1400" dirty="0" smtClean="0"/>
+              <a:t>() </a:t>
+            </a:r>
+            <a:r>
+              <a:rPr lang="en-US" sz="1400" dirty="0"/>
+              <a:t>and </a:t>
+            </a:r>
+            <a:r>
+              <a:rPr lang="en-US" sz="1400" dirty="0" err="1" smtClean="0"/>
+              <a:t>cleanupSpec</a:t>
+            </a:r>
+            <a:r>
+              <a:rPr lang="en-US" sz="1400" dirty="0" smtClean="0"/>
+              <a:t>() </a:t>
+            </a:r>
+            <a:r>
+              <a:rPr lang="en-US" sz="1400" dirty="0"/>
+              <a:t>methods</a:t>
+            </a:r>
+            <a:endParaRPr lang="en-US" sz="1400" dirty="0"/>
+          </a:p>
+        </p:txBody>
+      </p:sp>
+      <p:pic>
+        <p:nvPicPr>
+          <p:cNvPr id="2050" name="Picture 2"/>
+          <p:cNvPicPr>
+            <a:picLocks noChangeAspect="1" noChangeArrowheads="1"/>
+          </p:cNvPicPr>
+          <p:nvPr/>
+        </p:nvPicPr>
+        <p:blipFill>
+          <a:blip r:embed="rId3">
+            <a:extLst>
+              <a:ext uri="{28A0092B-C50C-407E-A947-70E740481C1C}">
+                <a14:useLocalDpi xmlns:a14="http://schemas.microsoft.com/office/drawing/2010/main" val="0"/>
+              </a:ext>
+            </a:extLst>
+          </a:blip>
+          <a:srcRect/>
+          <a:stretch>
+            <a:fillRect/>
+          </a:stretch>
+        </p:blipFill>
+        <p:spPr bwMode="auto">
+          <a:xfrm>
+            <a:off x="1143000" y="2743200"/>
+            <a:ext cx="3779837" cy="473075"/>
+          </a:xfrm>
+          <a:prstGeom prst="rect">
+            <a:avLst/>
+          </a:prstGeom>
+          <a:noFill/>
+          <a:ln>
+            <a:noFill/>
+          </a:ln>
+          <a:effectLst/>
+          <a:extLst>
+            <a:ext uri="{909E8E84-426E-40DD-AFC4-6F175D3DCCD1}">
+              <a14:hiddenFill xmlns:a14="http://schemas.microsoft.com/office/drawing/2010/main">
+                <a:solidFill>
+                  <a:schemeClr val="accent1"/>
+                </a:solidFill>
+              </a14:hiddenFill>
+            </a:ext>
+            <a:ext uri="{91240B29-F687-4F45-9708-019B960494DF}">
+              <a14:hiddenLine xmlns:a14="http://schemas.microsoft.com/office/drawing/2010/main" w="9525">
+                <a:solidFill>
+                  <a:schemeClr val="tx1"/>
+                </a:solidFill>
+                <a:miter lim="800000"/>
+                <a:headEnd/>
+                <a:tailEnd/>
+              </a14:hiddenLine>
+            </a:ext>
+            <a:ext uri="{AF507438-7753-43E0-B8FC-AC1667EBCBE1}">
+              <a14:hiddenEffects xmlns:a14="http://schemas.microsoft.com/office/drawing/2010/main">
+                <a:effectLst>
+                  <a:outerShdw dist="35921" dir="2700000" algn="ctr" rotWithShape="0">
+                    <a:schemeClr val="bg2"/>
+                  </a:outerShdw>
+                </a:effectLst>
+              </a14:hiddenEffects>
+            </a:ext>
+          </a:extLst>
+        </p:spPr>
+      </p:pic>
+      <p:pic>
+        <p:nvPicPr>
+          <p:cNvPr id="2051" name="Picture 3"/>
+          <p:cNvPicPr>
+            <a:picLocks noChangeAspect="1" noChangeArrowheads="1"/>
+          </p:cNvPicPr>
+          <p:nvPr/>
+        </p:nvPicPr>
+        <p:blipFill>
+          <a:blip r:embed="rId4">
+            <a:extLst>
+              <a:ext uri="{28A0092B-C50C-407E-A947-70E740481C1C}">
+                <a14:useLocalDpi xmlns:a14="http://schemas.microsoft.com/office/drawing/2010/main" val="0"/>
+              </a:ext>
+            </a:extLst>
+          </a:blip>
+          <a:srcRect/>
+          <a:stretch>
+            <a:fillRect/>
+          </a:stretch>
+        </p:blipFill>
+        <p:spPr bwMode="auto">
+          <a:xfrm>
+            <a:off x="1143000" y="3429000"/>
+            <a:ext cx="4000500" cy="465137"/>
+          </a:xfrm>
+          <a:prstGeom prst="rect">
+            <a:avLst/>
+          </a:prstGeom>
+          <a:noFill/>
+          <a:ln>
+            <a:noFill/>
+          </a:ln>
+          <a:effectLst/>
+          <a:extLst>
+            <a:ext uri="{909E8E84-426E-40DD-AFC4-6F175D3DCCD1}">
+              <a14:hiddenFill xmlns:a14="http://schemas.microsoft.com/office/drawing/2010/main">
+                <a:solidFill>
+                  <a:schemeClr val="accent1"/>
+                </a:solidFill>
+              </a14:hiddenFill>
+            </a:ext>
+            <a:ext uri="{91240B29-F687-4F45-9708-019B960494DF}">
+              <a14:hiddenLine xmlns:a14="http://schemas.microsoft.com/office/drawing/2010/main" w="9525">
+                <a:solidFill>
+                  <a:schemeClr val="tx1"/>
+                </a:solidFill>
+                <a:miter lim="800000"/>
+                <a:headEnd/>
+                <a:tailEnd/>
+              </a14:hiddenLine>
+            </a:ext>
+            <a:ext uri="{AF507438-7753-43E0-B8FC-AC1667EBCBE1}">
+              <a14:hiddenEffects xmlns:a14="http://schemas.microsoft.com/office/drawing/2010/main">
+                <a:effectLst>
+                  <a:outerShdw dist="35921" dir="2700000" algn="ctr" rotWithShape="0">
+                    <a:schemeClr val="bg2"/>
+                  </a:outerShdw>
+                </a:effectLst>
+              </a14:hiddenEffects>
+            </a:ext>
+          </a:extLst>
+        </p:spPr>
+      </p:pic>
+    </p:spTree>
+    <p:extLst>
+      <p:ext uri="{BB962C8B-B14F-4D97-AF65-F5344CB8AC3E}">
+        <p14:creationId xmlns:p14="http://schemas.microsoft.com/office/powerpoint/2010/main" val="1512225268"/>
+      </p:ext>
+    </p:extLst>
+  </p:cSld>
+  <p:clrMapOvr>
+    <a:masterClrMapping/>
+  </p:clrMapOvr>
+  <p:timing>
+    <p:tnLst>
+      <p:par>
+        <p:cTn id="1" dur="indefinite" restart="never" nodeType="tmRoot"/>
+      </p:par>
+    </p:tnLst>
+  </p:timing>
+</p:sld>
+</file>
+
+<file path=ppt/slides/slide9.xml><?xml version="1.0" encoding="utf-8"?>
 <p:sld xmlns:a="http://schemas.openxmlformats.org/drawingml/2006/main" xmlns:r="http://schemas.openxmlformats.org/officeDocument/2006/relationships" xmlns:p="http://schemas.openxmlformats.org/presentationml/2006/main">
   <p:cSld>
     <p:spTree>
@@ -12610,650 +16924,6 @@
     <p:extLst>
       <p:ext uri="{BB962C8B-B14F-4D97-AF65-F5344CB8AC3E}">
         <p14:creationId xmlns:p14="http://schemas.microsoft.com/office/powerpoint/2010/main" val="97091487"/>
-      </p:ext>
-    </p:extLst>
-  </p:cSld>
-  <p:clrMapOvr>
-    <a:masterClrMapping/>
-  </p:clrMapOvr>
-  <p:timing>
-    <p:tnLst>
-      <p:par>
-        <p:cTn id="1" dur="indefinite" restart="never" nodeType="tmRoot"/>
-      </p:par>
-    </p:tnLst>
-  </p:timing>
-</p:sld>
-</file>
-
-<file path=ppt/slides/slide8.xml><?xml version="1.0" encoding="utf-8"?>
-<p:sld xmlns:a="http://schemas.openxmlformats.org/drawingml/2006/main" xmlns:r="http://schemas.openxmlformats.org/officeDocument/2006/relationships" xmlns:p="http://schemas.openxmlformats.org/presentationml/2006/main">
-  <p:cSld>
-    <p:spTree>
-      <p:nvGrpSpPr>
-        <p:cNvPr id="1" name=""/>
-        <p:cNvGrpSpPr/>
-        <p:nvPr/>
-      </p:nvGrpSpPr>
-      <p:grpSpPr>
-        <a:xfrm>
-          <a:off x="0" y="0"/>
-          <a:ext cx="0" cy="0"/>
-          <a:chOff x="0" y="0"/>
-          <a:chExt cx="0" cy="0"/>
-        </a:xfrm>
-      </p:grpSpPr>
-      <p:sp>
-        <p:nvSpPr>
-          <p:cNvPr id="2" name="Rectangle 1"/>
-          <p:cNvSpPr>
-            <a:spLocks noGrp="1"/>
-          </p:cNvSpPr>
-          <p:nvPr>
-            <p:ph type="title"/>
-          </p:nvPr>
-        </p:nvSpPr>
-        <p:spPr>
-          <a:xfrm>
-            <a:off x="609600" y="609600"/>
-            <a:ext cx="8183562" cy="1050925"/>
-          </a:xfrm>
-        </p:spPr>
-        <p:txBody>
-          <a:bodyPr>
-            <a:normAutofit/>
-          </a:bodyPr>
-          <a:lstStyle/>
-          <a:p>
-            <a:r>
-              <a:rPr lang="en-US" sz="2400" dirty="0"/>
-              <a:t>Differences (Contd..)</a:t>
-            </a:r>
-          </a:p>
-        </p:txBody>
-      </p:sp>
-      <p:sp>
-        <p:nvSpPr>
-          <p:cNvPr id="3" name="Rectangle 2"/>
-          <p:cNvSpPr>
-            <a:spLocks noGrp="1"/>
-          </p:cNvSpPr>
-          <p:nvPr>
-            <p:ph idx="1"/>
-          </p:nvPr>
-        </p:nvSpPr>
-        <p:spPr>
-          <a:xfrm>
-            <a:off x="457200" y="1676400"/>
-            <a:ext cx="8183562" cy="4187825"/>
-          </a:xfrm>
-        </p:spPr>
-        <p:txBody>
-          <a:bodyPr>
-            <a:normAutofit/>
-          </a:bodyPr>
-          <a:lstStyle/>
-          <a:p>
-            <a:r>
-              <a:rPr lang="en-GB" sz="1800" dirty="0"/>
-              <a:t>Assert Statements</a:t>
-            </a:r>
-            <a:r>
-              <a:rPr lang="en-GB" sz="1800" dirty="0" smtClean="0"/>
-              <a:t>:</a:t>
-            </a:r>
-            <a:endParaRPr lang="en-GB" sz="1800" dirty="0"/>
-          </a:p>
-          <a:p>
-            <a:pPr lvl="1">
-              <a:buFont typeface="Wingdings" panose="05000000000000000000" pitchFamily="2" charset="2"/>
-              <a:buChar char="Ø"/>
-            </a:pPr>
-            <a:endParaRPr lang="en-US" sz="1400" dirty="0" smtClean="0"/>
-          </a:p>
-          <a:p>
-            <a:pPr lvl="1">
-              <a:buFont typeface="Wingdings" panose="05000000000000000000" pitchFamily="2" charset="2"/>
-              <a:buChar char="Ø"/>
-            </a:pPr>
-            <a:r>
-              <a:rPr lang="en-US" sz="1400" dirty="0" smtClean="0"/>
-              <a:t>JUnit 3.x</a:t>
-            </a:r>
-          </a:p>
-          <a:p>
-            <a:pPr lvl="2">
-              <a:buFont typeface="Wingdings" panose="05000000000000000000" pitchFamily="2" charset="2"/>
-              <a:buChar char="§"/>
-            </a:pPr>
-            <a:r>
-              <a:rPr lang="en-US" sz="1200" dirty="0" smtClean="0"/>
-              <a:t>Functionality provided by base-class (</a:t>
-            </a:r>
-            <a:r>
-              <a:rPr lang="en-US" sz="1200" b="1" dirty="0"/>
-              <a:t>junit.framework.Assert</a:t>
-            </a:r>
-            <a:r>
-              <a:rPr lang="en-US" sz="1200" dirty="0" smtClean="0"/>
-              <a:t>) of TestCase class.</a:t>
-            </a:r>
-          </a:p>
-          <a:p>
-            <a:pPr lvl="2">
-              <a:buFont typeface="Wingdings" panose="05000000000000000000" pitchFamily="2" charset="2"/>
-              <a:buChar char="§"/>
-            </a:pPr>
-            <a:endParaRPr lang="en-US" sz="1200" dirty="0"/>
-          </a:p>
-          <a:p>
-            <a:pPr lvl="1">
-              <a:buFont typeface="Wingdings" panose="05000000000000000000" pitchFamily="2" charset="2"/>
-              <a:buChar char="Ø"/>
-            </a:pPr>
-            <a:endParaRPr lang="en-US" sz="1400" dirty="0" smtClean="0"/>
-          </a:p>
-          <a:p>
-            <a:pPr lvl="1">
-              <a:buFont typeface="Wingdings" panose="05000000000000000000" pitchFamily="2" charset="2"/>
-              <a:buChar char="Ø"/>
-            </a:pPr>
-            <a:endParaRPr lang="en-US" sz="1400" dirty="0" smtClean="0"/>
-          </a:p>
-          <a:p>
-            <a:pPr lvl="1">
-              <a:buFont typeface="Wingdings" panose="05000000000000000000" pitchFamily="2" charset="2"/>
-              <a:buChar char="Ø"/>
-            </a:pPr>
-            <a:r>
-              <a:rPr lang="en-US" sz="1400" dirty="0" smtClean="0"/>
-              <a:t>JUnit 4.x</a:t>
-            </a:r>
-          </a:p>
-          <a:p>
-            <a:pPr lvl="2">
-              <a:buFont typeface="Wingdings" panose="05000000000000000000" pitchFamily="2" charset="2"/>
-              <a:buChar char="§"/>
-            </a:pPr>
-            <a:r>
-              <a:rPr lang="en-US" sz="1200" dirty="0" smtClean="0"/>
-              <a:t>Provides additional functionality to asset arrays.(</a:t>
-            </a:r>
-            <a:r>
-              <a:rPr lang="en-US" sz="1200" b="1" dirty="0" err="1">
-                <a:hlinkClick r:id="rId3"/>
-              </a:rPr>
-              <a:t>assertArrayEquals</a:t>
-            </a:r>
-            <a:r>
-              <a:rPr lang="en-US" sz="1200" dirty="0" smtClean="0"/>
-              <a:t>)</a:t>
-            </a:r>
-          </a:p>
-          <a:p>
-            <a:pPr lvl="2">
-              <a:buFont typeface="Wingdings" panose="05000000000000000000" pitchFamily="2" charset="2"/>
-              <a:buChar char="§"/>
-            </a:pPr>
-            <a:r>
-              <a:rPr lang="en-US" sz="1200" dirty="0" smtClean="0"/>
-              <a:t>Specific asset statements can be imported statically.</a:t>
-            </a:r>
-            <a:endParaRPr lang="en-US" sz="1200" dirty="0"/>
-          </a:p>
-          <a:p>
-            <a:pPr lvl="1">
-              <a:buFont typeface="Wingdings" panose="05000000000000000000" pitchFamily="2" charset="2"/>
-              <a:buChar char="Ø"/>
-            </a:pPr>
-            <a:endParaRPr lang="en-US" sz="1800" dirty="0"/>
-          </a:p>
-          <a:p>
-            <a:endParaRPr lang="en-US" sz="1800" dirty="0"/>
-          </a:p>
-          <a:p>
-            <a:endParaRPr lang="en-US" sz="1800" dirty="0"/>
-          </a:p>
-        </p:txBody>
-      </p:sp>
-      <p:pic>
-        <p:nvPicPr>
-          <p:cNvPr id="1026" name="Picture 2"/>
-          <p:cNvPicPr>
-            <a:picLocks noChangeAspect="1" noChangeArrowheads="1"/>
-          </p:cNvPicPr>
-          <p:nvPr/>
-        </p:nvPicPr>
-        <p:blipFill>
-          <a:blip r:embed="rId4">
-            <a:extLst>
-              <a:ext uri="{28A0092B-C50C-407E-A947-70E740481C1C}">
-                <a14:useLocalDpi xmlns:a14="http://schemas.microsoft.com/office/drawing/2010/main" val="0"/>
-              </a:ext>
-            </a:extLst>
-          </a:blip>
-          <a:srcRect/>
-          <a:stretch>
-            <a:fillRect/>
-          </a:stretch>
-        </p:blipFill>
-        <p:spPr bwMode="auto">
-          <a:xfrm>
-            <a:off x="1447800" y="2819400"/>
-            <a:ext cx="3419475" cy="409575"/>
-          </a:xfrm>
-          <a:prstGeom prst="rect">
-            <a:avLst/>
-          </a:prstGeom>
-          <a:noFill/>
-          <a:ln>
-            <a:noFill/>
-          </a:ln>
-          <a:effectLst/>
-          <a:extLst>
-            <a:ext uri="{909E8E84-426E-40DD-AFC4-6F175D3DCCD1}">
-              <a14:hiddenFill xmlns:a14="http://schemas.microsoft.com/office/drawing/2010/main">
-                <a:solidFill>
-                  <a:schemeClr val="accent1"/>
-                </a:solidFill>
-              </a14:hiddenFill>
-            </a:ext>
-            <a:ext uri="{91240B29-F687-4F45-9708-019B960494DF}">
-              <a14:hiddenLine xmlns:a14="http://schemas.microsoft.com/office/drawing/2010/main" w="9525">
-                <a:solidFill>
-                  <a:schemeClr val="tx1"/>
-                </a:solidFill>
-                <a:miter lim="800000"/>
-                <a:headEnd/>
-                <a:tailEnd/>
-              </a14:hiddenLine>
-            </a:ext>
-            <a:ext uri="{AF507438-7753-43E0-B8FC-AC1667EBCBE1}">
-              <a14:hiddenEffects xmlns:a14="http://schemas.microsoft.com/office/drawing/2010/main">
-                <a:effectLst>
-                  <a:outerShdw dist="35921" dir="2700000" algn="ctr" rotWithShape="0">
-                    <a:schemeClr val="bg2"/>
-                  </a:outerShdw>
-                </a:effectLst>
-              </a14:hiddenEffects>
-            </a:ext>
-          </a:extLst>
-        </p:spPr>
-      </p:pic>
-      <p:pic>
-        <p:nvPicPr>
-          <p:cNvPr id="1027" name="Picture 3"/>
-          <p:cNvPicPr>
-            <a:picLocks noChangeAspect="1" noChangeArrowheads="1"/>
-          </p:cNvPicPr>
-          <p:nvPr/>
-        </p:nvPicPr>
-        <p:blipFill>
-          <a:blip r:embed="rId5">
-            <a:extLst>
-              <a:ext uri="{28A0092B-C50C-407E-A947-70E740481C1C}">
-                <a14:useLocalDpi xmlns:a14="http://schemas.microsoft.com/office/drawing/2010/main" val="0"/>
-              </a:ext>
-            </a:extLst>
-          </a:blip>
-          <a:srcRect/>
-          <a:stretch>
-            <a:fillRect/>
-          </a:stretch>
-        </p:blipFill>
-        <p:spPr bwMode="auto">
-          <a:xfrm>
-            <a:off x="1465604" y="4310062"/>
-            <a:ext cx="3419475" cy="390525"/>
-          </a:xfrm>
-          <a:prstGeom prst="rect">
-            <a:avLst/>
-          </a:prstGeom>
-          <a:noFill/>
-          <a:ln>
-            <a:noFill/>
-          </a:ln>
-          <a:effectLst/>
-          <a:extLst>
-            <a:ext uri="{909E8E84-426E-40DD-AFC4-6F175D3DCCD1}">
-              <a14:hiddenFill xmlns:a14="http://schemas.microsoft.com/office/drawing/2010/main">
-                <a:solidFill>
-                  <a:schemeClr val="accent1"/>
-                </a:solidFill>
-              </a14:hiddenFill>
-            </a:ext>
-            <a:ext uri="{91240B29-F687-4F45-9708-019B960494DF}">
-              <a14:hiddenLine xmlns:a14="http://schemas.microsoft.com/office/drawing/2010/main" w="9525">
-                <a:solidFill>
-                  <a:schemeClr val="tx1"/>
-                </a:solidFill>
-                <a:miter lim="800000"/>
-                <a:headEnd/>
-                <a:tailEnd/>
-              </a14:hiddenLine>
-            </a:ext>
-            <a:ext uri="{AF507438-7753-43E0-B8FC-AC1667EBCBE1}">
-              <a14:hiddenEffects xmlns:a14="http://schemas.microsoft.com/office/drawing/2010/main">
-                <a:effectLst>
-                  <a:outerShdw dist="35921" dir="2700000" algn="ctr" rotWithShape="0">
-                    <a:schemeClr val="bg2"/>
-                  </a:outerShdw>
-                </a:effectLst>
-              </a14:hiddenEffects>
-            </a:ext>
-          </a:extLst>
-        </p:spPr>
-      </p:pic>
-    </p:spTree>
-    <p:extLst>
-      <p:ext uri="{BB962C8B-B14F-4D97-AF65-F5344CB8AC3E}">
-        <p14:creationId xmlns:p14="http://schemas.microsoft.com/office/powerpoint/2010/main" val="3429744658"/>
-      </p:ext>
-    </p:extLst>
-  </p:cSld>
-  <p:clrMapOvr>
-    <a:masterClrMapping/>
-  </p:clrMapOvr>
-  <p:timing>
-    <p:tnLst>
-      <p:par>
-        <p:cTn id="1" dur="indefinite" restart="never" nodeType="tmRoot"/>
-      </p:par>
-    </p:tnLst>
-  </p:timing>
-</p:sld>
-</file>
-
-<file path=ppt/slides/slide9.xml><?xml version="1.0" encoding="utf-8"?>
-<p:sld xmlns:a="http://schemas.openxmlformats.org/drawingml/2006/main" xmlns:r="http://schemas.openxmlformats.org/officeDocument/2006/relationships" xmlns:p="http://schemas.openxmlformats.org/presentationml/2006/main">
-  <p:cSld>
-    <p:spTree>
-      <p:nvGrpSpPr>
-        <p:cNvPr id="1" name=""/>
-        <p:cNvGrpSpPr/>
-        <p:nvPr/>
-      </p:nvGrpSpPr>
-      <p:grpSpPr>
-        <a:xfrm>
-          <a:off x="0" y="0"/>
-          <a:ext cx="0" cy="0"/>
-          <a:chOff x="0" y="0"/>
-          <a:chExt cx="0" cy="0"/>
-        </a:xfrm>
-      </p:grpSpPr>
-      <p:sp>
-        <p:nvSpPr>
-          <p:cNvPr id="2" name="Rectangle 1"/>
-          <p:cNvSpPr>
-            <a:spLocks noGrp="1"/>
-          </p:cNvSpPr>
-          <p:nvPr>
-            <p:ph type="title"/>
-          </p:nvPr>
-        </p:nvSpPr>
-        <p:spPr>
-          <a:xfrm>
-            <a:off x="609600" y="609600"/>
-            <a:ext cx="8183562" cy="1050925"/>
-          </a:xfrm>
-        </p:spPr>
-        <p:txBody>
-          <a:bodyPr>
-            <a:normAutofit/>
-          </a:bodyPr>
-          <a:lstStyle/>
-          <a:p>
-            <a:r>
-              <a:rPr lang="en-US" sz="2400" dirty="0"/>
-              <a:t>Differences (Contd..)</a:t>
-            </a:r>
-          </a:p>
-        </p:txBody>
-      </p:sp>
-      <p:sp>
-        <p:nvSpPr>
-          <p:cNvPr id="3" name="Rectangle 2"/>
-          <p:cNvSpPr>
-            <a:spLocks noGrp="1"/>
-          </p:cNvSpPr>
-          <p:nvPr>
-            <p:ph idx="1"/>
-          </p:nvPr>
-        </p:nvSpPr>
-        <p:spPr>
-          <a:xfrm>
-            <a:off x="457200" y="1676400"/>
-            <a:ext cx="8183562" cy="4187825"/>
-          </a:xfrm>
-        </p:spPr>
-        <p:txBody>
-          <a:bodyPr>
-            <a:normAutofit/>
-          </a:bodyPr>
-          <a:lstStyle/>
-          <a:p>
-            <a:r>
-              <a:rPr lang="en-GB" sz="1800" dirty="0"/>
-              <a:t>Test Suite:</a:t>
-            </a:r>
-          </a:p>
-          <a:p>
-            <a:pPr lvl="1">
-              <a:buFont typeface="Wingdings" panose="05000000000000000000" pitchFamily="2" charset="2"/>
-              <a:buChar char="Ø"/>
-            </a:pPr>
-            <a:endParaRPr lang="en-US" sz="1400" dirty="0" smtClean="0"/>
-          </a:p>
-          <a:p>
-            <a:pPr lvl="1">
-              <a:buFont typeface="Wingdings" panose="05000000000000000000" pitchFamily="2" charset="2"/>
-              <a:buChar char="Ø"/>
-            </a:pPr>
-            <a:r>
-              <a:rPr lang="en-US" sz="1400" dirty="0" smtClean="0"/>
-              <a:t>JUnit 3.x</a:t>
-            </a:r>
-          </a:p>
-          <a:p>
-            <a:pPr lvl="1">
-              <a:buFont typeface="Wingdings" panose="05000000000000000000" pitchFamily="2" charset="2"/>
-              <a:buChar char="Ø"/>
-            </a:pPr>
-            <a:endParaRPr lang="en-US" sz="1400" dirty="0"/>
-          </a:p>
-          <a:p>
-            <a:pPr lvl="1">
-              <a:buFont typeface="Wingdings" panose="05000000000000000000" pitchFamily="2" charset="2"/>
-              <a:buChar char="Ø"/>
-            </a:pPr>
-            <a:endParaRPr lang="en-US" sz="1400" dirty="0" smtClean="0"/>
-          </a:p>
-          <a:p>
-            <a:pPr lvl="1">
-              <a:buFont typeface="Wingdings" panose="05000000000000000000" pitchFamily="2" charset="2"/>
-              <a:buChar char="Ø"/>
-            </a:pPr>
-            <a:endParaRPr lang="en-US" sz="1400" dirty="0"/>
-          </a:p>
-          <a:p>
-            <a:pPr lvl="1">
-              <a:buFont typeface="Wingdings" panose="05000000000000000000" pitchFamily="2" charset="2"/>
-              <a:buChar char="Ø"/>
-            </a:pPr>
-            <a:endParaRPr lang="en-US" sz="1400" dirty="0" smtClean="0"/>
-          </a:p>
-          <a:p>
-            <a:pPr lvl="1">
-              <a:buFont typeface="Wingdings" panose="05000000000000000000" pitchFamily="2" charset="2"/>
-              <a:buChar char="Ø"/>
-            </a:pPr>
-            <a:r>
-              <a:rPr lang="en-US" sz="1400" dirty="0"/>
-              <a:t>JUnit 4.x</a:t>
-            </a:r>
-          </a:p>
-          <a:p>
-            <a:pPr lvl="1">
-              <a:buFont typeface="Wingdings" panose="05000000000000000000" pitchFamily="2" charset="2"/>
-              <a:buChar char="Ø"/>
-            </a:pPr>
-            <a:endParaRPr lang="en-US" sz="1800" dirty="0"/>
-          </a:p>
-          <a:p>
-            <a:endParaRPr lang="en-US" sz="1800" dirty="0"/>
-          </a:p>
-          <a:p>
-            <a:endParaRPr lang="en-US" sz="1800" dirty="0"/>
-          </a:p>
-        </p:txBody>
-      </p:sp>
-      <p:grpSp>
-        <p:nvGrpSpPr>
-          <p:cNvPr id="5" name="Group 4"/>
-          <p:cNvGrpSpPr/>
-          <p:nvPr/>
-        </p:nvGrpSpPr>
-        <p:grpSpPr>
-          <a:xfrm>
-            <a:off x="2133599" y="2590800"/>
-            <a:ext cx="5583965" cy="1905000"/>
-            <a:chOff x="2263717" y="1450256"/>
-            <a:chExt cx="6311463" cy="2197295"/>
-          </a:xfrm>
-        </p:grpSpPr>
-        <p:pic>
-          <p:nvPicPr>
-            <p:cNvPr id="6" name="Picture 2"/>
-            <p:cNvPicPr>
-              <a:picLocks noChangeAspect="1" noChangeArrowheads="1"/>
-            </p:cNvPicPr>
-            <p:nvPr/>
-          </p:nvPicPr>
-          <p:blipFill>
-            <a:blip r:embed="rId3">
-              <a:extLst>
-                <a:ext uri="{28A0092B-C50C-407E-A947-70E740481C1C}">
-                  <a14:useLocalDpi xmlns:a14="http://schemas.microsoft.com/office/drawing/2010/main" val="0"/>
-                </a:ext>
-              </a:extLst>
-            </a:blip>
-            <a:srcRect/>
-            <a:stretch>
-              <a:fillRect/>
-            </a:stretch>
-          </p:blipFill>
-          <p:spPr bwMode="auto">
-            <a:xfrm>
-              <a:off x="2263718" y="1450256"/>
-              <a:ext cx="6311462" cy="1042916"/>
-            </a:xfrm>
-            <a:prstGeom prst="rect">
-              <a:avLst/>
-            </a:prstGeom>
-            <a:noFill/>
-            <a:ln>
-              <a:noFill/>
-            </a:ln>
-            <a:effectLst/>
-            <a:extLst>
-              <a:ext uri="{909E8E84-426E-40DD-AFC4-6F175D3DCCD1}">
-                <a14:hiddenFill xmlns:a14="http://schemas.microsoft.com/office/drawing/2010/main">
-                  <a:solidFill>
-                    <a:schemeClr val="accent1"/>
-                  </a:solidFill>
-                </a14:hiddenFill>
-              </a:ext>
-              <a:ext uri="{91240B29-F687-4F45-9708-019B960494DF}">
-                <a14:hiddenLine xmlns:a14="http://schemas.microsoft.com/office/drawing/2010/main" w="9525">
-                  <a:solidFill>
-                    <a:schemeClr val="tx1"/>
-                  </a:solidFill>
-                  <a:miter lim="800000"/>
-                  <a:headEnd/>
-                  <a:tailEnd/>
-                </a14:hiddenLine>
-              </a:ext>
-              <a:ext uri="{AF507438-7753-43E0-B8FC-AC1667EBCBE1}">
-                <a14:hiddenEffects xmlns:a14="http://schemas.microsoft.com/office/drawing/2010/main">
-                  <a:effectLst>
-                    <a:outerShdw dist="35921" dir="2700000" algn="ctr" rotWithShape="0">
-                      <a:schemeClr val="bg2"/>
-                    </a:outerShdw>
-                  </a:effectLst>
-                </a14:hiddenEffects>
-              </a:ext>
-            </a:extLst>
-          </p:spPr>
-        </p:pic>
-        <p:pic>
-          <p:nvPicPr>
-            <p:cNvPr id="7" name="Picture 3"/>
-            <p:cNvPicPr>
-              <a:picLocks noChangeAspect="1" noChangeArrowheads="1"/>
-            </p:cNvPicPr>
-            <p:nvPr/>
-          </p:nvPicPr>
-          <p:blipFill>
-            <a:blip r:embed="rId4">
-              <a:extLst>
-                <a:ext uri="{28A0092B-C50C-407E-A947-70E740481C1C}">
-                  <a14:useLocalDpi xmlns:a14="http://schemas.microsoft.com/office/drawing/2010/main" val="0"/>
-                </a:ext>
-              </a:extLst>
-            </a:blip>
-            <a:srcRect/>
-            <a:stretch>
-              <a:fillRect/>
-            </a:stretch>
-          </p:blipFill>
-          <p:spPr bwMode="auto">
-            <a:xfrm>
-              <a:off x="2263717" y="2690714"/>
-              <a:ext cx="6311463" cy="956837"/>
-            </a:xfrm>
-            <a:prstGeom prst="rect">
-              <a:avLst/>
-            </a:prstGeom>
-            <a:noFill/>
-            <a:ln>
-              <a:noFill/>
-            </a:ln>
-            <a:effectLst/>
-            <a:extLst>
-              <a:ext uri="{909E8E84-426E-40DD-AFC4-6F175D3DCCD1}">
-                <a14:hiddenFill xmlns:a14="http://schemas.microsoft.com/office/drawing/2010/main">
-                  <a:solidFill>
-                    <a:schemeClr val="accent1"/>
-                  </a:solidFill>
-                </a14:hiddenFill>
-              </a:ext>
-              <a:ext uri="{91240B29-F687-4F45-9708-019B960494DF}">
-                <a14:hiddenLine xmlns:a14="http://schemas.microsoft.com/office/drawing/2010/main" w="9525">
-                  <a:solidFill>
-                    <a:schemeClr val="tx1"/>
-                  </a:solidFill>
-                  <a:miter lim="800000"/>
-                  <a:headEnd/>
-                  <a:tailEnd/>
-                </a14:hiddenLine>
-              </a:ext>
-              <a:ext uri="{AF507438-7753-43E0-B8FC-AC1667EBCBE1}">
-                <a14:hiddenEffects xmlns:a14="http://schemas.microsoft.com/office/drawing/2010/main">
-                  <a:effectLst>
-                    <a:outerShdw dist="35921" dir="2700000" algn="ctr" rotWithShape="0">
-                      <a:schemeClr val="bg2"/>
-                    </a:outerShdw>
-                  </a:effectLst>
-                </a14:hiddenEffects>
-              </a:ext>
-            </a:extLst>
-          </p:spPr>
-        </p:pic>
-      </p:grpSp>
-    </p:spTree>
-    <p:extLst>
-      <p:ext uri="{BB962C8B-B14F-4D97-AF65-F5344CB8AC3E}">
-        <p14:creationId xmlns:p14="http://schemas.microsoft.com/office/powerpoint/2010/main" val="3169221721"/>
       </p:ext>
     </p:extLst>
   </p:cSld>
